--- a/DeepM6A/presentation/DeepM6A_meth.pptx
+++ b/DeepM6A/presentation/DeepM6A_meth.pptx
@@ -35,10 +35,12 @@
     <p:sldId id="295" r:id="rId29"/>
     <p:sldId id="296" r:id="rId30"/>
     <p:sldId id="297" r:id="rId31"/>
-    <p:sldId id="298" r:id="rId32"/>
-    <p:sldId id="299" r:id="rId33"/>
-    <p:sldId id="300" r:id="rId34"/>
-    <p:sldId id="301" r:id="rId35"/>
+    <p:sldId id="304" r:id="rId32"/>
+    <p:sldId id="298" r:id="rId33"/>
+    <p:sldId id="299" r:id="rId34"/>
+    <p:sldId id="305" r:id="rId35"/>
+    <p:sldId id="300" r:id="rId36"/>
+    <p:sldId id="301" r:id="rId37"/>
   </p:sldIdLst>
   <p:sldSz cx="12192000" cy="6858000"/>
   <p:notesSz cx="6858000" cy="9144000"/>
@@ -137,6 +139,11 @@
       </a:defRPr>
     </a:lvl9pPr>
   </p:defaultTextStyle>
+  <p:extLst>
+    <p:ext uri="{EFAFB233-063F-42B5-8137-9DF3F51BA10A}">
+      <p15:sldGuideLst xmlns:p15="http://schemas.microsoft.com/office/powerpoint/2012/main"/>
+    </p:ext>
+  </p:extLst>
 </p:presentation>
 </file>
 
@@ -162,7 +169,7 @@
           <p:cNvPr id="2" name="標題 1">
             <a:extLst>
               <a:ext uri="{FF2B5EF4-FFF2-40B4-BE49-F238E27FC236}">
-                <a16:creationId xmlns:a16="http://schemas.microsoft.com/office/drawing/2014/main" id="{80FB7BB7-BB5D-1EB8-7B21-CDFAB2487348}"/>
+                <a16:creationId xmlns="" xmlns:a16="http://schemas.microsoft.com/office/drawing/2014/main" id="{80FB7BB7-BB5D-1EB8-7B21-CDFAB2487348}"/>
               </a:ext>
             </a:extLst>
           </p:cNvPr>
@@ -199,7 +206,7 @@
           <p:cNvPr id="3" name="副標題 2">
             <a:extLst>
               <a:ext uri="{FF2B5EF4-FFF2-40B4-BE49-F238E27FC236}">
-                <a16:creationId xmlns:a16="http://schemas.microsoft.com/office/drawing/2014/main" id="{5D9E2DDD-37AE-9DE4-E746-6444E28863C4}"/>
+                <a16:creationId xmlns="" xmlns:a16="http://schemas.microsoft.com/office/drawing/2014/main" id="{5D9E2DDD-37AE-9DE4-E746-6444E28863C4}"/>
               </a:ext>
             </a:extLst>
           </p:cNvPr>
@@ -269,7 +276,7 @@
           <p:cNvPr id="4" name="日期版面配置區 3">
             <a:extLst>
               <a:ext uri="{FF2B5EF4-FFF2-40B4-BE49-F238E27FC236}">
-                <a16:creationId xmlns:a16="http://schemas.microsoft.com/office/drawing/2014/main" id="{2F0990A8-82FD-19F1-4527-3F2DE9D687DA}"/>
+                <a16:creationId xmlns="" xmlns:a16="http://schemas.microsoft.com/office/drawing/2014/main" id="{2F0990A8-82FD-19F1-4527-3F2DE9D687DA}"/>
               </a:ext>
             </a:extLst>
           </p:cNvPr>
@@ -287,7 +294,7 @@
           <a:p>
             <a:fld id="{BA0850F6-1F4F-4167-94CC-452D8DCE8FB8}" type="datetimeFigureOut">
               <a:rPr lang="zh-TW" altLang="en-US" smtClean="0"/>
-              <a:t>2022/6/6</a:t>
+              <a:t>2022/6/7</a:t>
             </a:fld>
             <a:endParaRPr lang="zh-TW" altLang="en-US"/>
           </a:p>
@@ -298,7 +305,7 @@
           <p:cNvPr id="5" name="頁尾版面配置區 4">
             <a:extLst>
               <a:ext uri="{FF2B5EF4-FFF2-40B4-BE49-F238E27FC236}">
-                <a16:creationId xmlns:a16="http://schemas.microsoft.com/office/drawing/2014/main" id="{3DBF16AB-4D6C-B2FA-10D9-3FFF4CF9059F}"/>
+                <a16:creationId xmlns="" xmlns:a16="http://schemas.microsoft.com/office/drawing/2014/main" id="{3DBF16AB-4D6C-B2FA-10D9-3FFF4CF9059F}"/>
               </a:ext>
             </a:extLst>
           </p:cNvPr>
@@ -323,7 +330,7 @@
           <p:cNvPr id="6" name="投影片編號版面配置區 5">
             <a:extLst>
               <a:ext uri="{FF2B5EF4-FFF2-40B4-BE49-F238E27FC236}">
-                <a16:creationId xmlns:a16="http://schemas.microsoft.com/office/drawing/2014/main" id="{78C0B9C9-0513-412C-EDB2-D7E77DDA9E0E}"/>
+                <a16:creationId xmlns="" xmlns:a16="http://schemas.microsoft.com/office/drawing/2014/main" id="{78C0B9C9-0513-412C-EDB2-D7E77DDA9E0E}"/>
               </a:ext>
             </a:extLst>
           </p:cNvPr>
@@ -382,7 +389,7 @@
           <p:cNvPr id="2" name="標題 1">
             <a:extLst>
               <a:ext uri="{FF2B5EF4-FFF2-40B4-BE49-F238E27FC236}">
-                <a16:creationId xmlns:a16="http://schemas.microsoft.com/office/drawing/2014/main" id="{930478D2-75D2-09BB-F02B-551C392CA992}"/>
+                <a16:creationId xmlns="" xmlns:a16="http://schemas.microsoft.com/office/drawing/2014/main" id="{930478D2-75D2-09BB-F02B-551C392CA992}"/>
               </a:ext>
             </a:extLst>
           </p:cNvPr>
@@ -410,7 +417,7 @@
           <p:cNvPr id="3" name="直排文字版面配置區 2">
             <a:extLst>
               <a:ext uri="{FF2B5EF4-FFF2-40B4-BE49-F238E27FC236}">
-                <a16:creationId xmlns:a16="http://schemas.microsoft.com/office/drawing/2014/main" id="{6BC33394-3083-56F9-8602-AAA10E28D01D}"/>
+                <a16:creationId xmlns="" xmlns:a16="http://schemas.microsoft.com/office/drawing/2014/main" id="{6BC33394-3083-56F9-8602-AAA10E28D01D}"/>
               </a:ext>
             </a:extLst>
           </p:cNvPr>
@@ -467,7 +474,7 @@
           <p:cNvPr id="4" name="日期版面配置區 3">
             <a:extLst>
               <a:ext uri="{FF2B5EF4-FFF2-40B4-BE49-F238E27FC236}">
-                <a16:creationId xmlns:a16="http://schemas.microsoft.com/office/drawing/2014/main" id="{9D67B762-F9CF-490A-C3B2-A167C0E3F235}"/>
+                <a16:creationId xmlns="" xmlns:a16="http://schemas.microsoft.com/office/drawing/2014/main" id="{9D67B762-F9CF-490A-C3B2-A167C0E3F235}"/>
               </a:ext>
             </a:extLst>
           </p:cNvPr>
@@ -485,7 +492,7 @@
           <a:p>
             <a:fld id="{BA0850F6-1F4F-4167-94CC-452D8DCE8FB8}" type="datetimeFigureOut">
               <a:rPr lang="zh-TW" altLang="en-US" smtClean="0"/>
-              <a:t>2022/6/6</a:t>
+              <a:t>2022/6/7</a:t>
             </a:fld>
             <a:endParaRPr lang="zh-TW" altLang="en-US"/>
           </a:p>
@@ -496,7 +503,7 @@
           <p:cNvPr id="5" name="頁尾版面配置區 4">
             <a:extLst>
               <a:ext uri="{FF2B5EF4-FFF2-40B4-BE49-F238E27FC236}">
-                <a16:creationId xmlns:a16="http://schemas.microsoft.com/office/drawing/2014/main" id="{A77C7BDD-E85A-2B42-31CF-1C9F643DE82C}"/>
+                <a16:creationId xmlns="" xmlns:a16="http://schemas.microsoft.com/office/drawing/2014/main" id="{A77C7BDD-E85A-2B42-31CF-1C9F643DE82C}"/>
               </a:ext>
             </a:extLst>
           </p:cNvPr>
@@ -521,7 +528,7 @@
           <p:cNvPr id="6" name="投影片編號版面配置區 5">
             <a:extLst>
               <a:ext uri="{FF2B5EF4-FFF2-40B4-BE49-F238E27FC236}">
-                <a16:creationId xmlns:a16="http://schemas.microsoft.com/office/drawing/2014/main" id="{9288649E-81F8-6CE0-2C24-AE982E7C2767}"/>
+                <a16:creationId xmlns="" xmlns:a16="http://schemas.microsoft.com/office/drawing/2014/main" id="{9288649E-81F8-6CE0-2C24-AE982E7C2767}"/>
               </a:ext>
             </a:extLst>
           </p:cNvPr>
@@ -580,7 +587,7 @@
           <p:cNvPr id="2" name="直排標題 1">
             <a:extLst>
               <a:ext uri="{FF2B5EF4-FFF2-40B4-BE49-F238E27FC236}">
-                <a16:creationId xmlns:a16="http://schemas.microsoft.com/office/drawing/2014/main" id="{A90F39B8-3957-0911-B610-2ECBF18AC528}"/>
+                <a16:creationId xmlns="" xmlns:a16="http://schemas.microsoft.com/office/drawing/2014/main" id="{A90F39B8-3957-0911-B610-2ECBF18AC528}"/>
               </a:ext>
             </a:extLst>
           </p:cNvPr>
@@ -613,7 +620,7 @@
           <p:cNvPr id="3" name="直排文字版面配置區 2">
             <a:extLst>
               <a:ext uri="{FF2B5EF4-FFF2-40B4-BE49-F238E27FC236}">
-                <a16:creationId xmlns:a16="http://schemas.microsoft.com/office/drawing/2014/main" id="{8CB1FD00-03FE-098B-D62D-90756B2FC3E8}"/>
+                <a16:creationId xmlns="" xmlns:a16="http://schemas.microsoft.com/office/drawing/2014/main" id="{8CB1FD00-03FE-098B-D62D-90756B2FC3E8}"/>
               </a:ext>
             </a:extLst>
           </p:cNvPr>
@@ -675,7 +682,7 @@
           <p:cNvPr id="4" name="日期版面配置區 3">
             <a:extLst>
               <a:ext uri="{FF2B5EF4-FFF2-40B4-BE49-F238E27FC236}">
-                <a16:creationId xmlns:a16="http://schemas.microsoft.com/office/drawing/2014/main" id="{1C498594-54DA-780D-857E-515B2091B97B}"/>
+                <a16:creationId xmlns="" xmlns:a16="http://schemas.microsoft.com/office/drawing/2014/main" id="{1C498594-54DA-780D-857E-515B2091B97B}"/>
               </a:ext>
             </a:extLst>
           </p:cNvPr>
@@ -693,7 +700,7 @@
           <a:p>
             <a:fld id="{BA0850F6-1F4F-4167-94CC-452D8DCE8FB8}" type="datetimeFigureOut">
               <a:rPr lang="zh-TW" altLang="en-US" smtClean="0"/>
-              <a:t>2022/6/6</a:t>
+              <a:t>2022/6/7</a:t>
             </a:fld>
             <a:endParaRPr lang="zh-TW" altLang="en-US"/>
           </a:p>
@@ -704,7 +711,7 @@
           <p:cNvPr id="5" name="頁尾版面配置區 4">
             <a:extLst>
               <a:ext uri="{FF2B5EF4-FFF2-40B4-BE49-F238E27FC236}">
-                <a16:creationId xmlns:a16="http://schemas.microsoft.com/office/drawing/2014/main" id="{164CAF94-BFD9-3385-FECA-6B6690DECF31}"/>
+                <a16:creationId xmlns="" xmlns:a16="http://schemas.microsoft.com/office/drawing/2014/main" id="{164CAF94-BFD9-3385-FECA-6B6690DECF31}"/>
               </a:ext>
             </a:extLst>
           </p:cNvPr>
@@ -729,7 +736,7 @@
           <p:cNvPr id="6" name="投影片編號版面配置區 5">
             <a:extLst>
               <a:ext uri="{FF2B5EF4-FFF2-40B4-BE49-F238E27FC236}">
-                <a16:creationId xmlns:a16="http://schemas.microsoft.com/office/drawing/2014/main" id="{79197019-25DC-3FB4-F206-838B75F3823A}"/>
+                <a16:creationId xmlns="" xmlns:a16="http://schemas.microsoft.com/office/drawing/2014/main" id="{79197019-25DC-3FB4-F206-838B75F3823A}"/>
               </a:ext>
             </a:extLst>
           </p:cNvPr>
@@ -788,7 +795,7 @@
           <p:cNvPr id="2" name="標題 1">
             <a:extLst>
               <a:ext uri="{FF2B5EF4-FFF2-40B4-BE49-F238E27FC236}">
-                <a16:creationId xmlns:a16="http://schemas.microsoft.com/office/drawing/2014/main" id="{3E213BD3-8258-8717-8414-DAFC68CB5541}"/>
+                <a16:creationId xmlns="" xmlns:a16="http://schemas.microsoft.com/office/drawing/2014/main" id="{3E213BD3-8258-8717-8414-DAFC68CB5541}"/>
               </a:ext>
             </a:extLst>
           </p:cNvPr>
@@ -816,7 +823,7 @@
           <p:cNvPr id="3" name="內容版面配置區 2">
             <a:extLst>
               <a:ext uri="{FF2B5EF4-FFF2-40B4-BE49-F238E27FC236}">
-                <a16:creationId xmlns:a16="http://schemas.microsoft.com/office/drawing/2014/main" id="{1634A8C6-E600-5542-D871-19A7F25815FC}"/>
+                <a16:creationId xmlns="" xmlns:a16="http://schemas.microsoft.com/office/drawing/2014/main" id="{1634A8C6-E600-5542-D871-19A7F25815FC}"/>
               </a:ext>
             </a:extLst>
           </p:cNvPr>
@@ -873,7 +880,7 @@
           <p:cNvPr id="4" name="日期版面配置區 3">
             <a:extLst>
               <a:ext uri="{FF2B5EF4-FFF2-40B4-BE49-F238E27FC236}">
-                <a16:creationId xmlns:a16="http://schemas.microsoft.com/office/drawing/2014/main" id="{74335D3F-23D2-9A6A-14FE-93DB66CCD4A1}"/>
+                <a16:creationId xmlns="" xmlns:a16="http://schemas.microsoft.com/office/drawing/2014/main" id="{74335D3F-23D2-9A6A-14FE-93DB66CCD4A1}"/>
               </a:ext>
             </a:extLst>
           </p:cNvPr>
@@ -891,7 +898,7 @@
           <a:p>
             <a:fld id="{BA0850F6-1F4F-4167-94CC-452D8DCE8FB8}" type="datetimeFigureOut">
               <a:rPr lang="zh-TW" altLang="en-US" smtClean="0"/>
-              <a:t>2022/6/6</a:t>
+              <a:t>2022/6/7</a:t>
             </a:fld>
             <a:endParaRPr lang="zh-TW" altLang="en-US"/>
           </a:p>
@@ -902,7 +909,7 @@
           <p:cNvPr id="5" name="頁尾版面配置區 4">
             <a:extLst>
               <a:ext uri="{FF2B5EF4-FFF2-40B4-BE49-F238E27FC236}">
-                <a16:creationId xmlns:a16="http://schemas.microsoft.com/office/drawing/2014/main" id="{FEE71105-FC14-0CB2-39BC-33E42B3F5C47}"/>
+                <a16:creationId xmlns="" xmlns:a16="http://schemas.microsoft.com/office/drawing/2014/main" id="{FEE71105-FC14-0CB2-39BC-33E42B3F5C47}"/>
               </a:ext>
             </a:extLst>
           </p:cNvPr>
@@ -927,7 +934,7 @@
           <p:cNvPr id="6" name="投影片編號版面配置區 5">
             <a:extLst>
               <a:ext uri="{FF2B5EF4-FFF2-40B4-BE49-F238E27FC236}">
-                <a16:creationId xmlns:a16="http://schemas.microsoft.com/office/drawing/2014/main" id="{5C5E71BE-0AE7-BE20-15D7-4B04EB9DF35C}"/>
+                <a16:creationId xmlns="" xmlns:a16="http://schemas.microsoft.com/office/drawing/2014/main" id="{5C5E71BE-0AE7-BE20-15D7-4B04EB9DF35C}"/>
               </a:ext>
             </a:extLst>
           </p:cNvPr>
@@ -986,7 +993,7 @@
           <p:cNvPr id="2" name="標題 1">
             <a:extLst>
               <a:ext uri="{FF2B5EF4-FFF2-40B4-BE49-F238E27FC236}">
-                <a16:creationId xmlns:a16="http://schemas.microsoft.com/office/drawing/2014/main" id="{E0D0A87B-031A-851C-F95D-F88F46382158}"/>
+                <a16:creationId xmlns="" xmlns:a16="http://schemas.microsoft.com/office/drawing/2014/main" id="{E0D0A87B-031A-851C-F95D-F88F46382158}"/>
               </a:ext>
             </a:extLst>
           </p:cNvPr>
@@ -1023,7 +1030,7 @@
           <p:cNvPr id="3" name="文字版面配置區 2">
             <a:extLst>
               <a:ext uri="{FF2B5EF4-FFF2-40B4-BE49-F238E27FC236}">
-                <a16:creationId xmlns:a16="http://schemas.microsoft.com/office/drawing/2014/main" id="{9685098F-BDDC-6D11-8403-28CBD6F4EA62}"/>
+                <a16:creationId xmlns="" xmlns:a16="http://schemas.microsoft.com/office/drawing/2014/main" id="{9685098F-BDDC-6D11-8403-28CBD6F4EA62}"/>
               </a:ext>
             </a:extLst>
           </p:cNvPr>
@@ -1148,7 +1155,7 @@
           <p:cNvPr id="4" name="日期版面配置區 3">
             <a:extLst>
               <a:ext uri="{FF2B5EF4-FFF2-40B4-BE49-F238E27FC236}">
-                <a16:creationId xmlns:a16="http://schemas.microsoft.com/office/drawing/2014/main" id="{260A69A6-4687-9C6A-4559-A551DB1CA160}"/>
+                <a16:creationId xmlns="" xmlns:a16="http://schemas.microsoft.com/office/drawing/2014/main" id="{260A69A6-4687-9C6A-4559-A551DB1CA160}"/>
               </a:ext>
             </a:extLst>
           </p:cNvPr>
@@ -1166,7 +1173,7 @@
           <a:p>
             <a:fld id="{BA0850F6-1F4F-4167-94CC-452D8DCE8FB8}" type="datetimeFigureOut">
               <a:rPr lang="zh-TW" altLang="en-US" smtClean="0"/>
-              <a:t>2022/6/6</a:t>
+              <a:t>2022/6/7</a:t>
             </a:fld>
             <a:endParaRPr lang="zh-TW" altLang="en-US"/>
           </a:p>
@@ -1177,7 +1184,7 @@
           <p:cNvPr id="5" name="頁尾版面配置區 4">
             <a:extLst>
               <a:ext uri="{FF2B5EF4-FFF2-40B4-BE49-F238E27FC236}">
-                <a16:creationId xmlns:a16="http://schemas.microsoft.com/office/drawing/2014/main" id="{B429BA52-FB96-26BA-3260-7EACBD5A4324}"/>
+                <a16:creationId xmlns="" xmlns:a16="http://schemas.microsoft.com/office/drawing/2014/main" id="{B429BA52-FB96-26BA-3260-7EACBD5A4324}"/>
               </a:ext>
             </a:extLst>
           </p:cNvPr>
@@ -1202,7 +1209,7 @@
           <p:cNvPr id="6" name="投影片編號版面配置區 5">
             <a:extLst>
               <a:ext uri="{FF2B5EF4-FFF2-40B4-BE49-F238E27FC236}">
-                <a16:creationId xmlns:a16="http://schemas.microsoft.com/office/drawing/2014/main" id="{3298449B-5150-E479-253D-05F153EC4549}"/>
+                <a16:creationId xmlns="" xmlns:a16="http://schemas.microsoft.com/office/drawing/2014/main" id="{3298449B-5150-E479-253D-05F153EC4549}"/>
               </a:ext>
             </a:extLst>
           </p:cNvPr>
@@ -1261,7 +1268,7 @@
           <p:cNvPr id="2" name="標題 1">
             <a:extLst>
               <a:ext uri="{FF2B5EF4-FFF2-40B4-BE49-F238E27FC236}">
-                <a16:creationId xmlns:a16="http://schemas.microsoft.com/office/drawing/2014/main" id="{5C193E94-251A-88F6-E9C6-2F6908C7275F}"/>
+                <a16:creationId xmlns="" xmlns:a16="http://schemas.microsoft.com/office/drawing/2014/main" id="{5C193E94-251A-88F6-E9C6-2F6908C7275F}"/>
               </a:ext>
             </a:extLst>
           </p:cNvPr>
@@ -1289,7 +1296,7 @@
           <p:cNvPr id="3" name="內容版面配置區 2">
             <a:extLst>
               <a:ext uri="{FF2B5EF4-FFF2-40B4-BE49-F238E27FC236}">
-                <a16:creationId xmlns:a16="http://schemas.microsoft.com/office/drawing/2014/main" id="{F41F2B51-F07D-38E6-A42C-C92C3787D9F5}"/>
+                <a16:creationId xmlns="" xmlns:a16="http://schemas.microsoft.com/office/drawing/2014/main" id="{F41F2B51-F07D-38E6-A42C-C92C3787D9F5}"/>
               </a:ext>
             </a:extLst>
           </p:cNvPr>
@@ -1351,7 +1358,7 @@
           <p:cNvPr id="4" name="內容版面配置區 3">
             <a:extLst>
               <a:ext uri="{FF2B5EF4-FFF2-40B4-BE49-F238E27FC236}">
-                <a16:creationId xmlns:a16="http://schemas.microsoft.com/office/drawing/2014/main" id="{2CF1D130-2EE3-87BC-9127-746954DB8CC0}"/>
+                <a16:creationId xmlns="" xmlns:a16="http://schemas.microsoft.com/office/drawing/2014/main" id="{2CF1D130-2EE3-87BC-9127-746954DB8CC0}"/>
               </a:ext>
             </a:extLst>
           </p:cNvPr>
@@ -1413,7 +1420,7 @@
           <p:cNvPr id="5" name="日期版面配置區 4">
             <a:extLst>
               <a:ext uri="{FF2B5EF4-FFF2-40B4-BE49-F238E27FC236}">
-                <a16:creationId xmlns:a16="http://schemas.microsoft.com/office/drawing/2014/main" id="{9D8B0B35-62F7-8E71-6A31-F705E504BDA2}"/>
+                <a16:creationId xmlns="" xmlns:a16="http://schemas.microsoft.com/office/drawing/2014/main" id="{9D8B0B35-62F7-8E71-6A31-F705E504BDA2}"/>
               </a:ext>
             </a:extLst>
           </p:cNvPr>
@@ -1431,7 +1438,7 @@
           <a:p>
             <a:fld id="{BA0850F6-1F4F-4167-94CC-452D8DCE8FB8}" type="datetimeFigureOut">
               <a:rPr lang="zh-TW" altLang="en-US" smtClean="0"/>
-              <a:t>2022/6/6</a:t>
+              <a:t>2022/6/7</a:t>
             </a:fld>
             <a:endParaRPr lang="zh-TW" altLang="en-US"/>
           </a:p>
@@ -1442,7 +1449,7 @@
           <p:cNvPr id="6" name="頁尾版面配置區 5">
             <a:extLst>
               <a:ext uri="{FF2B5EF4-FFF2-40B4-BE49-F238E27FC236}">
-                <a16:creationId xmlns:a16="http://schemas.microsoft.com/office/drawing/2014/main" id="{1547DBCD-1FF6-E933-D8BE-01C773D4458E}"/>
+                <a16:creationId xmlns="" xmlns:a16="http://schemas.microsoft.com/office/drawing/2014/main" id="{1547DBCD-1FF6-E933-D8BE-01C773D4458E}"/>
               </a:ext>
             </a:extLst>
           </p:cNvPr>
@@ -1467,7 +1474,7 @@
           <p:cNvPr id="7" name="投影片編號版面配置區 6">
             <a:extLst>
               <a:ext uri="{FF2B5EF4-FFF2-40B4-BE49-F238E27FC236}">
-                <a16:creationId xmlns:a16="http://schemas.microsoft.com/office/drawing/2014/main" id="{6E24A949-CDD2-BD06-341B-056345562C32}"/>
+                <a16:creationId xmlns="" xmlns:a16="http://schemas.microsoft.com/office/drawing/2014/main" id="{6E24A949-CDD2-BD06-341B-056345562C32}"/>
               </a:ext>
             </a:extLst>
           </p:cNvPr>
@@ -1526,7 +1533,7 @@
           <p:cNvPr id="2" name="標題 1">
             <a:extLst>
               <a:ext uri="{FF2B5EF4-FFF2-40B4-BE49-F238E27FC236}">
-                <a16:creationId xmlns:a16="http://schemas.microsoft.com/office/drawing/2014/main" id="{885A10BC-A37F-721C-32AF-C68BB8063F35}"/>
+                <a16:creationId xmlns="" xmlns:a16="http://schemas.microsoft.com/office/drawing/2014/main" id="{885A10BC-A37F-721C-32AF-C68BB8063F35}"/>
               </a:ext>
             </a:extLst>
           </p:cNvPr>
@@ -1559,7 +1566,7 @@
           <p:cNvPr id="3" name="文字版面配置區 2">
             <a:extLst>
               <a:ext uri="{FF2B5EF4-FFF2-40B4-BE49-F238E27FC236}">
-                <a16:creationId xmlns:a16="http://schemas.microsoft.com/office/drawing/2014/main" id="{D927AE78-3CCB-F8F1-D0E1-AF5F748C6C99}"/>
+                <a16:creationId xmlns="" xmlns:a16="http://schemas.microsoft.com/office/drawing/2014/main" id="{D927AE78-3CCB-F8F1-D0E1-AF5F748C6C99}"/>
               </a:ext>
             </a:extLst>
           </p:cNvPr>
@@ -1630,7 +1637,7 @@
           <p:cNvPr id="4" name="內容版面配置區 3">
             <a:extLst>
               <a:ext uri="{FF2B5EF4-FFF2-40B4-BE49-F238E27FC236}">
-                <a16:creationId xmlns:a16="http://schemas.microsoft.com/office/drawing/2014/main" id="{AB8BECAB-8DE4-EB93-B40A-15AF5CA8AA98}"/>
+                <a16:creationId xmlns="" xmlns:a16="http://schemas.microsoft.com/office/drawing/2014/main" id="{AB8BECAB-8DE4-EB93-B40A-15AF5CA8AA98}"/>
               </a:ext>
             </a:extLst>
           </p:cNvPr>
@@ -1692,7 +1699,7 @@
           <p:cNvPr id="5" name="文字版面配置區 4">
             <a:extLst>
               <a:ext uri="{FF2B5EF4-FFF2-40B4-BE49-F238E27FC236}">
-                <a16:creationId xmlns:a16="http://schemas.microsoft.com/office/drawing/2014/main" id="{86DA0E8D-3EB4-2D93-347A-0DC7C3565229}"/>
+                <a16:creationId xmlns="" xmlns:a16="http://schemas.microsoft.com/office/drawing/2014/main" id="{86DA0E8D-3EB4-2D93-347A-0DC7C3565229}"/>
               </a:ext>
             </a:extLst>
           </p:cNvPr>
@@ -1763,7 +1770,7 @@
           <p:cNvPr id="6" name="內容版面配置區 5">
             <a:extLst>
               <a:ext uri="{FF2B5EF4-FFF2-40B4-BE49-F238E27FC236}">
-                <a16:creationId xmlns:a16="http://schemas.microsoft.com/office/drawing/2014/main" id="{E5FDF886-CA44-9D0F-E27E-39A515BF1571}"/>
+                <a16:creationId xmlns="" xmlns:a16="http://schemas.microsoft.com/office/drawing/2014/main" id="{E5FDF886-CA44-9D0F-E27E-39A515BF1571}"/>
               </a:ext>
             </a:extLst>
           </p:cNvPr>
@@ -1825,7 +1832,7 @@
           <p:cNvPr id="7" name="日期版面配置區 6">
             <a:extLst>
               <a:ext uri="{FF2B5EF4-FFF2-40B4-BE49-F238E27FC236}">
-                <a16:creationId xmlns:a16="http://schemas.microsoft.com/office/drawing/2014/main" id="{553B3F77-54F0-4386-A2CF-08F834F42894}"/>
+                <a16:creationId xmlns="" xmlns:a16="http://schemas.microsoft.com/office/drawing/2014/main" id="{553B3F77-54F0-4386-A2CF-08F834F42894}"/>
               </a:ext>
             </a:extLst>
           </p:cNvPr>
@@ -1843,7 +1850,7 @@
           <a:p>
             <a:fld id="{BA0850F6-1F4F-4167-94CC-452D8DCE8FB8}" type="datetimeFigureOut">
               <a:rPr lang="zh-TW" altLang="en-US" smtClean="0"/>
-              <a:t>2022/6/6</a:t>
+              <a:t>2022/6/7</a:t>
             </a:fld>
             <a:endParaRPr lang="zh-TW" altLang="en-US"/>
           </a:p>
@@ -1854,7 +1861,7 @@
           <p:cNvPr id="8" name="頁尾版面配置區 7">
             <a:extLst>
               <a:ext uri="{FF2B5EF4-FFF2-40B4-BE49-F238E27FC236}">
-                <a16:creationId xmlns:a16="http://schemas.microsoft.com/office/drawing/2014/main" id="{67BC87FE-E7F6-E064-E86B-EC4BA98E60D9}"/>
+                <a16:creationId xmlns="" xmlns:a16="http://schemas.microsoft.com/office/drawing/2014/main" id="{67BC87FE-E7F6-E064-E86B-EC4BA98E60D9}"/>
               </a:ext>
             </a:extLst>
           </p:cNvPr>
@@ -1879,7 +1886,7 @@
           <p:cNvPr id="9" name="投影片編號版面配置區 8">
             <a:extLst>
               <a:ext uri="{FF2B5EF4-FFF2-40B4-BE49-F238E27FC236}">
-                <a16:creationId xmlns:a16="http://schemas.microsoft.com/office/drawing/2014/main" id="{F739B6CA-0149-583A-3279-62BE2E5D529E}"/>
+                <a16:creationId xmlns="" xmlns:a16="http://schemas.microsoft.com/office/drawing/2014/main" id="{F739B6CA-0149-583A-3279-62BE2E5D529E}"/>
               </a:ext>
             </a:extLst>
           </p:cNvPr>
@@ -1938,7 +1945,7 @@
           <p:cNvPr id="2" name="標題 1">
             <a:extLst>
               <a:ext uri="{FF2B5EF4-FFF2-40B4-BE49-F238E27FC236}">
-                <a16:creationId xmlns:a16="http://schemas.microsoft.com/office/drawing/2014/main" id="{F5B96C54-750D-3414-83E6-51B55380E235}"/>
+                <a16:creationId xmlns="" xmlns:a16="http://schemas.microsoft.com/office/drawing/2014/main" id="{F5B96C54-750D-3414-83E6-51B55380E235}"/>
               </a:ext>
             </a:extLst>
           </p:cNvPr>
@@ -1966,7 +1973,7 @@
           <p:cNvPr id="3" name="日期版面配置區 2">
             <a:extLst>
               <a:ext uri="{FF2B5EF4-FFF2-40B4-BE49-F238E27FC236}">
-                <a16:creationId xmlns:a16="http://schemas.microsoft.com/office/drawing/2014/main" id="{8A45C1E8-4E85-4D8C-3C90-1C8DCFBD509C}"/>
+                <a16:creationId xmlns="" xmlns:a16="http://schemas.microsoft.com/office/drawing/2014/main" id="{8A45C1E8-4E85-4D8C-3C90-1C8DCFBD509C}"/>
               </a:ext>
             </a:extLst>
           </p:cNvPr>
@@ -1984,7 +1991,7 @@
           <a:p>
             <a:fld id="{BA0850F6-1F4F-4167-94CC-452D8DCE8FB8}" type="datetimeFigureOut">
               <a:rPr lang="zh-TW" altLang="en-US" smtClean="0"/>
-              <a:t>2022/6/6</a:t>
+              <a:t>2022/6/7</a:t>
             </a:fld>
             <a:endParaRPr lang="zh-TW" altLang="en-US"/>
           </a:p>
@@ -1995,7 +2002,7 @@
           <p:cNvPr id="4" name="頁尾版面配置區 3">
             <a:extLst>
               <a:ext uri="{FF2B5EF4-FFF2-40B4-BE49-F238E27FC236}">
-                <a16:creationId xmlns:a16="http://schemas.microsoft.com/office/drawing/2014/main" id="{0E773192-514F-EFFD-7931-F893453ABBA1}"/>
+                <a16:creationId xmlns="" xmlns:a16="http://schemas.microsoft.com/office/drawing/2014/main" id="{0E773192-514F-EFFD-7931-F893453ABBA1}"/>
               </a:ext>
             </a:extLst>
           </p:cNvPr>
@@ -2020,7 +2027,7 @@
           <p:cNvPr id="5" name="投影片編號版面配置區 4">
             <a:extLst>
               <a:ext uri="{FF2B5EF4-FFF2-40B4-BE49-F238E27FC236}">
-                <a16:creationId xmlns:a16="http://schemas.microsoft.com/office/drawing/2014/main" id="{9844CC41-4838-4DD2-2B42-8F907F9BE83D}"/>
+                <a16:creationId xmlns="" xmlns:a16="http://schemas.microsoft.com/office/drawing/2014/main" id="{9844CC41-4838-4DD2-2B42-8F907F9BE83D}"/>
               </a:ext>
             </a:extLst>
           </p:cNvPr>
@@ -2079,7 +2086,7 @@
           <p:cNvPr id="2" name="日期版面配置區 1">
             <a:extLst>
               <a:ext uri="{FF2B5EF4-FFF2-40B4-BE49-F238E27FC236}">
-                <a16:creationId xmlns:a16="http://schemas.microsoft.com/office/drawing/2014/main" id="{960CE79A-A945-74BF-3DD5-A268A0BD3E21}"/>
+                <a16:creationId xmlns="" xmlns:a16="http://schemas.microsoft.com/office/drawing/2014/main" id="{960CE79A-A945-74BF-3DD5-A268A0BD3E21}"/>
               </a:ext>
             </a:extLst>
           </p:cNvPr>
@@ -2097,7 +2104,7 @@
           <a:p>
             <a:fld id="{BA0850F6-1F4F-4167-94CC-452D8DCE8FB8}" type="datetimeFigureOut">
               <a:rPr lang="zh-TW" altLang="en-US" smtClean="0"/>
-              <a:t>2022/6/6</a:t>
+              <a:t>2022/6/7</a:t>
             </a:fld>
             <a:endParaRPr lang="zh-TW" altLang="en-US"/>
           </a:p>
@@ -2108,7 +2115,7 @@
           <p:cNvPr id="3" name="頁尾版面配置區 2">
             <a:extLst>
               <a:ext uri="{FF2B5EF4-FFF2-40B4-BE49-F238E27FC236}">
-                <a16:creationId xmlns:a16="http://schemas.microsoft.com/office/drawing/2014/main" id="{917F010F-B203-94A4-67CC-E44B9AC965A1}"/>
+                <a16:creationId xmlns="" xmlns:a16="http://schemas.microsoft.com/office/drawing/2014/main" id="{917F010F-B203-94A4-67CC-E44B9AC965A1}"/>
               </a:ext>
             </a:extLst>
           </p:cNvPr>
@@ -2133,7 +2140,7 @@
           <p:cNvPr id="4" name="投影片編號版面配置區 3">
             <a:extLst>
               <a:ext uri="{FF2B5EF4-FFF2-40B4-BE49-F238E27FC236}">
-                <a16:creationId xmlns:a16="http://schemas.microsoft.com/office/drawing/2014/main" id="{C1FB72A8-D9BC-2413-FD8C-E53BA0012EDC}"/>
+                <a16:creationId xmlns="" xmlns:a16="http://schemas.microsoft.com/office/drawing/2014/main" id="{C1FB72A8-D9BC-2413-FD8C-E53BA0012EDC}"/>
               </a:ext>
             </a:extLst>
           </p:cNvPr>
@@ -2192,7 +2199,7 @@
           <p:cNvPr id="2" name="標題 1">
             <a:extLst>
               <a:ext uri="{FF2B5EF4-FFF2-40B4-BE49-F238E27FC236}">
-                <a16:creationId xmlns:a16="http://schemas.microsoft.com/office/drawing/2014/main" id="{17C21FD6-FFEB-0F86-3337-6E4722A5C7CB}"/>
+                <a16:creationId xmlns="" xmlns:a16="http://schemas.microsoft.com/office/drawing/2014/main" id="{17C21FD6-FFEB-0F86-3337-6E4722A5C7CB}"/>
               </a:ext>
             </a:extLst>
           </p:cNvPr>
@@ -2229,7 +2236,7 @@
           <p:cNvPr id="3" name="內容版面配置區 2">
             <a:extLst>
               <a:ext uri="{FF2B5EF4-FFF2-40B4-BE49-F238E27FC236}">
-                <a16:creationId xmlns:a16="http://schemas.microsoft.com/office/drawing/2014/main" id="{EDE90E78-5EE3-1249-3D68-40F8E5F79AFF}"/>
+                <a16:creationId xmlns="" xmlns:a16="http://schemas.microsoft.com/office/drawing/2014/main" id="{EDE90E78-5EE3-1249-3D68-40F8E5F79AFF}"/>
               </a:ext>
             </a:extLst>
           </p:cNvPr>
@@ -2319,7 +2326,7 @@
           <p:cNvPr id="4" name="文字版面配置區 3">
             <a:extLst>
               <a:ext uri="{FF2B5EF4-FFF2-40B4-BE49-F238E27FC236}">
-                <a16:creationId xmlns:a16="http://schemas.microsoft.com/office/drawing/2014/main" id="{42313F83-384B-DCEF-6BDC-A6E33D714477}"/>
+                <a16:creationId xmlns="" xmlns:a16="http://schemas.microsoft.com/office/drawing/2014/main" id="{42313F83-384B-DCEF-6BDC-A6E33D714477}"/>
               </a:ext>
             </a:extLst>
           </p:cNvPr>
@@ -2390,7 +2397,7 @@
           <p:cNvPr id="5" name="日期版面配置區 4">
             <a:extLst>
               <a:ext uri="{FF2B5EF4-FFF2-40B4-BE49-F238E27FC236}">
-                <a16:creationId xmlns:a16="http://schemas.microsoft.com/office/drawing/2014/main" id="{E95A1C13-EB09-A956-31A5-EC54D96687A6}"/>
+                <a16:creationId xmlns="" xmlns:a16="http://schemas.microsoft.com/office/drawing/2014/main" id="{E95A1C13-EB09-A956-31A5-EC54D96687A6}"/>
               </a:ext>
             </a:extLst>
           </p:cNvPr>
@@ -2408,7 +2415,7 @@
           <a:p>
             <a:fld id="{BA0850F6-1F4F-4167-94CC-452D8DCE8FB8}" type="datetimeFigureOut">
               <a:rPr lang="zh-TW" altLang="en-US" smtClean="0"/>
-              <a:t>2022/6/6</a:t>
+              <a:t>2022/6/7</a:t>
             </a:fld>
             <a:endParaRPr lang="zh-TW" altLang="en-US"/>
           </a:p>
@@ -2419,7 +2426,7 @@
           <p:cNvPr id="6" name="頁尾版面配置區 5">
             <a:extLst>
               <a:ext uri="{FF2B5EF4-FFF2-40B4-BE49-F238E27FC236}">
-                <a16:creationId xmlns:a16="http://schemas.microsoft.com/office/drawing/2014/main" id="{FEB42CC6-1EC2-3373-0689-6FB87ABE4D00}"/>
+                <a16:creationId xmlns="" xmlns:a16="http://schemas.microsoft.com/office/drawing/2014/main" id="{FEB42CC6-1EC2-3373-0689-6FB87ABE4D00}"/>
               </a:ext>
             </a:extLst>
           </p:cNvPr>
@@ -2444,7 +2451,7 @@
           <p:cNvPr id="7" name="投影片編號版面配置區 6">
             <a:extLst>
               <a:ext uri="{FF2B5EF4-FFF2-40B4-BE49-F238E27FC236}">
-                <a16:creationId xmlns:a16="http://schemas.microsoft.com/office/drawing/2014/main" id="{375BBAF9-0D96-E7CB-07BA-449A0C31B312}"/>
+                <a16:creationId xmlns="" xmlns:a16="http://schemas.microsoft.com/office/drawing/2014/main" id="{375BBAF9-0D96-E7CB-07BA-449A0C31B312}"/>
               </a:ext>
             </a:extLst>
           </p:cNvPr>
@@ -2503,7 +2510,7 @@
           <p:cNvPr id="2" name="標題 1">
             <a:extLst>
               <a:ext uri="{FF2B5EF4-FFF2-40B4-BE49-F238E27FC236}">
-                <a16:creationId xmlns:a16="http://schemas.microsoft.com/office/drawing/2014/main" id="{90117100-4DCD-7CF7-2F1A-19B552BE1A9A}"/>
+                <a16:creationId xmlns="" xmlns:a16="http://schemas.microsoft.com/office/drawing/2014/main" id="{90117100-4DCD-7CF7-2F1A-19B552BE1A9A}"/>
               </a:ext>
             </a:extLst>
           </p:cNvPr>
@@ -2540,7 +2547,7 @@
           <p:cNvPr id="3" name="圖片版面配置區 2">
             <a:extLst>
               <a:ext uri="{FF2B5EF4-FFF2-40B4-BE49-F238E27FC236}">
-                <a16:creationId xmlns:a16="http://schemas.microsoft.com/office/drawing/2014/main" id="{246DDAE5-723D-F13B-1188-9F684A30DF15}"/>
+                <a16:creationId xmlns="" xmlns:a16="http://schemas.microsoft.com/office/drawing/2014/main" id="{246DDAE5-723D-F13B-1188-9F684A30DF15}"/>
               </a:ext>
             </a:extLst>
           </p:cNvPr>
@@ -2607,7 +2614,7 @@
           <p:cNvPr id="4" name="文字版面配置區 3">
             <a:extLst>
               <a:ext uri="{FF2B5EF4-FFF2-40B4-BE49-F238E27FC236}">
-                <a16:creationId xmlns:a16="http://schemas.microsoft.com/office/drawing/2014/main" id="{15C95188-72CA-F772-E263-C5BAFF47C141}"/>
+                <a16:creationId xmlns="" xmlns:a16="http://schemas.microsoft.com/office/drawing/2014/main" id="{15C95188-72CA-F772-E263-C5BAFF47C141}"/>
               </a:ext>
             </a:extLst>
           </p:cNvPr>
@@ -2678,7 +2685,7 @@
           <p:cNvPr id="5" name="日期版面配置區 4">
             <a:extLst>
               <a:ext uri="{FF2B5EF4-FFF2-40B4-BE49-F238E27FC236}">
-                <a16:creationId xmlns:a16="http://schemas.microsoft.com/office/drawing/2014/main" id="{3C901FE8-0A41-F9E1-99DA-0B89E3A7E880}"/>
+                <a16:creationId xmlns="" xmlns:a16="http://schemas.microsoft.com/office/drawing/2014/main" id="{3C901FE8-0A41-F9E1-99DA-0B89E3A7E880}"/>
               </a:ext>
             </a:extLst>
           </p:cNvPr>
@@ -2696,7 +2703,7 @@
           <a:p>
             <a:fld id="{BA0850F6-1F4F-4167-94CC-452D8DCE8FB8}" type="datetimeFigureOut">
               <a:rPr lang="zh-TW" altLang="en-US" smtClean="0"/>
-              <a:t>2022/6/6</a:t>
+              <a:t>2022/6/7</a:t>
             </a:fld>
             <a:endParaRPr lang="zh-TW" altLang="en-US"/>
           </a:p>
@@ -2707,7 +2714,7 @@
           <p:cNvPr id="6" name="頁尾版面配置區 5">
             <a:extLst>
               <a:ext uri="{FF2B5EF4-FFF2-40B4-BE49-F238E27FC236}">
-                <a16:creationId xmlns:a16="http://schemas.microsoft.com/office/drawing/2014/main" id="{A6F80487-9989-E36D-D287-4B773DEBF08C}"/>
+                <a16:creationId xmlns="" xmlns:a16="http://schemas.microsoft.com/office/drawing/2014/main" id="{A6F80487-9989-E36D-D287-4B773DEBF08C}"/>
               </a:ext>
             </a:extLst>
           </p:cNvPr>
@@ -2732,7 +2739,7 @@
           <p:cNvPr id="7" name="投影片編號版面配置區 6">
             <a:extLst>
               <a:ext uri="{FF2B5EF4-FFF2-40B4-BE49-F238E27FC236}">
-                <a16:creationId xmlns:a16="http://schemas.microsoft.com/office/drawing/2014/main" id="{A686821B-3F00-A5E0-A9A6-A99BB01EAD2F}"/>
+                <a16:creationId xmlns="" xmlns:a16="http://schemas.microsoft.com/office/drawing/2014/main" id="{A686821B-3F00-A5E0-A9A6-A99BB01EAD2F}"/>
               </a:ext>
             </a:extLst>
           </p:cNvPr>
@@ -2796,7 +2803,7 @@
           <p:cNvPr id="2" name="標題版面配置區 1">
             <a:extLst>
               <a:ext uri="{FF2B5EF4-FFF2-40B4-BE49-F238E27FC236}">
-                <a16:creationId xmlns:a16="http://schemas.microsoft.com/office/drawing/2014/main" id="{D13B1427-B432-2A8F-1472-41EFB6446641}"/>
+                <a16:creationId xmlns="" xmlns:a16="http://schemas.microsoft.com/office/drawing/2014/main" id="{D13B1427-B432-2A8F-1472-41EFB6446641}"/>
               </a:ext>
             </a:extLst>
           </p:cNvPr>
@@ -2834,7 +2841,7 @@
           <p:cNvPr id="3" name="文字版面配置區 2">
             <a:extLst>
               <a:ext uri="{FF2B5EF4-FFF2-40B4-BE49-F238E27FC236}">
-                <a16:creationId xmlns:a16="http://schemas.microsoft.com/office/drawing/2014/main" id="{19A1484F-D8AC-CF0B-B24B-5C1407ED276D}"/>
+                <a16:creationId xmlns="" xmlns:a16="http://schemas.microsoft.com/office/drawing/2014/main" id="{19A1484F-D8AC-CF0B-B24B-5C1407ED276D}"/>
               </a:ext>
             </a:extLst>
           </p:cNvPr>
@@ -2901,7 +2908,7 @@
           <p:cNvPr id="4" name="日期版面配置區 3">
             <a:extLst>
               <a:ext uri="{FF2B5EF4-FFF2-40B4-BE49-F238E27FC236}">
-                <a16:creationId xmlns:a16="http://schemas.microsoft.com/office/drawing/2014/main" id="{6A48805B-2AED-77BD-E217-6C414F458417}"/>
+                <a16:creationId xmlns="" xmlns:a16="http://schemas.microsoft.com/office/drawing/2014/main" id="{6A48805B-2AED-77BD-E217-6C414F458417}"/>
               </a:ext>
             </a:extLst>
           </p:cNvPr>
@@ -2937,7 +2944,7 @@
           <a:p>
             <a:fld id="{BA0850F6-1F4F-4167-94CC-452D8DCE8FB8}" type="datetimeFigureOut">
               <a:rPr lang="zh-TW" altLang="en-US" smtClean="0"/>
-              <a:t>2022/6/6</a:t>
+              <a:t>2022/6/7</a:t>
             </a:fld>
             <a:endParaRPr lang="zh-TW" altLang="en-US"/>
           </a:p>
@@ -2948,7 +2955,7 @@
           <p:cNvPr id="5" name="頁尾版面配置區 4">
             <a:extLst>
               <a:ext uri="{FF2B5EF4-FFF2-40B4-BE49-F238E27FC236}">
-                <a16:creationId xmlns:a16="http://schemas.microsoft.com/office/drawing/2014/main" id="{4AA303AA-D311-42AD-1B5F-81351EBFF80C}"/>
+                <a16:creationId xmlns="" xmlns:a16="http://schemas.microsoft.com/office/drawing/2014/main" id="{4AA303AA-D311-42AD-1B5F-81351EBFF80C}"/>
               </a:ext>
             </a:extLst>
           </p:cNvPr>
@@ -2991,7 +2998,7 @@
           <p:cNvPr id="6" name="投影片編號版面配置區 5">
             <a:extLst>
               <a:ext uri="{FF2B5EF4-FFF2-40B4-BE49-F238E27FC236}">
-                <a16:creationId xmlns:a16="http://schemas.microsoft.com/office/drawing/2014/main" id="{60519B8E-32CC-A362-7B86-7B6F732457BD}"/>
+                <a16:creationId xmlns="" xmlns:a16="http://schemas.microsoft.com/office/drawing/2014/main" id="{60519B8E-32CC-A362-7B86-7B6F732457BD}"/>
               </a:ext>
             </a:extLst>
           </p:cNvPr>
@@ -3359,7 +3366,7 @@
           <p:cNvPr id="2" name="標題 1">
             <a:extLst>
               <a:ext uri="{FF2B5EF4-FFF2-40B4-BE49-F238E27FC236}">
-                <a16:creationId xmlns:a16="http://schemas.microsoft.com/office/drawing/2014/main" id="{028B5070-F435-23C9-14AF-31535AC90776}"/>
+                <a16:creationId xmlns="" xmlns:a16="http://schemas.microsoft.com/office/drawing/2014/main" id="{028B5070-F435-23C9-14AF-31535AC90776}"/>
               </a:ext>
             </a:extLst>
           </p:cNvPr>
@@ -3388,7 +3395,7 @@
           <p:cNvPr id="3" name="副標題 2">
             <a:extLst>
               <a:ext uri="{FF2B5EF4-FFF2-40B4-BE49-F238E27FC236}">
-                <a16:creationId xmlns:a16="http://schemas.microsoft.com/office/drawing/2014/main" id="{EB3FB77E-4659-18DA-BBE4-BA5FED6CCABA}"/>
+                <a16:creationId xmlns="" xmlns:a16="http://schemas.microsoft.com/office/drawing/2014/main" id="{EB3FB77E-4659-18DA-BBE4-BA5FED6CCABA}"/>
               </a:ext>
             </a:extLst>
           </p:cNvPr>
@@ -3450,7 +3457,7 @@
           <p:cNvPr id="3" name="內容版面配置區 2">
             <a:extLst>
               <a:ext uri="{FF2B5EF4-FFF2-40B4-BE49-F238E27FC236}">
-                <a16:creationId xmlns:a16="http://schemas.microsoft.com/office/drawing/2014/main" id="{C90D2800-46B8-BD0E-6E8D-36BC4AA8FE50}"/>
+                <a16:creationId xmlns="" xmlns:a16="http://schemas.microsoft.com/office/drawing/2014/main" id="{C90D2800-46B8-BD0E-6E8D-36BC4AA8FE50}"/>
               </a:ext>
             </a:extLst>
           </p:cNvPr>
@@ -3565,7 +3572,7 @@
           <p:cNvPr id="3" name="內容版面配置區 2">
             <a:extLst>
               <a:ext uri="{FF2B5EF4-FFF2-40B4-BE49-F238E27FC236}">
-                <a16:creationId xmlns:a16="http://schemas.microsoft.com/office/drawing/2014/main" id="{C90D2800-46B8-BD0E-6E8D-36BC4AA8FE50}"/>
+                <a16:creationId xmlns="" xmlns:a16="http://schemas.microsoft.com/office/drawing/2014/main" id="{C90D2800-46B8-BD0E-6E8D-36BC4AA8FE50}"/>
               </a:ext>
             </a:extLst>
           </p:cNvPr>
@@ -3647,7 +3654,7 @@
           <p:cNvPr id="3" name="內容版面配置區 2">
             <a:extLst>
               <a:ext uri="{FF2B5EF4-FFF2-40B4-BE49-F238E27FC236}">
-                <a16:creationId xmlns:a16="http://schemas.microsoft.com/office/drawing/2014/main" id="{C90D2800-46B8-BD0E-6E8D-36BC4AA8FE50}"/>
+                <a16:creationId xmlns="" xmlns:a16="http://schemas.microsoft.com/office/drawing/2014/main" id="{C90D2800-46B8-BD0E-6E8D-36BC4AA8FE50}"/>
               </a:ext>
             </a:extLst>
           </p:cNvPr>
@@ -3691,7 +3698,7 @@
           <p:cNvPr id="4" name="圖片 3">
             <a:extLst>
               <a:ext uri="{FF2B5EF4-FFF2-40B4-BE49-F238E27FC236}">
-                <a16:creationId xmlns:a16="http://schemas.microsoft.com/office/drawing/2014/main" id="{3619E185-4602-857E-76C4-6796ECDDB875}"/>
+                <a16:creationId xmlns="" xmlns:a16="http://schemas.microsoft.com/office/drawing/2014/main" id="{3619E185-4602-857E-76C4-6796ECDDB875}"/>
               </a:ext>
             </a:extLst>
           </p:cNvPr>
@@ -3751,7 +3758,7 @@
           <p:cNvPr id="3" name="內容版面配置區 2">
             <a:extLst>
               <a:ext uri="{FF2B5EF4-FFF2-40B4-BE49-F238E27FC236}">
-                <a16:creationId xmlns:a16="http://schemas.microsoft.com/office/drawing/2014/main" id="{C90D2800-46B8-BD0E-6E8D-36BC4AA8FE50}"/>
+                <a16:creationId xmlns="" xmlns:a16="http://schemas.microsoft.com/office/drawing/2014/main" id="{C90D2800-46B8-BD0E-6E8D-36BC4AA8FE50}"/>
               </a:ext>
             </a:extLst>
           </p:cNvPr>
@@ -3795,7 +3802,7 @@
           <p:cNvPr id="4" name="圖片 3">
             <a:extLst>
               <a:ext uri="{FF2B5EF4-FFF2-40B4-BE49-F238E27FC236}">
-                <a16:creationId xmlns:a16="http://schemas.microsoft.com/office/drawing/2014/main" id="{8D09AF4E-E690-C419-6F27-8488F3401D63}"/>
+                <a16:creationId xmlns="" xmlns:a16="http://schemas.microsoft.com/office/drawing/2014/main" id="{8D09AF4E-E690-C419-6F27-8488F3401D63}"/>
               </a:ext>
             </a:extLst>
           </p:cNvPr>
@@ -3855,7 +3862,7 @@
           <p:cNvPr id="3" name="內容版面配置區 2">
             <a:extLst>
               <a:ext uri="{FF2B5EF4-FFF2-40B4-BE49-F238E27FC236}">
-                <a16:creationId xmlns:a16="http://schemas.microsoft.com/office/drawing/2014/main" id="{C90D2800-46B8-BD0E-6E8D-36BC4AA8FE50}"/>
+                <a16:creationId xmlns="" xmlns:a16="http://schemas.microsoft.com/office/drawing/2014/main" id="{C90D2800-46B8-BD0E-6E8D-36BC4AA8FE50}"/>
               </a:ext>
             </a:extLst>
           </p:cNvPr>
@@ -3909,7 +3916,19 @@
             </a:r>
             <a:r>
               <a:rPr lang="en-US" altLang="zh-TW" sz="2000" dirty="0"/>
-              <a:t>=SRP055483. We then selected IgG and DNA 6mA demethylase mutant samples to call peaks. Downloaded reads were mapped to the reference genome dm6 using the Torrent Mapping Alignment Program with parameters ‘-Y -u -o 2 stage1 map4’. The MACS2 </a:t>
+              <a:t>=SRP055483. </a:t>
+            </a:r>
+            <a:r>
+              <a:rPr lang="en-US" altLang="zh-TW" sz="2000" dirty="0">
+                <a:solidFill>
+                  <a:srgbClr val="FF0000"/>
+                </a:solidFill>
+              </a:rPr>
+              <a:t>We then selected IgG and DNA 6mA demethylase mutant samples to call peaks. Downloaded reads were mapped to the reference genome dm6 using the Torrent Mapping Alignment Program with parameters ‘-Y -u -o 2 stage1 map4’.</a:t>
+            </a:r>
+            <a:r>
+              <a:rPr lang="en-US" altLang="zh-TW" sz="2000" dirty="0"/>
+              <a:t> The MACS2 </a:t>
             </a:r>
             <a:r>
               <a:rPr lang="en-US" altLang="zh-TW" sz="2000" dirty="0" err="1"/>
@@ -3930,7 +3949,15 @@
             </a:r>
             <a:r>
               <a:rPr lang="en-US" altLang="zh-TW" sz="2000" dirty="0"/>
-              <a:t>As a result, we obtained 801 6mA peaks (Supplementary Table 4). Because of the limitations of the 6mA-DNA-IP-Seq technology, we were not able to know the exact sites of adenine that are methylated in these 6mA peaks. To evaluate the prediction performance of our DeepM6A model on these 6mA sites identified by 6mA-DNA-IP-seq, we first selected all adenine sites around the 50bp flanking context (upstream and downstream) of both forward (Supplementary Table 5) and reverse strands (Supplementary Table 6) for each 6mA peak. Only eight out of all contextual adenine sites around peaks were covered by the dataset we used to develop our DeepM6A. </a:t>
+              <a:t>As a result, we obtained 801 6mA peaks (Supplementary Table 4). Because of the limitations of the 6mA-DNA-IP-Seq technology, we were not able to know the exact sites of adenine that are methylated in these 6mA peaks. To evaluate the prediction performance of our DeepM6A model on these 6mA sites identified by 6mA-DNA-IP-seq, </a:t>
+            </a:r>
+            <a:r>
+              <a:rPr lang="en-US" altLang="zh-TW" sz="2000" dirty="0">
+                <a:solidFill>
+                  <a:srgbClr val="FF0000"/>
+                </a:solidFill>
+              </a:rPr>
+              <a:t>we first selected all adenine sites around the 50bp flanking context (upstream and downstream) of both forward (Supplementary Table 5) and reverse strands (Supplementary Table 6) for each 6mA peak. Only eight out of all contextual adenine sites around peaks were covered by the dataset we used to develop our DeepM6A. </a:t>
             </a:r>
           </a:p>
         </p:txBody>
@@ -3970,7 +3997,7 @@
           <p:cNvPr id="3" name="內容版面配置區 2">
             <a:extLst>
               <a:ext uri="{FF2B5EF4-FFF2-40B4-BE49-F238E27FC236}">
-                <a16:creationId xmlns:a16="http://schemas.microsoft.com/office/drawing/2014/main" id="{C90D2800-46B8-BD0E-6E8D-36BC4AA8FE50}"/>
+                <a16:creationId xmlns="" xmlns:a16="http://schemas.microsoft.com/office/drawing/2014/main" id="{C90D2800-46B8-BD0E-6E8D-36BC4AA8FE50}"/>
               </a:ext>
             </a:extLst>
           </p:cNvPr>
@@ -4028,6 +4055,30 @@
           </a:p>
         </p:txBody>
       </p:sp>
+      <p:pic>
+        <p:nvPicPr>
+          <p:cNvPr id="2" name="圖片 1"/>
+          <p:cNvPicPr>
+            <a:picLocks noChangeAspect="1"/>
+          </p:cNvPicPr>
+          <p:nvPr/>
+        </p:nvPicPr>
+        <p:blipFill>
+          <a:blip r:embed="rId2"/>
+          <a:stretch>
+            <a:fillRect/>
+          </a:stretch>
+        </p:blipFill>
+        <p:spPr>
+          <a:xfrm>
+            <a:off x="4019003" y="2881771"/>
+            <a:ext cx="4352114" cy="3800241"/>
+          </a:xfrm>
+          <a:prstGeom prst="rect">
+            <a:avLst/>
+          </a:prstGeom>
+        </p:spPr>
+      </p:pic>
     </p:spTree>
     <p:extLst>
       <p:ext uri="{BB962C8B-B14F-4D97-AF65-F5344CB8AC3E}">
@@ -4063,7 +4114,7 @@
           <p:cNvPr id="3" name="內容版面配置區 2">
             <a:extLst>
               <a:ext uri="{FF2B5EF4-FFF2-40B4-BE49-F238E27FC236}">
-                <a16:creationId xmlns:a16="http://schemas.microsoft.com/office/drawing/2014/main" id="{C90D2800-46B8-BD0E-6E8D-36BC4AA8FE50}"/>
+                <a16:creationId xmlns="" xmlns:a16="http://schemas.microsoft.com/office/drawing/2014/main" id="{C90D2800-46B8-BD0E-6E8D-36BC4AA8FE50}"/>
               </a:ext>
             </a:extLst>
           </p:cNvPr>
@@ -4086,100 +4137,202 @@
           </a:bodyPr>
           <a:lstStyle/>
           <a:p>
+            <a:r>
+              <a:rPr lang="en-US" altLang="zh-TW" sz="2000" dirty="0" smtClean="0"/>
+              <a:t>6mA-DNA-IP-Seq </a:t>
+            </a:r>
+            <a:r>
+              <a:rPr lang="en-US" altLang="zh-TW" sz="2000" dirty="0"/>
+              <a:t>and sequencing of A. </a:t>
+            </a:r>
+            <a:r>
+              <a:rPr lang="en-US" altLang="zh-TW" sz="2000" dirty="0" smtClean="0"/>
+              <a:t>thaliana</a:t>
+            </a:r>
+          </a:p>
+          <a:p>
             <a:pPr marL="0" indent="0">
               <a:buNone/>
             </a:pPr>
             <a:r>
-              <a:rPr lang="zh-TW" altLang="en-US" sz="2000" dirty="0"/>
+              <a:rPr lang="en-US" altLang="zh-TW" sz="2000" dirty="0" smtClean="0">
+                <a:solidFill>
+                  <a:srgbClr val="FF0000"/>
+                </a:solidFill>
+              </a:rPr>
+              <a:t>Columbia-0 </a:t>
+            </a:r>
+            <a:r>
+              <a:rPr lang="en-US" altLang="zh-TW" sz="2000" dirty="0">
+                <a:solidFill>
+                  <a:srgbClr val="FF0000"/>
+                </a:solidFill>
+              </a:rPr>
+              <a:t>(Col-0) ecotype A. thaliana were vertically grown in 1/2 </a:t>
+            </a:r>
+            <a:r>
+              <a:rPr lang="en-US" altLang="zh-TW" sz="2000" dirty="0" err="1">
+                <a:solidFill>
+                  <a:srgbClr val="FF0000"/>
+                </a:solidFill>
+              </a:rPr>
+              <a:t>Murashige</a:t>
+            </a:r>
+            <a:r>
+              <a:rPr lang="en-US" altLang="zh-TW" sz="2000" dirty="0">
+                <a:solidFill>
+                  <a:srgbClr val="FF0000"/>
+                </a:solidFill>
+              </a:rPr>
+              <a:t> and Skoog medium (MS) salts (</a:t>
+            </a:r>
+            <a:r>
+              <a:rPr lang="en-US" altLang="zh-TW" sz="2000" dirty="0" err="1">
+                <a:solidFill>
+                  <a:srgbClr val="FF0000"/>
+                </a:solidFill>
+              </a:rPr>
+              <a:t>Phytotech</a:t>
+            </a:r>
+            <a:r>
+              <a:rPr lang="en-US" altLang="zh-TW" sz="2000" dirty="0">
+                <a:solidFill>
+                  <a:srgbClr val="FF0000"/>
+                </a:solidFill>
+              </a:rPr>
+              <a:t>) in chambers under long-day conditions (16-h photoperiods) at 22 °C. gDNA was extracted from nine-day-old seedlings and sonicated to ~300bp. Fragmented DNA was incubated with antibody against N6 -</a:t>
+            </a:r>
+            <a:r>
+              <a:rPr lang="en-US" altLang="zh-TW" sz="2000" dirty="0" err="1">
+                <a:solidFill>
+                  <a:srgbClr val="FF0000"/>
+                </a:solidFill>
+              </a:rPr>
+              <a:t>methyladenosine</a:t>
+            </a:r>
+            <a:r>
+              <a:rPr lang="en-US" altLang="zh-TW" sz="2000" dirty="0">
+                <a:solidFill>
+                  <a:srgbClr val="FF0000"/>
+                </a:solidFill>
+              </a:rPr>
+              <a:t> modifications of RNA and DNA (Synaptic Systems) in immunoprecipitation (IP) buffer (50mM Tris-HCl, 750mM NaCl and 0.5% IPEGAL) for 2h at 4 °C. Subsequently, the mixture was incubated with protein A beads (</a:t>
+            </a:r>
+            <a:r>
+              <a:rPr lang="en-US" altLang="zh-TW" sz="2000" dirty="0" err="1">
+                <a:solidFill>
+                  <a:srgbClr val="FF0000"/>
+                </a:solidFill>
+              </a:rPr>
+              <a:t>Thermo</a:t>
+            </a:r>
+            <a:r>
+              <a:rPr lang="en-US" altLang="zh-TW" sz="2000" dirty="0">
+                <a:solidFill>
+                  <a:srgbClr val="FF0000"/>
+                </a:solidFill>
+              </a:rPr>
+              <a:t> Fisher Scientific) that was pre-bound with acetylated bovine serum albumin (Sigma-Aldrich) at 4 °C for another 2h. </a:t>
+            </a:r>
+          </a:p>
+          <a:p>
+            <a:pPr marL="0" indent="0">
+              <a:buNone/>
+            </a:pPr>
+            <a:r>
+              <a:rPr lang="zh-TW" altLang="en-US" sz="2000" dirty="0">
+                <a:solidFill>
+                  <a:srgbClr val="FF0000"/>
+                </a:solidFill>
+              </a:rPr>
               <a:t>    </a:t>
             </a:r>
             <a:r>
-              <a:rPr lang="en-US" altLang="zh-TW" sz="2000" dirty="0"/>
-              <a:t>6mA-DNA-IP-Seq and sequencing of A. thaliana. Columbia-0 (Col-0) ecotype A. thaliana were vertically grown in 1/2 </a:t>
-            </a:r>
-            <a:r>
-              <a:rPr lang="en-US" altLang="zh-TW" sz="2000" dirty="0" err="1"/>
-              <a:t>Murashige</a:t>
-            </a:r>
-            <a:r>
-              <a:rPr lang="en-US" altLang="zh-TW" sz="2000" dirty="0"/>
-              <a:t> and Skoog medium (MS) salts (</a:t>
-            </a:r>
-            <a:r>
-              <a:rPr lang="en-US" altLang="zh-TW" sz="2000" dirty="0" err="1"/>
-              <a:t>Phytotech</a:t>
-            </a:r>
-            <a:r>
-              <a:rPr lang="en-US" altLang="zh-TW" sz="2000" dirty="0"/>
-              <a:t>) in chambers under long-day conditions (16-h photoperiods) at 22 °C. gDNA was extracted from nine-day-old seedlings and sonicated to ~300bp. Fragmented DNA was incubated with antibody against N6 -</a:t>
-            </a:r>
-            <a:r>
-              <a:rPr lang="en-US" altLang="zh-TW" sz="2000" dirty="0" err="1"/>
-              <a:t>methyladenosine</a:t>
-            </a:r>
-            <a:r>
-              <a:rPr lang="en-US" altLang="zh-TW" sz="2000" dirty="0"/>
-              <a:t> modifications of RNA and DNA (Synaptic Systems) in immunoprecipitation (IP) buffer (50mM Tris-HCl, 750mM NaCl and 0.5% IPEGAL) for 2h at 4 °C. Subsequently, the mixture was incubated with protein A beads (</a:t>
-            </a:r>
-            <a:r>
-              <a:rPr lang="en-US" altLang="zh-TW" sz="2000" dirty="0" err="1"/>
+              <a:rPr lang="en-US" altLang="zh-TW" sz="2000" dirty="0">
+                <a:solidFill>
+                  <a:srgbClr val="FF0000"/>
+                </a:solidFill>
+              </a:rPr>
+              <a:t>After washing four times, 6mA antibody-bound DNA was eluted from beads in elution buffer (90 µl 5X IP buffer, 30µl of 100mM antibody against 6mA, 330 µl H2O) at 50 °C for 45min. The eluted DNA was purified with a 2:1 ratio of </a:t>
+            </a:r>
+            <a:r>
+              <a:rPr lang="en-US" altLang="zh-TW" sz="2000" dirty="0" err="1">
+                <a:solidFill>
+                  <a:srgbClr val="FF0000"/>
+                </a:solidFill>
+              </a:rPr>
+              <a:t>AMPure</a:t>
+            </a:r>
+            <a:r>
+              <a:rPr lang="en-US" altLang="zh-TW" sz="2000" dirty="0">
+                <a:solidFill>
+                  <a:srgbClr val="FF0000"/>
+                </a:solidFill>
+              </a:rPr>
+              <a:t> SPRI beads (Beckman Coulter) and quantified with a Qubit High Sensitivity Kit (</a:t>
+            </a:r>
+            <a:r>
+              <a:rPr lang="en-US" altLang="zh-TW" sz="2000" dirty="0" err="1">
+                <a:solidFill>
+                  <a:srgbClr val="FF0000"/>
+                </a:solidFill>
+              </a:rPr>
               <a:t>Thermo</a:t>
             </a:r>
             <a:r>
-              <a:rPr lang="en-US" altLang="zh-TW" sz="2000" dirty="0"/>
-              <a:t> Fisher Scientific) that was pre-bound with acetylated bovine serum albumin (Sigma-Aldrich) at 4 °C for another 2h. </a:t>
-            </a:r>
-          </a:p>
-          <a:p>
-            <a:pPr marL="0" indent="0">
-              <a:buNone/>
-            </a:pPr>
-            <a:r>
-              <a:rPr lang="zh-TW" altLang="en-US" sz="2000" dirty="0"/>
-              <a:t>    </a:t>
-            </a:r>
-            <a:r>
-              <a:rPr lang="en-US" altLang="zh-TW" sz="2000" dirty="0"/>
-              <a:t>After washing four times, 6mA antibody-bound DNA was eluted from beads in elution buffer (90 µl 5X IP buffer, 30µl of 100mM antibody against 6mA, 330 µl H2O) at 50 °C for 45min. The eluted DNA was purified with a 2:1 ratio of </a:t>
-            </a:r>
-            <a:r>
-              <a:rPr lang="en-US" altLang="zh-TW" sz="2000" dirty="0" err="1"/>
-              <a:t>AMPure</a:t>
-            </a:r>
-            <a:r>
-              <a:rPr lang="en-US" altLang="zh-TW" sz="2000" dirty="0"/>
-              <a:t> SPRI beads (Beckman Coulter) and quantified with a Qubit High Sensitivity Kit (</a:t>
-            </a:r>
-            <a:r>
-              <a:rPr lang="en-US" altLang="zh-TW" sz="2000" dirty="0" err="1"/>
-              <a:t>Thermo</a:t>
-            </a:r>
-            <a:r>
-              <a:rPr lang="en-US" altLang="zh-TW" sz="2000" dirty="0"/>
+              <a:rPr lang="en-US" altLang="zh-TW" sz="2000" dirty="0">
+                <a:solidFill>
+                  <a:srgbClr val="FF0000"/>
+                </a:solidFill>
+              </a:rPr>
               <a:t> Fisher). Library synthesis was performed using the </a:t>
             </a:r>
             <a:r>
-              <a:rPr lang="en-US" altLang="zh-TW" sz="2000" dirty="0" err="1"/>
+              <a:rPr lang="en-US" altLang="zh-TW" sz="2000" dirty="0" err="1">
+                <a:solidFill>
+                  <a:srgbClr val="FF0000"/>
+                </a:solidFill>
+              </a:rPr>
               <a:t>SMARTer</a:t>
             </a:r>
             <a:r>
-              <a:rPr lang="en-US" altLang="zh-TW" sz="2000" dirty="0"/>
+              <a:rPr lang="en-US" altLang="zh-TW" sz="2000" dirty="0">
+                <a:solidFill>
+                  <a:srgbClr val="FF0000"/>
+                </a:solidFill>
+              </a:rPr>
               <a:t> </a:t>
             </a:r>
             <a:r>
-              <a:rPr lang="en-US" altLang="zh-TW" sz="2000" dirty="0" err="1"/>
+              <a:rPr lang="en-US" altLang="zh-TW" sz="2000" dirty="0" err="1">
+                <a:solidFill>
+                  <a:srgbClr val="FF0000"/>
+                </a:solidFill>
+              </a:rPr>
               <a:t>ThruPLEX</a:t>
             </a:r>
             <a:r>
-              <a:rPr lang="en-US" altLang="zh-TW" sz="2000" dirty="0"/>
+              <a:rPr lang="en-US" altLang="zh-TW" sz="2000" dirty="0">
+                <a:solidFill>
+                  <a:srgbClr val="FF0000"/>
+                </a:solidFill>
+              </a:rPr>
               <a:t> DNA-Seq Kit (Takara), library size was determined using a Bioanalyzer High Sensitivity Kit (Agilent) and quantification was performed with a KAPA Library Quantification Kit (Roche). Sequencing was performed on an Illumina </a:t>
             </a:r>
             <a:r>
-              <a:rPr lang="en-US" altLang="zh-TW" sz="2000" dirty="0" err="1"/>
+              <a:rPr lang="en-US" altLang="zh-TW" sz="2000" dirty="0" err="1">
+                <a:solidFill>
+                  <a:srgbClr val="FF0000"/>
+                </a:solidFill>
+              </a:rPr>
               <a:t>NovaSeq</a:t>
             </a:r>
             <a:r>
-              <a:rPr lang="en-US" altLang="zh-TW" sz="2000" dirty="0"/>
+              <a:rPr lang="en-US" altLang="zh-TW" sz="2000" dirty="0">
+                <a:solidFill>
+                  <a:srgbClr val="FF0000"/>
+                </a:solidFill>
+              </a:rPr>
               <a:t> 6000 sequencer using an SP 300 cycles flow cell in paired-end mode and the running parameters were 150×8×8×150. </a:t>
             </a:r>
           </a:p>
@@ -4220,7 +4373,7 @@
           <p:cNvPr id="3" name="內容版面配置區 2">
             <a:extLst>
               <a:ext uri="{FF2B5EF4-FFF2-40B4-BE49-F238E27FC236}">
-                <a16:creationId xmlns:a16="http://schemas.microsoft.com/office/drawing/2014/main" id="{C90D2800-46B8-BD0E-6E8D-36BC4AA8FE50}"/>
+                <a16:creationId xmlns="" xmlns:a16="http://schemas.microsoft.com/office/drawing/2014/main" id="{C90D2800-46B8-BD0E-6E8D-36BC4AA8FE50}"/>
               </a:ext>
             </a:extLst>
           </p:cNvPr>
@@ -4260,7 +4413,15 @@
             </a:r>
             <a:r>
               <a:rPr lang="en-US" altLang="zh-TW" sz="2000" dirty="0"/>
-              <a:t> for adapter trimming and quality control. The pair-ended reads were then aligned to the TAIR10 genome by Bowtie224 with default settings. The MACS2 </a:t>
+              <a:t> for adapter trimming and quality control. The pair-ended reads were then aligned to the TAIR10 genome by </a:t>
+            </a:r>
+            <a:r>
+              <a:rPr lang="en-US" altLang="zh-TW" sz="2000" dirty="0" smtClean="0"/>
+              <a:t>Bowtie2 </a:t>
+            </a:r>
+            <a:r>
+              <a:rPr lang="en-US" altLang="zh-TW" sz="2000" dirty="0"/>
+              <a:t>with default settings. The MACS2 </a:t>
             </a:r>
             <a:r>
               <a:rPr lang="en-US" altLang="zh-TW" sz="2000" dirty="0" err="1"/>
@@ -4276,8 +4437,12 @@
               <a:buNone/>
             </a:pPr>
             <a:r>
-              <a:rPr lang="en-US" altLang="zh-TW" sz="2000" dirty="0"/>
-              <a:t>Following the same analysis as for 6mA-DNA-IP-Seq of D. melanogaster, we selected all adenine sites in the 50-bp flanking context around the peaks and applied the corresponding trained DeepM6A model to predict scores of both forward (Supplementary Tables 16 and 18) and reverse strands (Supplementary Tables 17 and 19) for each 6mA peak. One peak could have many nearby adenines, and we picked the maximum score as the score for the peak (Supplementary Tables 20 and 21). The high prediction scores are described visually in Fig. 5b,c. It is also noted that ~48% (143/297) and 21% (80/376) of peaks in two replications are covered by the SMRT dataset we use to develop our DeepM6A. The median probabilities for the uncovered parts in two replications both exceed 0.97. The above studies strongly indicate that our DeepM6A model is capable of capturing the genomic patterns of the 6mA sequences found by 6mA-DNA-IP-Seq although the DeepM6A was trained based on 6mA sequences from the SMRT platform.</a:t>
+              <a:rPr lang="en-US" altLang="zh-TW" sz="2000" dirty="0" smtClean="0"/>
+              <a:t>    Following </a:t>
+            </a:r>
+            <a:r>
+              <a:rPr lang="en-US" altLang="zh-TW" sz="2000" dirty="0"/>
+              <a:t>the same analysis as for 6mA-DNA-IP-Seq of D. melanogaster, we selected all adenine sites in the 50-bp flanking context around the peaks and applied the corresponding trained DeepM6A model to predict scores of both forward (Supplementary Tables 16 and 18) and reverse strands (Supplementary Tables 17 and 19) for each 6mA peak. One peak could have many nearby adenines, and we picked the maximum score as the score for the peak (Supplementary Tables 20 and 21). The high prediction scores are described visually in Fig. 5b,c. It is also noted that ~48% (143/297) and 21% (80/376) of peaks in two replications are covered by the SMRT dataset we use to develop our DeepM6A. The median probabilities for the uncovered parts in two replications both exceed 0.97. The above studies strongly indicate that our DeepM6A model is capable of capturing the genomic patterns of the 6mA sequences found by 6mA-DNA-IP-Seq although the DeepM6A was trained based on 6mA sequences from the SMRT platform.</a:t>
             </a:r>
           </a:p>
         </p:txBody>
@@ -4317,7 +4482,7 @@
           <p:cNvPr id="3" name="內容版面配置區 2">
             <a:extLst>
               <a:ext uri="{FF2B5EF4-FFF2-40B4-BE49-F238E27FC236}">
-                <a16:creationId xmlns:a16="http://schemas.microsoft.com/office/drawing/2014/main" id="{C90D2800-46B8-BD0E-6E8D-36BC4AA8FE50}"/>
+                <a16:creationId xmlns="" xmlns:a16="http://schemas.microsoft.com/office/drawing/2014/main" id="{C90D2800-46B8-BD0E-6E8D-36BC4AA8FE50}"/>
               </a:ext>
             </a:extLst>
           </p:cNvPr>
@@ -4416,7 +4581,7 @@
           <p:cNvPr id="3" name="內容版面配置區 2">
             <a:extLst>
               <a:ext uri="{FF2B5EF4-FFF2-40B4-BE49-F238E27FC236}">
-                <a16:creationId xmlns:a16="http://schemas.microsoft.com/office/drawing/2014/main" id="{C90D2800-46B8-BD0E-6E8D-36BC4AA8FE50}"/>
+                <a16:creationId xmlns="" xmlns:a16="http://schemas.microsoft.com/office/drawing/2014/main" id="{C90D2800-46B8-BD0E-6E8D-36BC4AA8FE50}"/>
               </a:ext>
             </a:extLst>
           </p:cNvPr>
@@ -4499,7 +4664,7 @@
           <p:cNvPr id="2" name="標題 1">
             <a:extLst>
               <a:ext uri="{FF2B5EF4-FFF2-40B4-BE49-F238E27FC236}">
-                <a16:creationId xmlns:a16="http://schemas.microsoft.com/office/drawing/2014/main" id="{B5757CAD-B87B-F87F-3D7C-FD8FBEDE40A2}"/>
+                <a16:creationId xmlns="" xmlns:a16="http://schemas.microsoft.com/office/drawing/2014/main" id="{B5757CAD-B87B-F87F-3D7C-FD8FBEDE40A2}"/>
               </a:ext>
             </a:extLst>
           </p:cNvPr>
@@ -4535,7 +4700,7 @@
           <p:cNvPr id="3" name="內容版面配置區 2">
             <a:extLst>
               <a:ext uri="{FF2B5EF4-FFF2-40B4-BE49-F238E27FC236}">
-                <a16:creationId xmlns:a16="http://schemas.microsoft.com/office/drawing/2014/main" id="{195053F1-A39A-4536-E212-381C3868434D}"/>
+                <a16:creationId xmlns="" xmlns:a16="http://schemas.microsoft.com/office/drawing/2014/main" id="{195053F1-A39A-4536-E212-381C3868434D}"/>
               </a:ext>
             </a:extLst>
           </p:cNvPr>
@@ -4630,7 +4795,7 @@
           <p:cNvPr id="3" name="內容版面配置區 2">
             <a:extLst>
               <a:ext uri="{FF2B5EF4-FFF2-40B4-BE49-F238E27FC236}">
-                <a16:creationId xmlns:a16="http://schemas.microsoft.com/office/drawing/2014/main" id="{C90D2800-46B8-BD0E-6E8D-36BC4AA8FE50}"/>
+                <a16:creationId xmlns="" xmlns:a16="http://schemas.microsoft.com/office/drawing/2014/main" id="{C90D2800-46B8-BD0E-6E8D-36BC4AA8FE50}"/>
               </a:ext>
             </a:extLst>
           </p:cNvPr>
@@ -4668,7 +4833,15 @@
             </a:r>
             <a:r>
               <a:rPr lang="en-US" altLang="zh-TW" sz="2000" dirty="0"/>
-              <a:t>The saliency map is a topographically arranged map that represents the visual saliency of a corresponding visual scene30. To interpret the proposed DeepM6A and elucidate the regulatory motifs of 6mA for different species, we propose the following saliency maps-based context analysis protocol (SM-CAP). </a:t>
+              <a:t>The saliency map is a topographically arranged map that represents the visual saliency of a corresponding visual </a:t>
+            </a:r>
+            <a:r>
+              <a:rPr lang="en-US" altLang="zh-TW" sz="2000" dirty="0" smtClean="0"/>
+              <a:t>scene. </a:t>
+            </a:r>
+            <a:r>
+              <a:rPr lang="en-US" altLang="zh-TW" sz="2000" dirty="0"/>
+              <a:t>To interpret the proposed DeepM6A and elucidate the regulatory motifs of 6mA for different species, we propose the following saliency maps-based context analysis protocol (SM-CAP). </a:t>
             </a:r>
           </a:p>
           <a:p>
@@ -4730,14 +4903,14 @@
           <a:chExt cx="0" cy="0"/>
         </a:xfrm>
       </p:grpSpPr>
-      <mc:AlternateContent xmlns:mc="http://schemas.openxmlformats.org/markup-compatibility/2006">
-        <mc:Choice xmlns:a14="http://schemas.microsoft.com/office/drawing/2010/main" Requires="a14">
+      <mc:AlternateContent xmlns:mc="http://schemas.openxmlformats.org/markup-compatibility/2006" xmlns:a14="http://schemas.microsoft.com/office/drawing/2010/main">
+        <mc:Choice Requires="a14">
           <p:sp>
             <p:nvSpPr>
               <p:cNvPr id="3" name="內容版面配置區 2">
                 <a:extLst>
                   <a:ext uri="{FF2B5EF4-FFF2-40B4-BE49-F238E27FC236}">
-                    <a16:creationId xmlns:a16="http://schemas.microsoft.com/office/drawing/2014/main" id="{C90D2800-46B8-BD0E-6E8D-36BC4AA8FE50}"/>
+                    <a16:creationId xmlns="" xmlns:a16="http://schemas.microsoft.com/office/drawing/2014/main" id="{C90D2800-46B8-BD0E-6E8D-36BC4AA8FE50}"/>
                   </a:ext>
                 </a:extLst>
               </p:cNvPr>
@@ -4875,7 +5048,7 @@
                           <a:rPr lang="en-US" altLang="zh-TW" sz="2000" i="1">
                             <a:latin typeface="Cambria Math" panose="02040503050406030204" pitchFamily="18" charset="0"/>
                           </a:rPr>
-                          <m:t>-</m:t>
+                          <m:t>−</m:t>
                         </m:r>
                         <m:r>
                           <a:rPr lang="en-US" altLang="zh-TW" sz="2000" i="1" smtClean="0">
@@ -4934,7 +5107,7 @@
             </p:txBody>
           </p:sp>
         </mc:Choice>
-        <mc:Fallback>
+        <mc:Fallback xmlns="">
           <p:sp>
             <p:nvSpPr>
               <p:cNvPr id="3" name="內容版面配置區 2">
@@ -5008,14 +5181,14 @@
           <a:chExt cx="0" cy="0"/>
         </a:xfrm>
       </p:grpSpPr>
-      <mc:AlternateContent xmlns:mc="http://schemas.openxmlformats.org/markup-compatibility/2006">
-        <mc:Choice xmlns:a14="http://schemas.microsoft.com/office/drawing/2010/main" Requires="a14">
+      <mc:AlternateContent xmlns:mc="http://schemas.openxmlformats.org/markup-compatibility/2006" xmlns:a14="http://schemas.microsoft.com/office/drawing/2010/main">
+        <mc:Choice Requires="a14">
           <p:sp>
             <p:nvSpPr>
               <p:cNvPr id="3" name="內容版面配置區 2">
                 <a:extLst>
                   <a:ext uri="{FF2B5EF4-FFF2-40B4-BE49-F238E27FC236}">
-                    <a16:creationId xmlns:a16="http://schemas.microsoft.com/office/drawing/2014/main" id="{C90D2800-46B8-BD0E-6E8D-36BC4AA8FE50}"/>
+                    <a16:creationId xmlns="" xmlns:a16="http://schemas.microsoft.com/office/drawing/2014/main" id="{C90D2800-46B8-BD0E-6E8D-36BC4AA8FE50}"/>
                   </a:ext>
                 </a:extLst>
               </p:cNvPr>
@@ -5210,7 +5383,7 @@
             </p:txBody>
           </p:sp>
         </mc:Choice>
-        <mc:Fallback>
+        <mc:Fallback xmlns="">
           <p:sp>
             <p:nvSpPr>
               <p:cNvPr id="3" name="內容版面配置區 2">
@@ -5259,7 +5432,7 @@
           <p:cNvPr id="4" name="圖片 3">
             <a:extLst>
               <a:ext uri="{FF2B5EF4-FFF2-40B4-BE49-F238E27FC236}">
-                <a16:creationId xmlns:a16="http://schemas.microsoft.com/office/drawing/2014/main" id="{751E18B2-1B61-D9BA-D8FD-D41440CF53C3}"/>
+                <a16:creationId xmlns="" xmlns:a16="http://schemas.microsoft.com/office/drawing/2014/main" id="{751E18B2-1B61-D9BA-D8FD-D41440CF53C3}"/>
               </a:ext>
             </a:extLst>
           </p:cNvPr>
@@ -5319,7 +5492,7 @@
           <p:cNvPr id="3" name="內容版面配置區 2">
             <a:extLst>
               <a:ext uri="{FF2B5EF4-FFF2-40B4-BE49-F238E27FC236}">
-                <a16:creationId xmlns:a16="http://schemas.microsoft.com/office/drawing/2014/main" id="{C90D2800-46B8-BD0E-6E8D-36BC4AA8FE50}"/>
+                <a16:creationId xmlns="" xmlns:a16="http://schemas.microsoft.com/office/drawing/2014/main" id="{C90D2800-46B8-BD0E-6E8D-36BC4AA8FE50}"/>
               </a:ext>
             </a:extLst>
           </p:cNvPr>
@@ -5362,6 +5535,30 @@
           </a:p>
         </p:txBody>
       </p:sp>
+      <p:pic>
+        <p:nvPicPr>
+          <p:cNvPr id="4" name="圖片 3"/>
+          <p:cNvPicPr>
+            <a:picLocks noChangeAspect="1"/>
+          </p:cNvPicPr>
+          <p:nvPr/>
+        </p:nvPicPr>
+        <p:blipFill>
+          <a:blip r:embed="rId2"/>
+          <a:stretch>
+            <a:fillRect/>
+          </a:stretch>
+        </p:blipFill>
+        <p:spPr>
+          <a:xfrm>
+            <a:off x="2253417" y="3497336"/>
+            <a:ext cx="7883286" cy="3134508"/>
+          </a:xfrm>
+          <a:prstGeom prst="rect">
+            <a:avLst/>
+          </a:prstGeom>
+        </p:spPr>
+      </p:pic>
     </p:spTree>
     <p:extLst>
       <p:ext uri="{BB962C8B-B14F-4D97-AF65-F5344CB8AC3E}">
@@ -5397,7 +5594,7 @@
           <p:cNvPr id="2" name="標題 1">
             <a:extLst>
               <a:ext uri="{FF2B5EF4-FFF2-40B4-BE49-F238E27FC236}">
-                <a16:creationId xmlns:a16="http://schemas.microsoft.com/office/drawing/2014/main" id="{B5757CAD-B87B-F87F-3D7C-FD8FBEDE40A2}"/>
+                <a16:creationId xmlns="" xmlns:a16="http://schemas.microsoft.com/office/drawing/2014/main" id="{B5757CAD-B87B-F87F-3D7C-FD8FBEDE40A2}"/>
               </a:ext>
             </a:extLst>
           </p:cNvPr>
@@ -5433,7 +5630,7 @@
           <p:cNvPr id="3" name="內容版面配置區 2">
             <a:extLst>
               <a:ext uri="{FF2B5EF4-FFF2-40B4-BE49-F238E27FC236}">
-                <a16:creationId xmlns:a16="http://schemas.microsoft.com/office/drawing/2014/main" id="{195053F1-A39A-4536-E212-381C3868434D}"/>
+                <a16:creationId xmlns="" xmlns:a16="http://schemas.microsoft.com/office/drawing/2014/main" id="{195053F1-A39A-4536-E212-381C3868434D}"/>
               </a:ext>
             </a:extLst>
           </p:cNvPr>
@@ -5551,7 +5748,7 @@
           <p:cNvPr id="3" name="內容版面配置區 2">
             <a:extLst>
               <a:ext uri="{FF2B5EF4-FFF2-40B4-BE49-F238E27FC236}">
-                <a16:creationId xmlns:a16="http://schemas.microsoft.com/office/drawing/2014/main" id="{C90D2800-46B8-BD0E-6E8D-36BC4AA8FE50}"/>
+                <a16:creationId xmlns="" xmlns:a16="http://schemas.microsoft.com/office/drawing/2014/main" id="{C90D2800-46B8-BD0E-6E8D-36BC4AA8FE50}"/>
               </a:ext>
             </a:extLst>
           </p:cNvPr>
@@ -5668,7 +5865,7 @@
           <p:cNvPr id="2" name="標題 1">
             <a:extLst>
               <a:ext uri="{FF2B5EF4-FFF2-40B4-BE49-F238E27FC236}">
-                <a16:creationId xmlns:a16="http://schemas.microsoft.com/office/drawing/2014/main" id="{B5757CAD-B87B-F87F-3D7C-FD8FBEDE40A2}"/>
+                <a16:creationId xmlns="" xmlns:a16="http://schemas.microsoft.com/office/drawing/2014/main" id="{B5757CAD-B87B-F87F-3D7C-FD8FBEDE40A2}"/>
               </a:ext>
             </a:extLst>
           </p:cNvPr>
@@ -5704,7 +5901,7 @@
           <p:cNvPr id="3" name="內容版面配置區 2">
             <a:extLst>
               <a:ext uri="{FF2B5EF4-FFF2-40B4-BE49-F238E27FC236}">
-                <a16:creationId xmlns:a16="http://schemas.microsoft.com/office/drawing/2014/main" id="{195053F1-A39A-4536-E212-381C3868434D}"/>
+                <a16:creationId xmlns="" xmlns:a16="http://schemas.microsoft.com/office/drawing/2014/main" id="{195053F1-A39A-4536-E212-381C3868434D}"/>
               </a:ext>
             </a:extLst>
           </p:cNvPr>
@@ -5894,7 +6091,7 @@
           <p:cNvPr id="3" name="內容版面配置區 2">
             <a:extLst>
               <a:ext uri="{FF2B5EF4-FFF2-40B4-BE49-F238E27FC236}">
-                <a16:creationId xmlns:a16="http://schemas.microsoft.com/office/drawing/2014/main" id="{C90D2800-46B8-BD0E-6E8D-36BC4AA8FE50}"/>
+                <a16:creationId xmlns="" xmlns:a16="http://schemas.microsoft.com/office/drawing/2014/main" id="{C90D2800-46B8-BD0E-6E8D-36BC4AA8FE50}"/>
               </a:ext>
             </a:extLst>
           </p:cNvPr>
@@ -5999,7 +6196,7 @@
           <p:cNvPr id="3" name="內容版面配置區 2">
             <a:extLst>
               <a:ext uri="{FF2B5EF4-FFF2-40B4-BE49-F238E27FC236}">
-                <a16:creationId xmlns:a16="http://schemas.microsoft.com/office/drawing/2014/main" id="{195053F1-A39A-4536-E212-381C3868434D}"/>
+                <a16:creationId xmlns="" xmlns:a16="http://schemas.microsoft.com/office/drawing/2014/main" id="{195053F1-A39A-4536-E212-381C3868434D}"/>
               </a:ext>
             </a:extLst>
           </p:cNvPr>
@@ -6046,7 +6243,7 @@
           <p:cNvPr id="5" name="圖片 4">
             <a:extLst>
               <a:ext uri="{FF2B5EF4-FFF2-40B4-BE49-F238E27FC236}">
-                <a16:creationId xmlns:a16="http://schemas.microsoft.com/office/drawing/2014/main" id="{83AC17FA-ABCF-3729-5A52-CE79905DB8F7}"/>
+                <a16:creationId xmlns="" xmlns:a16="http://schemas.microsoft.com/office/drawing/2014/main" id="{83AC17FA-ABCF-3729-5A52-CE79905DB8F7}"/>
               </a:ext>
             </a:extLst>
           </p:cNvPr>
@@ -6106,7 +6303,7 @@
           <p:cNvPr id="3" name="內容版面配置區 2">
             <a:extLst>
               <a:ext uri="{FF2B5EF4-FFF2-40B4-BE49-F238E27FC236}">
-                <a16:creationId xmlns:a16="http://schemas.microsoft.com/office/drawing/2014/main" id="{C90D2800-46B8-BD0E-6E8D-36BC4AA8FE50}"/>
+                <a16:creationId xmlns="" xmlns:a16="http://schemas.microsoft.com/office/drawing/2014/main" id="{C90D2800-46B8-BD0E-6E8D-36BC4AA8FE50}"/>
               </a:ext>
             </a:extLst>
           </p:cNvPr>
@@ -6145,7 +6342,41 @@
             </a:pPr>
             <a:r>
               <a:rPr lang="en-US" altLang="zh-TW" sz="2000" dirty="0"/>
-              <a:t>    We have used public data to demonstrate the robustness and prediction performance of DeepM6A. We also conducted our own experimental validation to strengthen the work. DNA immunoprecipitation-based genomic profiling of 6mA has proven to be accurate and robust in A. thaliana. We thus chose A. thaliana as the model organism and validated our prediction using DNA immunoprecipitation followed by a next-generation sequencing experiment (see Methods ‘6mA-DNA-IP-Seq and sequencing of A. thaliana’ for details). Briefly, we grew the Columbia-0 ecotype of A. thaliana in a chamber under long-day conditions and extracted gDNA from nine-day-old seedlings. We produced two biological replicates and sonicated the gDNA into ~300-bp fragments. Following ref. 22, we then used the same 6mA antibody to pull down 6mA-methylated DNA fragments, followed by high-throughput next-generation sequencing. We mapped the sequencing data (GEO accession no. GSE149060) to the plant reference genome and used MACS2 to call peaks (enriched regions) that contained 6mA sites. Under a false discovery rate (FDR) cutoff of 0.05, MACS2 reported 297 and 376 peaks for the two replicates, respectively. As shown in Fig. 5b,c, DeepM6A predicted most of those DNA-IP-Seq validated 6mA sites with very high probability (&gt;0.95), while as negative control, DeepM6A predicted most randomly selected adenines with very low probability (&lt;0.05). This cross-platform independent experimental validation confirms the accuracy of DeepM6A.</a:t>
+              <a:t>    We have used public data to demonstrate the robustness and prediction performance of DeepM6A. We also conducted our own experimental validation to strengthen the work. DNA immunoprecipitation-based genomic profiling of 6mA has proven to be accurate and robust in A. thaliana. We thus chose A. thaliana as the model organism and validated our prediction using DNA immunoprecipitation followed by a next-generation sequencing experiment (see Methods ‘6mA-DNA-IP-Seq and sequencing of A. thaliana’ for details). </a:t>
+            </a:r>
+            <a:endParaRPr lang="en-US" altLang="zh-TW" sz="2000" dirty="0" smtClean="0"/>
+          </a:p>
+          <a:p>
+            <a:pPr marL="0" indent="0">
+              <a:buNone/>
+            </a:pPr>
+            <a:r>
+              <a:rPr lang="zh-TW" altLang="en-US" sz="2000" dirty="0"/>
+              <a:t> </a:t>
+            </a:r>
+            <a:r>
+              <a:rPr lang="zh-TW" altLang="en-US" sz="2000" dirty="0" smtClean="0"/>
+              <a:t>   </a:t>
+            </a:r>
+            <a:r>
+              <a:rPr lang="en-US" altLang="zh-TW" sz="2000" dirty="0" smtClean="0"/>
+              <a:t>Briefly</a:t>
+            </a:r>
+            <a:r>
+              <a:rPr lang="en-US" altLang="zh-TW" sz="2000" dirty="0"/>
+              <a:t>, we grew the Columbia-0 ecotype of A. thaliana in a chamber under long-day conditions and extracted gDNA from nine-day-old seedlings. We produced two biological replicates and sonicated the gDNA into ~300-bp fragments. Following ref. 22, </a:t>
+            </a:r>
+            <a:r>
+              <a:rPr lang="en-US" altLang="zh-TW" sz="2000" dirty="0">
+                <a:solidFill>
+                  <a:srgbClr val="FF0000"/>
+                </a:solidFill>
+              </a:rPr>
+              <a:t>we then used the same 6mA antibody to pull down 6mA-methylated DNA fragments, followed by high-throughput next-generation sequencing. We mapped the sequencing data (GEO accession no. GSE149060) to the plant reference genome and used MACS2 to call peaks (enriched regions) that contained 6mA sites. </a:t>
+            </a:r>
+            <a:r>
+              <a:rPr lang="en-US" altLang="zh-TW" sz="2000" dirty="0"/>
+              <a:t>Under a false discovery rate (FDR) cutoff of 0.05, MACS2 reported 297 and 376 peaks for the two replicates, respectively. As shown in Fig. 5b,c, DeepM6A predicted most of those DNA-IP-Seq validated 6mA sites with very high probability (&gt;0.95), while as negative control, DeepM6A predicted most randomly selected adenines with very low probability (&lt;0.05). This cross-platform independent experimental validation confirms the accuracy of DeepM6A.</a:t>
             </a:r>
           </a:p>
         </p:txBody>
@@ -6180,63 +6411,34 @@
           <a:chExt cx="0" cy="0"/>
         </a:xfrm>
       </p:grpSpPr>
-      <p:sp>
-        <p:nvSpPr>
-          <p:cNvPr id="3" name="內容版面配置區 2">
-            <a:extLst>
-              <a:ext uri="{FF2B5EF4-FFF2-40B4-BE49-F238E27FC236}">
-                <a16:creationId xmlns:a16="http://schemas.microsoft.com/office/drawing/2014/main" id="{C90D2800-46B8-BD0E-6E8D-36BC4AA8FE50}"/>
-              </a:ext>
-            </a:extLst>
-          </p:cNvPr>
-          <p:cNvSpPr>
-            <a:spLocks noGrp="1"/>
-          </p:cNvSpPr>
-          <p:nvPr>
-            <p:ph idx="1"/>
-          </p:nvPr>
-        </p:nvSpPr>
+      <p:pic>
+        <p:nvPicPr>
+          <p:cNvPr id="4" name="圖片 3"/>
+          <p:cNvPicPr>
+            <a:picLocks noChangeAspect="1"/>
+          </p:cNvPicPr>
+          <p:nvPr/>
+        </p:nvPicPr>
+        <p:blipFill>
+          <a:blip r:embed="rId2"/>
+          <a:stretch>
+            <a:fillRect/>
+          </a:stretch>
+        </p:blipFill>
         <p:spPr>
           <a:xfrm>
-            <a:off x="730431" y="675823"/>
-            <a:ext cx="10731138" cy="5506354"/>
+            <a:off x="3133311" y="866417"/>
+            <a:ext cx="5925377" cy="5125165"/>
           </a:xfrm>
+          <a:prstGeom prst="rect">
+            <a:avLst/>
+          </a:prstGeom>
         </p:spPr>
-        <p:txBody>
-          <a:bodyPr>
-            <a:normAutofit/>
-          </a:bodyPr>
-          <a:lstStyle/>
-          <a:p>
-            <a:r>
-              <a:rPr lang="en-US" altLang="zh-TW" sz="2000" dirty="0"/>
-              <a:t>Discussion and conclusion    </a:t>
-            </a:r>
-          </a:p>
-          <a:p>
-            <a:pPr marL="0" indent="0">
-              <a:buNone/>
-            </a:pPr>
-            <a:r>
-              <a:rPr lang="en-US" altLang="zh-TW" sz="2000" dirty="0"/>
-              <a:t>    It is noted that our prediction is purely based on sequence information. In other words, only the cis effect has been captured. This means that what we predict is the candidacy or potential for being a 6mA site. Whether a candidate is 6mA-ed or not will also depend on many other exogenous trans effects. The origin of the trans effects has remained largely elusive so far for eukaryotes. Conventionally, epigenetic modifications on individual bases in DNA are regulated by certain methyltransferases and can encode heritable genetic information. In eukaryotes, only the DNA N6 adenine methyltransferase 1 (DAMT-1) in Caenorhabditis elegans has been reported to execute DNA adenine methyltransferase activities.</a:t>
-            </a:r>
-          </a:p>
-          <a:p>
-            <a:pPr marL="0" indent="0">
-              <a:buNone/>
-            </a:pPr>
-            <a:r>
-              <a:rPr lang="en-US" altLang="zh-TW" sz="2000" dirty="0"/>
-              <a:t>    A recent study shows that the majority of DNA 6mA in mammalian cells, instead of originating from direct methylation, may be incorporated by DNA polymerases via a nucleotide-salvage pathway. This finding is interesting because it delineates another pathway of generating 6mA that results from an environmental effect instead of a heritable effect. Using only DNA sequence information, our prediction may not directly distinguish the origins of 6mA, for example nucleotide salvage or direct DNA methylation. </a:t>
-            </a:r>
-          </a:p>
-        </p:txBody>
-      </p:sp>
+      </p:pic>
     </p:spTree>
     <p:extLst>
       <p:ext uri="{BB962C8B-B14F-4D97-AF65-F5344CB8AC3E}">
-        <p14:creationId xmlns:p14="http://schemas.microsoft.com/office/powerpoint/2010/main" val="1742804771"/>
+        <p14:creationId xmlns:p14="http://schemas.microsoft.com/office/powerpoint/2010/main" val="4077291654"/>
       </p:ext>
     </p:extLst>
   </p:cSld>
@@ -6268,7 +6470,7 @@
           <p:cNvPr id="3" name="內容版面配置區 2">
             <a:extLst>
               <a:ext uri="{FF2B5EF4-FFF2-40B4-BE49-F238E27FC236}">
-                <a16:creationId xmlns:a16="http://schemas.microsoft.com/office/drawing/2014/main" id="{C90D2800-46B8-BD0E-6E8D-36BC4AA8FE50}"/>
+                <a16:creationId xmlns="" xmlns:a16="http://schemas.microsoft.com/office/drawing/2014/main" id="{C90D2800-46B8-BD0E-6E8D-36BC4AA8FE50}"/>
               </a:ext>
             </a:extLst>
           </p:cNvPr>
@@ -6291,12 +6493,18 @@
           </a:bodyPr>
           <a:lstStyle/>
           <a:p>
+            <a:r>
+              <a:rPr lang="en-US" altLang="zh-TW" sz="2000" dirty="0"/>
+              <a:t>Discussion and conclusion    </a:t>
+            </a:r>
+          </a:p>
+          <a:p>
             <a:pPr marL="0" indent="0">
               <a:buNone/>
             </a:pPr>
             <a:r>
               <a:rPr lang="en-US" altLang="zh-TW" sz="2000" dirty="0"/>
-              <a:t>    Nevertheless, the good prediction accuracy suggests that the presence of genomic 6mA is non-random and may have biological consequence. Even if the 6mA is incorporated into the genome during DNA replication, the frequency of the T base in DNA template strand pairing with adenine or 6mA may be affected by its flanking sequences. Regardless of whether this 6mA site originates from direct methylation by writer proteins or from DNA replication, its interaction with 6mA binding proteins (readers) can trigger downstream biological consequence. In the event 6mA is released from the microbiome or bacteria and is absorbed by the host cell and integrated into its own genome, this would be an interesting mechanism by which the microbiome or bacteria in the environment communicate with the host (via the releasing/recycling of bacterial DNA bases). </a:t>
+              <a:t>    It is noted that our prediction is purely based on sequence information. In other words, only the cis effect has been captured. This means that what we predict is the candidacy or potential for being a 6mA site. Whether a candidate is 6mA-ed or not will also depend on many other exogenous trans effects. The origin of the trans effects has remained largely elusive so far for eukaryotes. Conventionally, epigenetic modifications on individual bases in DNA are regulated by certain methyltransferases and can encode heritable genetic information. In eukaryotes, only the DNA N6 adenine methyltransferase 1 (DAMT-1) in Caenorhabditis elegans has been reported to execute DNA adenine methyltransferase activities.</a:t>
             </a:r>
           </a:p>
           <a:p>
@@ -6305,7 +6513,7 @@
             </a:pPr>
             <a:r>
               <a:rPr lang="en-US" altLang="zh-TW" sz="2000" dirty="0"/>
-              <a:t>    Our in silico 6mA candidacy map helps to provide a global view of 6mA candidacy (Supplementary Tables 1–3, Supplementary Fig. 16 and Supplementary Information) and may shed light on host–microbiome interactions. It is recognized that genomic 6mA methylation is dynamically regulated, with methylation status probably changed over time (developmental stages) or location (tissue-specific). </a:t>
+              <a:t>    A recent study shows that the majority of DNA 6mA in mammalian cells, instead of originating from direct methylation, may be incorporated by DNA polymerases via a nucleotide-salvage pathway. This finding is interesting because it delineates another pathway of generating 6mA that results from an environmental effect instead of a heritable effect. Using only DNA sequence information, our prediction may not directly distinguish the origins of 6mA, for example nucleotide salvage or direct DNA methylation. </a:t>
             </a:r>
           </a:p>
         </p:txBody>
@@ -6313,7 +6521,7 @@
     </p:spTree>
     <p:extLst>
       <p:ext uri="{BB962C8B-B14F-4D97-AF65-F5344CB8AC3E}">
-        <p14:creationId xmlns:p14="http://schemas.microsoft.com/office/powerpoint/2010/main" val="1025323181"/>
+        <p14:creationId xmlns:p14="http://schemas.microsoft.com/office/powerpoint/2010/main" val="1742804771"/>
       </p:ext>
     </p:extLst>
   </p:cSld>
@@ -6345,7 +6553,7 @@
           <p:cNvPr id="3" name="內容版面配置區 2">
             <a:extLst>
               <a:ext uri="{FF2B5EF4-FFF2-40B4-BE49-F238E27FC236}">
-                <a16:creationId xmlns:a16="http://schemas.microsoft.com/office/drawing/2014/main" id="{C90D2800-46B8-BD0E-6E8D-36BC4AA8FE50}"/>
+                <a16:creationId xmlns="" xmlns:a16="http://schemas.microsoft.com/office/drawing/2014/main" id="{C90D2800-46B8-BD0E-6E8D-36BC4AA8FE50}"/>
               </a:ext>
             </a:extLst>
           </p:cNvPr>
@@ -6373,7 +6581,7 @@
             </a:pPr>
             <a:r>
               <a:rPr lang="en-US" altLang="zh-TW" sz="2000" dirty="0"/>
-              <a:t>    We note that DeepM6A is a general 6mA prediction algorithm, which is not limited to the conditions, time or tissues for which data are collected. If 6mA methylation data are collected and provided with development-stage and/or tissue information, our model can be trained over those data and make predictions of tissue- and/or development-stage-specific 6mA sites accordingly. For example, if trained on 6mA methylation data collected at the embryonic development stage, DeepM6A would be able to predict embryo-specific 6mA candidacy.</a:t>
+              <a:t>    Nevertheless, the good prediction accuracy suggests that the presence of genomic 6mA is non-random and may have biological consequence. Even if the 6mA is incorporated into the genome during DNA replication, the frequency of the T base in DNA template strand pairing with adenine or 6mA may be affected by its flanking sequences. Regardless of whether this 6mA site originates from direct methylation by writer proteins or from DNA replication, its interaction with 6mA binding proteins (readers) can trigger downstream biological consequence. In the event 6mA is released from the microbiome or bacteria and is absorbed by the host cell and integrated into its own genome, this would be an interesting mechanism by which the microbiome or bacteria in the environment communicate with the host (via the releasing/recycling of bacterial DNA bases). </a:t>
             </a:r>
           </a:p>
           <a:p>
@@ -6382,7 +6590,7 @@
             </a:pPr>
             <a:r>
               <a:rPr lang="en-US" altLang="zh-TW" sz="2000" dirty="0"/>
-              <a:t>    Although we have conducted a rigorous filtering protocol on the 6mA sites as determined by SMRT and have generated the final datasets for our research, some false-positive sites might still exist. It is therefore good to assess the impact of the error rate on our study. It is interesting to see whether DeepM6A is robust to false-positive samples and our results remain convincing. To this end, we performed twofold experiments. First, we used simulation studies to show the effectiveness even when the dataset for model training contained a significant proportion of false-positive samples. Second, we applied the models to 6mA regions generated using 6mA-DNA-IP-Seq. This is the current state-of-the-art sequencing technology, with a low error rate, but it could not pinpoint the exact methylation sites of 6mA. Interestingly—and impressively—our predictive models, trained on the SMRT 6mA data, captured almost all peaks with high probability. These two independent explorations indicate that our approaches are robust to false-positive samples and their outputs are reliable.</a:t>
+              <a:t>    Our in silico 6mA candidacy map helps to provide a global view of 6mA candidacy (Supplementary Tables 1–3, Supplementary Fig. 16 and Supplementary Information) and may shed light on host–microbiome interactions. It is recognized that genomic 6mA methylation is dynamically regulated, with methylation status probably changed over time (developmental stages) or location (tissue-specific). </a:t>
             </a:r>
           </a:p>
         </p:txBody>
@@ -6390,7 +6598,7 @@
     </p:spTree>
     <p:extLst>
       <p:ext uri="{BB962C8B-B14F-4D97-AF65-F5344CB8AC3E}">
-        <p14:creationId xmlns:p14="http://schemas.microsoft.com/office/powerpoint/2010/main" val="989281336"/>
+        <p14:creationId xmlns:p14="http://schemas.microsoft.com/office/powerpoint/2010/main" val="1025323181"/>
       </p:ext>
     </p:extLst>
   </p:cSld>
@@ -6417,12 +6625,143 @@
           <a:chExt cx="0" cy="0"/>
         </a:xfrm>
       </p:grpSpPr>
+      <p:pic>
+        <p:nvPicPr>
+          <p:cNvPr id="4" name="圖片 3"/>
+          <p:cNvPicPr>
+            <a:picLocks noChangeAspect="1"/>
+          </p:cNvPicPr>
+          <p:nvPr/>
+        </p:nvPicPr>
+        <p:blipFill>
+          <a:blip r:embed="rId2"/>
+          <a:stretch>
+            <a:fillRect/>
+          </a:stretch>
+        </p:blipFill>
+        <p:spPr>
+          <a:xfrm>
+            <a:off x="3009469" y="432969"/>
+            <a:ext cx="6173061" cy="5992061"/>
+          </a:xfrm>
+          <a:prstGeom prst="rect">
+            <a:avLst/>
+          </a:prstGeom>
+        </p:spPr>
+      </p:pic>
+    </p:spTree>
+    <p:extLst>
+      <p:ext uri="{BB962C8B-B14F-4D97-AF65-F5344CB8AC3E}">
+        <p14:creationId xmlns:p14="http://schemas.microsoft.com/office/powerpoint/2010/main" val="350291638"/>
+      </p:ext>
+    </p:extLst>
+  </p:cSld>
+  <p:clrMapOvr>
+    <a:masterClrMapping/>
+  </p:clrMapOvr>
+</p:sld>
+</file>
+
+<file path=ppt/slides/slide35.xml><?xml version="1.0" encoding="utf-8"?>
+<p:sld xmlns:a="http://schemas.openxmlformats.org/drawingml/2006/main" xmlns:r="http://schemas.openxmlformats.org/officeDocument/2006/relationships" xmlns:p="http://schemas.openxmlformats.org/presentationml/2006/main">
+  <p:cSld>
+    <p:spTree>
+      <p:nvGrpSpPr>
+        <p:cNvPr id="1" name=""/>
+        <p:cNvGrpSpPr/>
+        <p:nvPr/>
+      </p:nvGrpSpPr>
+      <p:grpSpPr>
+        <a:xfrm>
+          <a:off x="0" y="0"/>
+          <a:ext cx="0" cy="0"/>
+          <a:chOff x="0" y="0"/>
+          <a:chExt cx="0" cy="0"/>
+        </a:xfrm>
+      </p:grpSpPr>
       <p:sp>
         <p:nvSpPr>
           <p:cNvPr id="3" name="內容版面配置區 2">
             <a:extLst>
               <a:ext uri="{FF2B5EF4-FFF2-40B4-BE49-F238E27FC236}">
-                <a16:creationId xmlns:a16="http://schemas.microsoft.com/office/drawing/2014/main" id="{C90D2800-46B8-BD0E-6E8D-36BC4AA8FE50}"/>
+                <a16:creationId xmlns="" xmlns:a16="http://schemas.microsoft.com/office/drawing/2014/main" id="{C90D2800-46B8-BD0E-6E8D-36BC4AA8FE50}"/>
+              </a:ext>
+            </a:extLst>
+          </p:cNvPr>
+          <p:cNvSpPr>
+            <a:spLocks noGrp="1"/>
+          </p:cNvSpPr>
+          <p:nvPr>
+            <p:ph idx="1"/>
+          </p:nvPr>
+        </p:nvSpPr>
+        <p:spPr>
+          <a:xfrm>
+            <a:off x="730431" y="675823"/>
+            <a:ext cx="10731138" cy="5506354"/>
+          </a:xfrm>
+        </p:spPr>
+        <p:txBody>
+          <a:bodyPr>
+            <a:normAutofit/>
+          </a:bodyPr>
+          <a:lstStyle/>
+          <a:p>
+            <a:pPr marL="0" indent="0">
+              <a:buNone/>
+            </a:pPr>
+            <a:r>
+              <a:rPr lang="en-US" altLang="zh-TW" sz="2000" dirty="0"/>
+              <a:t>    We note that DeepM6A is a general 6mA prediction algorithm, which is not limited to the conditions, time or tissues for which data are collected. If 6mA methylation data are collected and provided with development-stage and/or tissue information, our model can be trained over those data and make predictions of tissue- and/or development-stage-specific 6mA sites accordingly. For example, if trained on 6mA methylation data collected at the embryonic development stage, DeepM6A would be able to predict embryo-specific 6mA candidacy.</a:t>
+            </a:r>
+          </a:p>
+          <a:p>
+            <a:pPr marL="0" indent="0">
+              <a:buNone/>
+            </a:pPr>
+            <a:r>
+              <a:rPr lang="en-US" altLang="zh-TW" sz="2000" dirty="0"/>
+              <a:t>    Although we have conducted a rigorous filtering protocol on the 6mA sites as determined by SMRT and have generated the final datasets for our research, some false-positive sites might still exist. It is therefore good to assess the impact of the error rate on our study. It is interesting to see whether DeepM6A is robust to false-positive samples and our results remain convincing. To this end, we performed twofold experiments. First, we used simulation studies to show the effectiveness even when the dataset for model training contained a significant proportion of false-positive samples. Second, we applied the models to 6mA regions generated using 6mA-DNA-IP-Seq. This is the current state-of-the-art sequencing technology, with a low error rate, but it could not pinpoint the exact methylation sites of 6mA. Interestingly—and impressively—our predictive models, trained on the SMRT 6mA data, captured almost all peaks with high probability. These two independent explorations indicate that our approaches are robust to false-positive samples and their outputs are reliable.</a:t>
+            </a:r>
+          </a:p>
+        </p:txBody>
+      </p:sp>
+    </p:spTree>
+    <p:extLst>
+      <p:ext uri="{BB962C8B-B14F-4D97-AF65-F5344CB8AC3E}">
+        <p14:creationId xmlns:p14="http://schemas.microsoft.com/office/powerpoint/2010/main" val="989281336"/>
+      </p:ext>
+    </p:extLst>
+  </p:cSld>
+  <p:clrMapOvr>
+    <a:masterClrMapping/>
+  </p:clrMapOvr>
+</p:sld>
+</file>
+
+<file path=ppt/slides/slide36.xml><?xml version="1.0" encoding="utf-8"?>
+<p:sld xmlns:a="http://schemas.openxmlformats.org/drawingml/2006/main" xmlns:r="http://schemas.openxmlformats.org/officeDocument/2006/relationships" xmlns:p="http://schemas.openxmlformats.org/presentationml/2006/main">
+  <p:cSld>
+    <p:spTree>
+      <p:nvGrpSpPr>
+        <p:cNvPr id="1" name=""/>
+        <p:cNvGrpSpPr/>
+        <p:nvPr/>
+      </p:nvGrpSpPr>
+      <p:grpSpPr>
+        <a:xfrm>
+          <a:off x="0" y="0"/>
+          <a:ext cx="0" cy="0"/>
+          <a:chOff x="0" y="0"/>
+          <a:chExt cx="0" cy="0"/>
+        </a:xfrm>
+      </p:grpSpPr>
+      <p:sp>
+        <p:nvSpPr>
+          <p:cNvPr id="3" name="內容版面配置區 2">
+            <a:extLst>
+              <a:ext uri="{FF2B5EF4-FFF2-40B4-BE49-F238E27FC236}">
+                <a16:creationId xmlns="" xmlns:a16="http://schemas.microsoft.com/office/drawing/2014/main" id="{C90D2800-46B8-BD0E-6E8D-36BC4AA8FE50}"/>
               </a:ext>
             </a:extLst>
           </p:cNvPr>
@@ -6499,7 +6838,7 @@
           <p:cNvPr id="3" name="內容版面配置區 2">
             <a:extLst>
               <a:ext uri="{FF2B5EF4-FFF2-40B4-BE49-F238E27FC236}">
-                <a16:creationId xmlns:a16="http://schemas.microsoft.com/office/drawing/2014/main" id="{195053F1-A39A-4536-E212-381C3868434D}"/>
+                <a16:creationId xmlns="" xmlns:a16="http://schemas.microsoft.com/office/drawing/2014/main" id="{195053F1-A39A-4536-E212-381C3868434D}"/>
               </a:ext>
             </a:extLst>
           </p:cNvPr>
@@ -6581,90 +6920,178 @@
               <a:t>    </a:t>
             </a:r>
             <a:r>
-              <a:rPr lang="en-US" altLang="zh-TW" sz="2000" dirty="0"/>
+              <a:rPr lang="en-US" altLang="zh-TW" sz="2000" dirty="0">
+                <a:solidFill>
+                  <a:srgbClr val="FF0000"/>
+                </a:solidFill>
+              </a:rPr>
               <a:t>Raw reads were first filtered based on a minimum subread length (50), polymerase read quality (75) and polymerase read length (50). The left reads were mapped to their reference genome by </a:t>
             </a:r>
             <a:r>
-              <a:rPr lang="en-US" altLang="zh-TW" sz="2000" dirty="0" err="1"/>
+              <a:rPr lang="en-US" altLang="zh-TW" sz="2000" dirty="0" err="1">
+                <a:solidFill>
+                  <a:srgbClr val="FF0000"/>
+                </a:solidFill>
+              </a:rPr>
               <a:t>pbalign</a:t>
             </a:r>
             <a:r>
-              <a:rPr lang="en-US" altLang="zh-TW" sz="2000" dirty="0"/>
+              <a:rPr lang="en-US" altLang="zh-TW" sz="2000" dirty="0">
+                <a:solidFill>
+                  <a:srgbClr val="FF0000"/>
+                </a:solidFill>
+              </a:rPr>
               <a:t> (seed=1 --</a:t>
             </a:r>
             <a:r>
-              <a:rPr lang="en-US" altLang="zh-TW" sz="2000" dirty="0" err="1"/>
+              <a:rPr lang="en-US" altLang="zh-TW" sz="2000" dirty="0" err="1">
+                <a:solidFill>
+                  <a:srgbClr val="FF0000"/>
+                </a:solidFill>
+              </a:rPr>
               <a:t>nproc</a:t>
             </a:r>
             <a:r>
-              <a:rPr lang="en-US" altLang="zh-TW" sz="2000" dirty="0"/>
+              <a:rPr lang="en-US" altLang="zh-TW" sz="2000" dirty="0">
+                <a:solidFill>
+                  <a:srgbClr val="FF0000"/>
+                </a:solidFill>
+              </a:rPr>
               <a:t> 8 --</a:t>
             </a:r>
             <a:r>
-              <a:rPr lang="en-US" altLang="zh-TW" sz="2000" dirty="0" err="1"/>
+              <a:rPr lang="en-US" altLang="zh-TW" sz="2000" dirty="0" err="1">
+                <a:solidFill>
+                  <a:srgbClr val="FF0000"/>
+                </a:solidFill>
+              </a:rPr>
               <a:t>minAccuracy</a:t>
             </a:r>
             <a:r>
-              <a:rPr lang="en-US" altLang="zh-TW" sz="2000" dirty="0"/>
+              <a:rPr lang="en-US" altLang="zh-TW" sz="2000" dirty="0">
+                <a:solidFill>
+                  <a:srgbClr val="FF0000"/>
+                </a:solidFill>
+              </a:rPr>
               <a:t>=0.75 --</a:t>
             </a:r>
             <a:r>
-              <a:rPr lang="en-US" altLang="zh-TW" sz="2000" dirty="0" err="1"/>
+              <a:rPr lang="en-US" altLang="zh-TW" sz="2000" dirty="0" err="1">
+                <a:solidFill>
+                  <a:srgbClr val="FF0000"/>
+                </a:solidFill>
+              </a:rPr>
               <a:t>minLength</a:t>
             </a:r>
             <a:r>
-              <a:rPr lang="en-US" altLang="zh-TW" sz="2000" dirty="0"/>
+              <a:rPr lang="en-US" altLang="zh-TW" sz="2000" dirty="0">
+                <a:solidFill>
+                  <a:srgbClr val="FF0000"/>
+                </a:solidFill>
+              </a:rPr>
               <a:t>=50 --concordant --</a:t>
             </a:r>
             <a:r>
-              <a:rPr lang="en-US" altLang="zh-TW" sz="2000" dirty="0" err="1"/>
+              <a:rPr lang="en-US" altLang="zh-TW" sz="2000" dirty="0" err="1">
+                <a:solidFill>
+                  <a:srgbClr val="FF0000"/>
+                </a:solidFill>
+              </a:rPr>
               <a:t>algorithmOptions</a:t>
             </a:r>
             <a:r>
-              <a:rPr lang="en-US" altLang="zh-TW" sz="2000" dirty="0"/>
+              <a:rPr lang="en-US" altLang="zh-TW" sz="2000" dirty="0">
+                <a:solidFill>
+                  <a:srgbClr val="FF0000"/>
+                </a:solidFill>
+              </a:rPr>
               <a:t>="-</a:t>
             </a:r>
             <a:r>
-              <a:rPr lang="en-US" altLang="zh-TW" sz="2000" dirty="0" err="1"/>
+              <a:rPr lang="en-US" altLang="zh-TW" sz="2000" dirty="0" err="1">
+                <a:solidFill>
+                  <a:srgbClr val="FF0000"/>
+                </a:solidFill>
+              </a:rPr>
               <a:t>useQuality</a:t>
             </a:r>
             <a:r>
-              <a:rPr lang="en-US" altLang="zh-TW" sz="2000" dirty="0"/>
+              <a:rPr lang="en-US" altLang="zh-TW" sz="2000" dirty="0">
+                <a:solidFill>
+                  <a:srgbClr val="FF0000"/>
+                </a:solidFill>
+              </a:rPr>
               <a:t>" --</a:t>
             </a:r>
             <a:r>
-              <a:rPr lang="en-US" altLang="zh-TW" sz="2000" dirty="0" err="1"/>
+              <a:rPr lang="en-US" altLang="zh-TW" sz="2000" dirty="0" err="1">
+                <a:solidFill>
+                  <a:srgbClr val="FF0000"/>
+                </a:solidFill>
+              </a:rPr>
               <a:t>algorithmOptions</a:t>
             </a:r>
             <a:r>
-              <a:rPr lang="en-US" altLang="zh-TW" sz="2000" dirty="0"/>
+              <a:rPr lang="en-US" altLang="zh-TW" sz="2000" dirty="0">
+                <a:solidFill>
+                  <a:srgbClr val="FF0000"/>
+                </a:solidFill>
+              </a:rPr>
               <a:t>=‘ -</a:t>
             </a:r>
             <a:r>
-              <a:rPr lang="en-US" altLang="zh-TW" sz="2000" dirty="0" err="1"/>
+              <a:rPr lang="en-US" altLang="zh-TW" sz="2000" dirty="0" err="1">
+                <a:solidFill>
+                  <a:srgbClr val="FF0000"/>
+                </a:solidFill>
+              </a:rPr>
               <a:t>minMatch</a:t>
             </a:r>
             <a:r>
-              <a:rPr lang="en-US" altLang="zh-TW" sz="2000" dirty="0"/>
+              <a:rPr lang="en-US" altLang="zh-TW" sz="2000" dirty="0">
+                <a:solidFill>
+                  <a:srgbClr val="FF0000"/>
+                </a:solidFill>
+              </a:rPr>
               <a:t> 12 -</a:t>
             </a:r>
             <a:r>
-              <a:rPr lang="en-US" altLang="zh-TW" sz="2000" dirty="0" err="1"/>
+              <a:rPr lang="en-US" altLang="zh-TW" sz="2000" dirty="0" err="1">
+                <a:solidFill>
+                  <a:srgbClr val="FF0000"/>
+                </a:solidFill>
+              </a:rPr>
               <a:t>bestn</a:t>
             </a:r>
             <a:r>
-              <a:rPr lang="en-US" altLang="zh-TW" sz="2000" dirty="0"/>
+              <a:rPr lang="en-US" altLang="zh-TW" sz="2000" dirty="0">
+                <a:solidFill>
+                  <a:srgbClr val="FF0000"/>
+                </a:solidFill>
+              </a:rPr>
               <a:t> 10 -</a:t>
             </a:r>
             <a:r>
-              <a:rPr lang="en-US" altLang="zh-TW" sz="2000" dirty="0" err="1"/>
+              <a:rPr lang="en-US" altLang="zh-TW" sz="2000" dirty="0" err="1">
+                <a:solidFill>
+                  <a:srgbClr val="FF0000"/>
+                </a:solidFill>
+              </a:rPr>
               <a:t>minPctIdentity</a:t>
             </a:r>
             <a:r>
-              <a:rPr lang="en-US" altLang="zh-TW" sz="2000" dirty="0"/>
+              <a:rPr lang="en-US" altLang="zh-TW" sz="2000" dirty="0">
+                <a:solidFill>
+                  <a:srgbClr val="FF0000"/>
+                </a:solidFill>
+              </a:rPr>
               <a:t> 70.0’). Additional pulse metrics were loaded into the resulting cmp.h5 file to enable downstream use of the Quiver algorithm, which identifies haploid single nucleotide polymorphisms and indels by performing a local realignment of reads using the full range of sequence quality metrics. </a:t>
             </a:r>
-            <a:endParaRPr lang="zh-TW" altLang="en-US" sz="2000" dirty="0"/>
+            <a:endParaRPr lang="zh-TW" altLang="en-US" sz="2000" dirty="0">
+              <a:solidFill>
+                <a:srgbClr val="FF0000"/>
+              </a:solidFill>
+            </a:endParaRPr>
           </a:p>
         </p:txBody>
       </p:sp>
@@ -6703,7 +7130,7 @@
           <p:cNvPr id="3" name="內容版面配置區 2">
             <a:extLst>
               <a:ext uri="{FF2B5EF4-FFF2-40B4-BE49-F238E27FC236}">
-                <a16:creationId xmlns:a16="http://schemas.microsoft.com/office/drawing/2014/main" id="{C90D2800-46B8-BD0E-6E8D-36BC4AA8FE50}"/>
+                <a16:creationId xmlns="" xmlns:a16="http://schemas.microsoft.com/office/drawing/2014/main" id="{C90D2800-46B8-BD0E-6E8D-36BC4AA8FE50}"/>
               </a:ext>
             </a:extLst>
           </p:cNvPr>
@@ -6823,7 +7250,7 @@
           <p:cNvPr id="3" name="內容版面配置區 2">
             <a:extLst>
               <a:ext uri="{FF2B5EF4-FFF2-40B4-BE49-F238E27FC236}">
-                <a16:creationId xmlns:a16="http://schemas.microsoft.com/office/drawing/2014/main" id="{C90D2800-46B8-BD0E-6E8D-36BC4AA8FE50}"/>
+                <a16:creationId xmlns="" xmlns:a16="http://schemas.microsoft.com/office/drawing/2014/main" id="{C90D2800-46B8-BD0E-6E8D-36BC4AA8FE50}"/>
               </a:ext>
             </a:extLst>
           </p:cNvPr>
@@ -6908,7 +7335,7 @@
           <p:cNvPr id="3" name="內容版面配置區 2">
             <a:extLst>
               <a:ext uri="{FF2B5EF4-FFF2-40B4-BE49-F238E27FC236}">
-                <a16:creationId xmlns:a16="http://schemas.microsoft.com/office/drawing/2014/main" id="{C90D2800-46B8-BD0E-6E8D-36BC4AA8FE50}"/>
+                <a16:creationId xmlns="" xmlns:a16="http://schemas.microsoft.com/office/drawing/2014/main" id="{C90D2800-46B8-BD0E-6E8D-36BC4AA8FE50}"/>
               </a:ext>
             </a:extLst>
           </p:cNvPr>
@@ -6950,7 +7377,7 @@
           <p:cNvPr id="4" name="圖片 3">
             <a:extLst>
               <a:ext uri="{FF2B5EF4-FFF2-40B4-BE49-F238E27FC236}">
-                <a16:creationId xmlns:a16="http://schemas.microsoft.com/office/drawing/2014/main" id="{1E23B90F-DBEB-4C56-4489-D487B18A6DC1}"/>
+                <a16:creationId xmlns="" xmlns:a16="http://schemas.microsoft.com/office/drawing/2014/main" id="{1E23B90F-DBEB-4C56-4489-D487B18A6DC1}"/>
               </a:ext>
             </a:extLst>
           </p:cNvPr>
@@ -7010,7 +7437,7 @@
           <p:cNvPr id="3" name="內容版面配置區 2">
             <a:extLst>
               <a:ext uri="{FF2B5EF4-FFF2-40B4-BE49-F238E27FC236}">
-                <a16:creationId xmlns:a16="http://schemas.microsoft.com/office/drawing/2014/main" id="{C90D2800-46B8-BD0E-6E8D-36BC4AA8FE50}"/>
+                <a16:creationId xmlns="" xmlns:a16="http://schemas.microsoft.com/office/drawing/2014/main" id="{C90D2800-46B8-BD0E-6E8D-36BC4AA8FE50}"/>
               </a:ext>
             </a:extLst>
           </p:cNvPr>
@@ -7061,7 +7488,7 @@
           <p:cNvPr id="4" name="圖片 3">
             <a:extLst>
               <a:ext uri="{FF2B5EF4-FFF2-40B4-BE49-F238E27FC236}">
-                <a16:creationId xmlns:a16="http://schemas.microsoft.com/office/drawing/2014/main" id="{F42DECBF-1D21-8AD0-5402-02216F45E69E}"/>
+                <a16:creationId xmlns="" xmlns:a16="http://schemas.microsoft.com/office/drawing/2014/main" id="{F42DECBF-1D21-8AD0-5402-02216F45E69E}"/>
               </a:ext>
             </a:extLst>
           </p:cNvPr>
@@ -7121,7 +7548,7 @@
           <p:cNvPr id="3" name="內容版面配置區 2">
             <a:extLst>
               <a:ext uri="{FF2B5EF4-FFF2-40B4-BE49-F238E27FC236}">
-                <a16:creationId xmlns:a16="http://schemas.microsoft.com/office/drawing/2014/main" id="{C90D2800-46B8-BD0E-6E8D-36BC4AA8FE50}"/>
+                <a16:creationId xmlns="" xmlns:a16="http://schemas.microsoft.com/office/drawing/2014/main" id="{C90D2800-46B8-BD0E-6E8D-36BC4AA8FE50}"/>
               </a:ext>
             </a:extLst>
           </p:cNvPr>

--- a/DeepM6A/presentation/DeepM6A_meth.pptx
+++ b/DeepM6A/presentation/DeepM6A_meth.pptx
@@ -22,25 +22,26 @@
     <p:sldId id="281" r:id="rId16"/>
     <p:sldId id="282" r:id="rId17"/>
     <p:sldId id="283" r:id="rId18"/>
-    <p:sldId id="284" r:id="rId19"/>
-    <p:sldId id="286" r:id="rId20"/>
-    <p:sldId id="287" r:id="rId21"/>
-    <p:sldId id="288" r:id="rId22"/>
-    <p:sldId id="289" r:id="rId23"/>
-    <p:sldId id="290" r:id="rId24"/>
-    <p:sldId id="291" r:id="rId25"/>
-    <p:sldId id="292" r:id="rId26"/>
-    <p:sldId id="293" r:id="rId27"/>
-    <p:sldId id="294" r:id="rId28"/>
-    <p:sldId id="295" r:id="rId29"/>
-    <p:sldId id="296" r:id="rId30"/>
-    <p:sldId id="297" r:id="rId31"/>
-    <p:sldId id="304" r:id="rId32"/>
-    <p:sldId id="298" r:id="rId33"/>
-    <p:sldId id="299" r:id="rId34"/>
-    <p:sldId id="305" r:id="rId35"/>
-    <p:sldId id="300" r:id="rId36"/>
-    <p:sldId id="301" r:id="rId37"/>
+    <p:sldId id="306" r:id="rId19"/>
+    <p:sldId id="284" r:id="rId20"/>
+    <p:sldId id="286" r:id="rId21"/>
+    <p:sldId id="287" r:id="rId22"/>
+    <p:sldId id="288" r:id="rId23"/>
+    <p:sldId id="289" r:id="rId24"/>
+    <p:sldId id="290" r:id="rId25"/>
+    <p:sldId id="291" r:id="rId26"/>
+    <p:sldId id="292" r:id="rId27"/>
+    <p:sldId id="293" r:id="rId28"/>
+    <p:sldId id="294" r:id="rId29"/>
+    <p:sldId id="295" r:id="rId30"/>
+    <p:sldId id="296" r:id="rId31"/>
+    <p:sldId id="297" r:id="rId32"/>
+    <p:sldId id="304" r:id="rId33"/>
+    <p:sldId id="298" r:id="rId34"/>
+    <p:sldId id="299" r:id="rId35"/>
+    <p:sldId id="305" r:id="rId36"/>
+    <p:sldId id="300" r:id="rId37"/>
+    <p:sldId id="301" r:id="rId38"/>
   </p:sldIdLst>
   <p:sldSz cx="12192000" cy="6858000"/>
   <p:notesSz cx="6858000" cy="9144000"/>
@@ -169,7 +170,7 @@
           <p:cNvPr id="2" name="標題 1">
             <a:extLst>
               <a:ext uri="{FF2B5EF4-FFF2-40B4-BE49-F238E27FC236}">
-                <a16:creationId xmlns="" xmlns:a16="http://schemas.microsoft.com/office/drawing/2014/main" id="{80FB7BB7-BB5D-1EB8-7B21-CDFAB2487348}"/>
+                <a16:creationId xmlns:a16="http://schemas.microsoft.com/office/drawing/2014/main" id="{80FB7BB7-BB5D-1EB8-7B21-CDFAB2487348}"/>
               </a:ext>
             </a:extLst>
           </p:cNvPr>
@@ -206,7 +207,7 @@
           <p:cNvPr id="3" name="副標題 2">
             <a:extLst>
               <a:ext uri="{FF2B5EF4-FFF2-40B4-BE49-F238E27FC236}">
-                <a16:creationId xmlns="" xmlns:a16="http://schemas.microsoft.com/office/drawing/2014/main" id="{5D9E2DDD-37AE-9DE4-E746-6444E28863C4}"/>
+                <a16:creationId xmlns:a16="http://schemas.microsoft.com/office/drawing/2014/main" id="{5D9E2DDD-37AE-9DE4-E746-6444E28863C4}"/>
               </a:ext>
             </a:extLst>
           </p:cNvPr>
@@ -276,7 +277,7 @@
           <p:cNvPr id="4" name="日期版面配置區 3">
             <a:extLst>
               <a:ext uri="{FF2B5EF4-FFF2-40B4-BE49-F238E27FC236}">
-                <a16:creationId xmlns="" xmlns:a16="http://schemas.microsoft.com/office/drawing/2014/main" id="{2F0990A8-82FD-19F1-4527-3F2DE9D687DA}"/>
+                <a16:creationId xmlns:a16="http://schemas.microsoft.com/office/drawing/2014/main" id="{2F0990A8-82FD-19F1-4527-3F2DE9D687DA}"/>
               </a:ext>
             </a:extLst>
           </p:cNvPr>
@@ -294,7 +295,7 @@
           <a:p>
             <a:fld id="{BA0850F6-1F4F-4167-94CC-452D8DCE8FB8}" type="datetimeFigureOut">
               <a:rPr lang="zh-TW" altLang="en-US" smtClean="0"/>
-              <a:t>2022/6/7</a:t>
+              <a:t>2022/6/9</a:t>
             </a:fld>
             <a:endParaRPr lang="zh-TW" altLang="en-US"/>
           </a:p>
@@ -305,7 +306,7 @@
           <p:cNvPr id="5" name="頁尾版面配置區 4">
             <a:extLst>
               <a:ext uri="{FF2B5EF4-FFF2-40B4-BE49-F238E27FC236}">
-                <a16:creationId xmlns="" xmlns:a16="http://schemas.microsoft.com/office/drawing/2014/main" id="{3DBF16AB-4D6C-B2FA-10D9-3FFF4CF9059F}"/>
+                <a16:creationId xmlns:a16="http://schemas.microsoft.com/office/drawing/2014/main" id="{3DBF16AB-4D6C-B2FA-10D9-3FFF4CF9059F}"/>
               </a:ext>
             </a:extLst>
           </p:cNvPr>
@@ -330,7 +331,7 @@
           <p:cNvPr id="6" name="投影片編號版面配置區 5">
             <a:extLst>
               <a:ext uri="{FF2B5EF4-FFF2-40B4-BE49-F238E27FC236}">
-                <a16:creationId xmlns="" xmlns:a16="http://schemas.microsoft.com/office/drawing/2014/main" id="{78C0B9C9-0513-412C-EDB2-D7E77DDA9E0E}"/>
+                <a16:creationId xmlns:a16="http://schemas.microsoft.com/office/drawing/2014/main" id="{78C0B9C9-0513-412C-EDB2-D7E77DDA9E0E}"/>
               </a:ext>
             </a:extLst>
           </p:cNvPr>
@@ -389,7 +390,7 @@
           <p:cNvPr id="2" name="標題 1">
             <a:extLst>
               <a:ext uri="{FF2B5EF4-FFF2-40B4-BE49-F238E27FC236}">
-                <a16:creationId xmlns="" xmlns:a16="http://schemas.microsoft.com/office/drawing/2014/main" id="{930478D2-75D2-09BB-F02B-551C392CA992}"/>
+                <a16:creationId xmlns:a16="http://schemas.microsoft.com/office/drawing/2014/main" id="{930478D2-75D2-09BB-F02B-551C392CA992}"/>
               </a:ext>
             </a:extLst>
           </p:cNvPr>
@@ -417,7 +418,7 @@
           <p:cNvPr id="3" name="直排文字版面配置區 2">
             <a:extLst>
               <a:ext uri="{FF2B5EF4-FFF2-40B4-BE49-F238E27FC236}">
-                <a16:creationId xmlns="" xmlns:a16="http://schemas.microsoft.com/office/drawing/2014/main" id="{6BC33394-3083-56F9-8602-AAA10E28D01D}"/>
+                <a16:creationId xmlns:a16="http://schemas.microsoft.com/office/drawing/2014/main" id="{6BC33394-3083-56F9-8602-AAA10E28D01D}"/>
               </a:ext>
             </a:extLst>
           </p:cNvPr>
@@ -474,7 +475,7 @@
           <p:cNvPr id="4" name="日期版面配置區 3">
             <a:extLst>
               <a:ext uri="{FF2B5EF4-FFF2-40B4-BE49-F238E27FC236}">
-                <a16:creationId xmlns="" xmlns:a16="http://schemas.microsoft.com/office/drawing/2014/main" id="{9D67B762-F9CF-490A-C3B2-A167C0E3F235}"/>
+                <a16:creationId xmlns:a16="http://schemas.microsoft.com/office/drawing/2014/main" id="{9D67B762-F9CF-490A-C3B2-A167C0E3F235}"/>
               </a:ext>
             </a:extLst>
           </p:cNvPr>
@@ -492,7 +493,7 @@
           <a:p>
             <a:fld id="{BA0850F6-1F4F-4167-94CC-452D8DCE8FB8}" type="datetimeFigureOut">
               <a:rPr lang="zh-TW" altLang="en-US" smtClean="0"/>
-              <a:t>2022/6/7</a:t>
+              <a:t>2022/6/9</a:t>
             </a:fld>
             <a:endParaRPr lang="zh-TW" altLang="en-US"/>
           </a:p>
@@ -503,7 +504,7 @@
           <p:cNvPr id="5" name="頁尾版面配置區 4">
             <a:extLst>
               <a:ext uri="{FF2B5EF4-FFF2-40B4-BE49-F238E27FC236}">
-                <a16:creationId xmlns="" xmlns:a16="http://schemas.microsoft.com/office/drawing/2014/main" id="{A77C7BDD-E85A-2B42-31CF-1C9F643DE82C}"/>
+                <a16:creationId xmlns:a16="http://schemas.microsoft.com/office/drawing/2014/main" id="{A77C7BDD-E85A-2B42-31CF-1C9F643DE82C}"/>
               </a:ext>
             </a:extLst>
           </p:cNvPr>
@@ -528,7 +529,7 @@
           <p:cNvPr id="6" name="投影片編號版面配置區 5">
             <a:extLst>
               <a:ext uri="{FF2B5EF4-FFF2-40B4-BE49-F238E27FC236}">
-                <a16:creationId xmlns="" xmlns:a16="http://schemas.microsoft.com/office/drawing/2014/main" id="{9288649E-81F8-6CE0-2C24-AE982E7C2767}"/>
+                <a16:creationId xmlns:a16="http://schemas.microsoft.com/office/drawing/2014/main" id="{9288649E-81F8-6CE0-2C24-AE982E7C2767}"/>
               </a:ext>
             </a:extLst>
           </p:cNvPr>
@@ -587,7 +588,7 @@
           <p:cNvPr id="2" name="直排標題 1">
             <a:extLst>
               <a:ext uri="{FF2B5EF4-FFF2-40B4-BE49-F238E27FC236}">
-                <a16:creationId xmlns="" xmlns:a16="http://schemas.microsoft.com/office/drawing/2014/main" id="{A90F39B8-3957-0911-B610-2ECBF18AC528}"/>
+                <a16:creationId xmlns:a16="http://schemas.microsoft.com/office/drawing/2014/main" id="{A90F39B8-3957-0911-B610-2ECBF18AC528}"/>
               </a:ext>
             </a:extLst>
           </p:cNvPr>
@@ -620,7 +621,7 @@
           <p:cNvPr id="3" name="直排文字版面配置區 2">
             <a:extLst>
               <a:ext uri="{FF2B5EF4-FFF2-40B4-BE49-F238E27FC236}">
-                <a16:creationId xmlns="" xmlns:a16="http://schemas.microsoft.com/office/drawing/2014/main" id="{8CB1FD00-03FE-098B-D62D-90756B2FC3E8}"/>
+                <a16:creationId xmlns:a16="http://schemas.microsoft.com/office/drawing/2014/main" id="{8CB1FD00-03FE-098B-D62D-90756B2FC3E8}"/>
               </a:ext>
             </a:extLst>
           </p:cNvPr>
@@ -682,7 +683,7 @@
           <p:cNvPr id="4" name="日期版面配置區 3">
             <a:extLst>
               <a:ext uri="{FF2B5EF4-FFF2-40B4-BE49-F238E27FC236}">
-                <a16:creationId xmlns="" xmlns:a16="http://schemas.microsoft.com/office/drawing/2014/main" id="{1C498594-54DA-780D-857E-515B2091B97B}"/>
+                <a16:creationId xmlns:a16="http://schemas.microsoft.com/office/drawing/2014/main" id="{1C498594-54DA-780D-857E-515B2091B97B}"/>
               </a:ext>
             </a:extLst>
           </p:cNvPr>
@@ -700,7 +701,7 @@
           <a:p>
             <a:fld id="{BA0850F6-1F4F-4167-94CC-452D8DCE8FB8}" type="datetimeFigureOut">
               <a:rPr lang="zh-TW" altLang="en-US" smtClean="0"/>
-              <a:t>2022/6/7</a:t>
+              <a:t>2022/6/9</a:t>
             </a:fld>
             <a:endParaRPr lang="zh-TW" altLang="en-US"/>
           </a:p>
@@ -711,7 +712,7 @@
           <p:cNvPr id="5" name="頁尾版面配置區 4">
             <a:extLst>
               <a:ext uri="{FF2B5EF4-FFF2-40B4-BE49-F238E27FC236}">
-                <a16:creationId xmlns="" xmlns:a16="http://schemas.microsoft.com/office/drawing/2014/main" id="{164CAF94-BFD9-3385-FECA-6B6690DECF31}"/>
+                <a16:creationId xmlns:a16="http://schemas.microsoft.com/office/drawing/2014/main" id="{164CAF94-BFD9-3385-FECA-6B6690DECF31}"/>
               </a:ext>
             </a:extLst>
           </p:cNvPr>
@@ -736,7 +737,7 @@
           <p:cNvPr id="6" name="投影片編號版面配置區 5">
             <a:extLst>
               <a:ext uri="{FF2B5EF4-FFF2-40B4-BE49-F238E27FC236}">
-                <a16:creationId xmlns="" xmlns:a16="http://schemas.microsoft.com/office/drawing/2014/main" id="{79197019-25DC-3FB4-F206-838B75F3823A}"/>
+                <a16:creationId xmlns:a16="http://schemas.microsoft.com/office/drawing/2014/main" id="{79197019-25DC-3FB4-F206-838B75F3823A}"/>
               </a:ext>
             </a:extLst>
           </p:cNvPr>
@@ -795,7 +796,7 @@
           <p:cNvPr id="2" name="標題 1">
             <a:extLst>
               <a:ext uri="{FF2B5EF4-FFF2-40B4-BE49-F238E27FC236}">
-                <a16:creationId xmlns="" xmlns:a16="http://schemas.microsoft.com/office/drawing/2014/main" id="{3E213BD3-8258-8717-8414-DAFC68CB5541}"/>
+                <a16:creationId xmlns:a16="http://schemas.microsoft.com/office/drawing/2014/main" id="{3E213BD3-8258-8717-8414-DAFC68CB5541}"/>
               </a:ext>
             </a:extLst>
           </p:cNvPr>
@@ -823,7 +824,7 @@
           <p:cNvPr id="3" name="內容版面配置區 2">
             <a:extLst>
               <a:ext uri="{FF2B5EF4-FFF2-40B4-BE49-F238E27FC236}">
-                <a16:creationId xmlns="" xmlns:a16="http://schemas.microsoft.com/office/drawing/2014/main" id="{1634A8C6-E600-5542-D871-19A7F25815FC}"/>
+                <a16:creationId xmlns:a16="http://schemas.microsoft.com/office/drawing/2014/main" id="{1634A8C6-E600-5542-D871-19A7F25815FC}"/>
               </a:ext>
             </a:extLst>
           </p:cNvPr>
@@ -880,7 +881,7 @@
           <p:cNvPr id="4" name="日期版面配置區 3">
             <a:extLst>
               <a:ext uri="{FF2B5EF4-FFF2-40B4-BE49-F238E27FC236}">
-                <a16:creationId xmlns="" xmlns:a16="http://schemas.microsoft.com/office/drawing/2014/main" id="{74335D3F-23D2-9A6A-14FE-93DB66CCD4A1}"/>
+                <a16:creationId xmlns:a16="http://schemas.microsoft.com/office/drawing/2014/main" id="{74335D3F-23D2-9A6A-14FE-93DB66CCD4A1}"/>
               </a:ext>
             </a:extLst>
           </p:cNvPr>
@@ -898,7 +899,7 @@
           <a:p>
             <a:fld id="{BA0850F6-1F4F-4167-94CC-452D8DCE8FB8}" type="datetimeFigureOut">
               <a:rPr lang="zh-TW" altLang="en-US" smtClean="0"/>
-              <a:t>2022/6/7</a:t>
+              <a:t>2022/6/9</a:t>
             </a:fld>
             <a:endParaRPr lang="zh-TW" altLang="en-US"/>
           </a:p>
@@ -909,7 +910,7 @@
           <p:cNvPr id="5" name="頁尾版面配置區 4">
             <a:extLst>
               <a:ext uri="{FF2B5EF4-FFF2-40B4-BE49-F238E27FC236}">
-                <a16:creationId xmlns="" xmlns:a16="http://schemas.microsoft.com/office/drawing/2014/main" id="{FEE71105-FC14-0CB2-39BC-33E42B3F5C47}"/>
+                <a16:creationId xmlns:a16="http://schemas.microsoft.com/office/drawing/2014/main" id="{FEE71105-FC14-0CB2-39BC-33E42B3F5C47}"/>
               </a:ext>
             </a:extLst>
           </p:cNvPr>
@@ -934,7 +935,7 @@
           <p:cNvPr id="6" name="投影片編號版面配置區 5">
             <a:extLst>
               <a:ext uri="{FF2B5EF4-FFF2-40B4-BE49-F238E27FC236}">
-                <a16:creationId xmlns="" xmlns:a16="http://schemas.microsoft.com/office/drawing/2014/main" id="{5C5E71BE-0AE7-BE20-15D7-4B04EB9DF35C}"/>
+                <a16:creationId xmlns:a16="http://schemas.microsoft.com/office/drawing/2014/main" id="{5C5E71BE-0AE7-BE20-15D7-4B04EB9DF35C}"/>
               </a:ext>
             </a:extLst>
           </p:cNvPr>
@@ -993,7 +994,7 @@
           <p:cNvPr id="2" name="標題 1">
             <a:extLst>
               <a:ext uri="{FF2B5EF4-FFF2-40B4-BE49-F238E27FC236}">
-                <a16:creationId xmlns="" xmlns:a16="http://schemas.microsoft.com/office/drawing/2014/main" id="{E0D0A87B-031A-851C-F95D-F88F46382158}"/>
+                <a16:creationId xmlns:a16="http://schemas.microsoft.com/office/drawing/2014/main" id="{E0D0A87B-031A-851C-F95D-F88F46382158}"/>
               </a:ext>
             </a:extLst>
           </p:cNvPr>
@@ -1030,7 +1031,7 @@
           <p:cNvPr id="3" name="文字版面配置區 2">
             <a:extLst>
               <a:ext uri="{FF2B5EF4-FFF2-40B4-BE49-F238E27FC236}">
-                <a16:creationId xmlns="" xmlns:a16="http://schemas.microsoft.com/office/drawing/2014/main" id="{9685098F-BDDC-6D11-8403-28CBD6F4EA62}"/>
+                <a16:creationId xmlns:a16="http://schemas.microsoft.com/office/drawing/2014/main" id="{9685098F-BDDC-6D11-8403-28CBD6F4EA62}"/>
               </a:ext>
             </a:extLst>
           </p:cNvPr>
@@ -1155,7 +1156,7 @@
           <p:cNvPr id="4" name="日期版面配置區 3">
             <a:extLst>
               <a:ext uri="{FF2B5EF4-FFF2-40B4-BE49-F238E27FC236}">
-                <a16:creationId xmlns="" xmlns:a16="http://schemas.microsoft.com/office/drawing/2014/main" id="{260A69A6-4687-9C6A-4559-A551DB1CA160}"/>
+                <a16:creationId xmlns:a16="http://schemas.microsoft.com/office/drawing/2014/main" id="{260A69A6-4687-9C6A-4559-A551DB1CA160}"/>
               </a:ext>
             </a:extLst>
           </p:cNvPr>
@@ -1173,7 +1174,7 @@
           <a:p>
             <a:fld id="{BA0850F6-1F4F-4167-94CC-452D8DCE8FB8}" type="datetimeFigureOut">
               <a:rPr lang="zh-TW" altLang="en-US" smtClean="0"/>
-              <a:t>2022/6/7</a:t>
+              <a:t>2022/6/9</a:t>
             </a:fld>
             <a:endParaRPr lang="zh-TW" altLang="en-US"/>
           </a:p>
@@ -1184,7 +1185,7 @@
           <p:cNvPr id="5" name="頁尾版面配置區 4">
             <a:extLst>
               <a:ext uri="{FF2B5EF4-FFF2-40B4-BE49-F238E27FC236}">
-                <a16:creationId xmlns="" xmlns:a16="http://schemas.microsoft.com/office/drawing/2014/main" id="{B429BA52-FB96-26BA-3260-7EACBD5A4324}"/>
+                <a16:creationId xmlns:a16="http://schemas.microsoft.com/office/drawing/2014/main" id="{B429BA52-FB96-26BA-3260-7EACBD5A4324}"/>
               </a:ext>
             </a:extLst>
           </p:cNvPr>
@@ -1209,7 +1210,7 @@
           <p:cNvPr id="6" name="投影片編號版面配置區 5">
             <a:extLst>
               <a:ext uri="{FF2B5EF4-FFF2-40B4-BE49-F238E27FC236}">
-                <a16:creationId xmlns="" xmlns:a16="http://schemas.microsoft.com/office/drawing/2014/main" id="{3298449B-5150-E479-253D-05F153EC4549}"/>
+                <a16:creationId xmlns:a16="http://schemas.microsoft.com/office/drawing/2014/main" id="{3298449B-5150-E479-253D-05F153EC4549}"/>
               </a:ext>
             </a:extLst>
           </p:cNvPr>
@@ -1268,7 +1269,7 @@
           <p:cNvPr id="2" name="標題 1">
             <a:extLst>
               <a:ext uri="{FF2B5EF4-FFF2-40B4-BE49-F238E27FC236}">
-                <a16:creationId xmlns="" xmlns:a16="http://schemas.microsoft.com/office/drawing/2014/main" id="{5C193E94-251A-88F6-E9C6-2F6908C7275F}"/>
+                <a16:creationId xmlns:a16="http://schemas.microsoft.com/office/drawing/2014/main" id="{5C193E94-251A-88F6-E9C6-2F6908C7275F}"/>
               </a:ext>
             </a:extLst>
           </p:cNvPr>
@@ -1296,7 +1297,7 @@
           <p:cNvPr id="3" name="內容版面配置區 2">
             <a:extLst>
               <a:ext uri="{FF2B5EF4-FFF2-40B4-BE49-F238E27FC236}">
-                <a16:creationId xmlns="" xmlns:a16="http://schemas.microsoft.com/office/drawing/2014/main" id="{F41F2B51-F07D-38E6-A42C-C92C3787D9F5}"/>
+                <a16:creationId xmlns:a16="http://schemas.microsoft.com/office/drawing/2014/main" id="{F41F2B51-F07D-38E6-A42C-C92C3787D9F5}"/>
               </a:ext>
             </a:extLst>
           </p:cNvPr>
@@ -1358,7 +1359,7 @@
           <p:cNvPr id="4" name="內容版面配置區 3">
             <a:extLst>
               <a:ext uri="{FF2B5EF4-FFF2-40B4-BE49-F238E27FC236}">
-                <a16:creationId xmlns="" xmlns:a16="http://schemas.microsoft.com/office/drawing/2014/main" id="{2CF1D130-2EE3-87BC-9127-746954DB8CC0}"/>
+                <a16:creationId xmlns:a16="http://schemas.microsoft.com/office/drawing/2014/main" id="{2CF1D130-2EE3-87BC-9127-746954DB8CC0}"/>
               </a:ext>
             </a:extLst>
           </p:cNvPr>
@@ -1420,7 +1421,7 @@
           <p:cNvPr id="5" name="日期版面配置區 4">
             <a:extLst>
               <a:ext uri="{FF2B5EF4-FFF2-40B4-BE49-F238E27FC236}">
-                <a16:creationId xmlns="" xmlns:a16="http://schemas.microsoft.com/office/drawing/2014/main" id="{9D8B0B35-62F7-8E71-6A31-F705E504BDA2}"/>
+                <a16:creationId xmlns:a16="http://schemas.microsoft.com/office/drawing/2014/main" id="{9D8B0B35-62F7-8E71-6A31-F705E504BDA2}"/>
               </a:ext>
             </a:extLst>
           </p:cNvPr>
@@ -1438,7 +1439,7 @@
           <a:p>
             <a:fld id="{BA0850F6-1F4F-4167-94CC-452D8DCE8FB8}" type="datetimeFigureOut">
               <a:rPr lang="zh-TW" altLang="en-US" smtClean="0"/>
-              <a:t>2022/6/7</a:t>
+              <a:t>2022/6/9</a:t>
             </a:fld>
             <a:endParaRPr lang="zh-TW" altLang="en-US"/>
           </a:p>
@@ -1449,7 +1450,7 @@
           <p:cNvPr id="6" name="頁尾版面配置區 5">
             <a:extLst>
               <a:ext uri="{FF2B5EF4-FFF2-40B4-BE49-F238E27FC236}">
-                <a16:creationId xmlns="" xmlns:a16="http://schemas.microsoft.com/office/drawing/2014/main" id="{1547DBCD-1FF6-E933-D8BE-01C773D4458E}"/>
+                <a16:creationId xmlns:a16="http://schemas.microsoft.com/office/drawing/2014/main" id="{1547DBCD-1FF6-E933-D8BE-01C773D4458E}"/>
               </a:ext>
             </a:extLst>
           </p:cNvPr>
@@ -1474,7 +1475,7 @@
           <p:cNvPr id="7" name="投影片編號版面配置區 6">
             <a:extLst>
               <a:ext uri="{FF2B5EF4-FFF2-40B4-BE49-F238E27FC236}">
-                <a16:creationId xmlns="" xmlns:a16="http://schemas.microsoft.com/office/drawing/2014/main" id="{6E24A949-CDD2-BD06-341B-056345562C32}"/>
+                <a16:creationId xmlns:a16="http://schemas.microsoft.com/office/drawing/2014/main" id="{6E24A949-CDD2-BD06-341B-056345562C32}"/>
               </a:ext>
             </a:extLst>
           </p:cNvPr>
@@ -1533,7 +1534,7 @@
           <p:cNvPr id="2" name="標題 1">
             <a:extLst>
               <a:ext uri="{FF2B5EF4-FFF2-40B4-BE49-F238E27FC236}">
-                <a16:creationId xmlns="" xmlns:a16="http://schemas.microsoft.com/office/drawing/2014/main" id="{885A10BC-A37F-721C-32AF-C68BB8063F35}"/>
+                <a16:creationId xmlns:a16="http://schemas.microsoft.com/office/drawing/2014/main" id="{885A10BC-A37F-721C-32AF-C68BB8063F35}"/>
               </a:ext>
             </a:extLst>
           </p:cNvPr>
@@ -1566,7 +1567,7 @@
           <p:cNvPr id="3" name="文字版面配置區 2">
             <a:extLst>
               <a:ext uri="{FF2B5EF4-FFF2-40B4-BE49-F238E27FC236}">
-                <a16:creationId xmlns="" xmlns:a16="http://schemas.microsoft.com/office/drawing/2014/main" id="{D927AE78-3CCB-F8F1-D0E1-AF5F748C6C99}"/>
+                <a16:creationId xmlns:a16="http://schemas.microsoft.com/office/drawing/2014/main" id="{D927AE78-3CCB-F8F1-D0E1-AF5F748C6C99}"/>
               </a:ext>
             </a:extLst>
           </p:cNvPr>
@@ -1637,7 +1638,7 @@
           <p:cNvPr id="4" name="內容版面配置區 3">
             <a:extLst>
               <a:ext uri="{FF2B5EF4-FFF2-40B4-BE49-F238E27FC236}">
-                <a16:creationId xmlns="" xmlns:a16="http://schemas.microsoft.com/office/drawing/2014/main" id="{AB8BECAB-8DE4-EB93-B40A-15AF5CA8AA98}"/>
+                <a16:creationId xmlns:a16="http://schemas.microsoft.com/office/drawing/2014/main" id="{AB8BECAB-8DE4-EB93-B40A-15AF5CA8AA98}"/>
               </a:ext>
             </a:extLst>
           </p:cNvPr>
@@ -1699,7 +1700,7 @@
           <p:cNvPr id="5" name="文字版面配置區 4">
             <a:extLst>
               <a:ext uri="{FF2B5EF4-FFF2-40B4-BE49-F238E27FC236}">
-                <a16:creationId xmlns="" xmlns:a16="http://schemas.microsoft.com/office/drawing/2014/main" id="{86DA0E8D-3EB4-2D93-347A-0DC7C3565229}"/>
+                <a16:creationId xmlns:a16="http://schemas.microsoft.com/office/drawing/2014/main" id="{86DA0E8D-3EB4-2D93-347A-0DC7C3565229}"/>
               </a:ext>
             </a:extLst>
           </p:cNvPr>
@@ -1770,7 +1771,7 @@
           <p:cNvPr id="6" name="內容版面配置區 5">
             <a:extLst>
               <a:ext uri="{FF2B5EF4-FFF2-40B4-BE49-F238E27FC236}">
-                <a16:creationId xmlns="" xmlns:a16="http://schemas.microsoft.com/office/drawing/2014/main" id="{E5FDF886-CA44-9D0F-E27E-39A515BF1571}"/>
+                <a16:creationId xmlns:a16="http://schemas.microsoft.com/office/drawing/2014/main" id="{E5FDF886-CA44-9D0F-E27E-39A515BF1571}"/>
               </a:ext>
             </a:extLst>
           </p:cNvPr>
@@ -1832,7 +1833,7 @@
           <p:cNvPr id="7" name="日期版面配置區 6">
             <a:extLst>
               <a:ext uri="{FF2B5EF4-FFF2-40B4-BE49-F238E27FC236}">
-                <a16:creationId xmlns="" xmlns:a16="http://schemas.microsoft.com/office/drawing/2014/main" id="{553B3F77-54F0-4386-A2CF-08F834F42894}"/>
+                <a16:creationId xmlns:a16="http://schemas.microsoft.com/office/drawing/2014/main" id="{553B3F77-54F0-4386-A2CF-08F834F42894}"/>
               </a:ext>
             </a:extLst>
           </p:cNvPr>
@@ -1850,7 +1851,7 @@
           <a:p>
             <a:fld id="{BA0850F6-1F4F-4167-94CC-452D8DCE8FB8}" type="datetimeFigureOut">
               <a:rPr lang="zh-TW" altLang="en-US" smtClean="0"/>
-              <a:t>2022/6/7</a:t>
+              <a:t>2022/6/9</a:t>
             </a:fld>
             <a:endParaRPr lang="zh-TW" altLang="en-US"/>
           </a:p>
@@ -1861,7 +1862,7 @@
           <p:cNvPr id="8" name="頁尾版面配置區 7">
             <a:extLst>
               <a:ext uri="{FF2B5EF4-FFF2-40B4-BE49-F238E27FC236}">
-                <a16:creationId xmlns="" xmlns:a16="http://schemas.microsoft.com/office/drawing/2014/main" id="{67BC87FE-E7F6-E064-E86B-EC4BA98E60D9}"/>
+                <a16:creationId xmlns:a16="http://schemas.microsoft.com/office/drawing/2014/main" id="{67BC87FE-E7F6-E064-E86B-EC4BA98E60D9}"/>
               </a:ext>
             </a:extLst>
           </p:cNvPr>
@@ -1886,7 +1887,7 @@
           <p:cNvPr id="9" name="投影片編號版面配置區 8">
             <a:extLst>
               <a:ext uri="{FF2B5EF4-FFF2-40B4-BE49-F238E27FC236}">
-                <a16:creationId xmlns="" xmlns:a16="http://schemas.microsoft.com/office/drawing/2014/main" id="{F739B6CA-0149-583A-3279-62BE2E5D529E}"/>
+                <a16:creationId xmlns:a16="http://schemas.microsoft.com/office/drawing/2014/main" id="{F739B6CA-0149-583A-3279-62BE2E5D529E}"/>
               </a:ext>
             </a:extLst>
           </p:cNvPr>
@@ -1945,7 +1946,7 @@
           <p:cNvPr id="2" name="標題 1">
             <a:extLst>
               <a:ext uri="{FF2B5EF4-FFF2-40B4-BE49-F238E27FC236}">
-                <a16:creationId xmlns="" xmlns:a16="http://schemas.microsoft.com/office/drawing/2014/main" id="{F5B96C54-750D-3414-83E6-51B55380E235}"/>
+                <a16:creationId xmlns:a16="http://schemas.microsoft.com/office/drawing/2014/main" id="{F5B96C54-750D-3414-83E6-51B55380E235}"/>
               </a:ext>
             </a:extLst>
           </p:cNvPr>
@@ -1973,7 +1974,7 @@
           <p:cNvPr id="3" name="日期版面配置區 2">
             <a:extLst>
               <a:ext uri="{FF2B5EF4-FFF2-40B4-BE49-F238E27FC236}">
-                <a16:creationId xmlns="" xmlns:a16="http://schemas.microsoft.com/office/drawing/2014/main" id="{8A45C1E8-4E85-4D8C-3C90-1C8DCFBD509C}"/>
+                <a16:creationId xmlns:a16="http://schemas.microsoft.com/office/drawing/2014/main" id="{8A45C1E8-4E85-4D8C-3C90-1C8DCFBD509C}"/>
               </a:ext>
             </a:extLst>
           </p:cNvPr>
@@ -1991,7 +1992,7 @@
           <a:p>
             <a:fld id="{BA0850F6-1F4F-4167-94CC-452D8DCE8FB8}" type="datetimeFigureOut">
               <a:rPr lang="zh-TW" altLang="en-US" smtClean="0"/>
-              <a:t>2022/6/7</a:t>
+              <a:t>2022/6/9</a:t>
             </a:fld>
             <a:endParaRPr lang="zh-TW" altLang="en-US"/>
           </a:p>
@@ -2002,7 +2003,7 @@
           <p:cNvPr id="4" name="頁尾版面配置區 3">
             <a:extLst>
               <a:ext uri="{FF2B5EF4-FFF2-40B4-BE49-F238E27FC236}">
-                <a16:creationId xmlns="" xmlns:a16="http://schemas.microsoft.com/office/drawing/2014/main" id="{0E773192-514F-EFFD-7931-F893453ABBA1}"/>
+                <a16:creationId xmlns:a16="http://schemas.microsoft.com/office/drawing/2014/main" id="{0E773192-514F-EFFD-7931-F893453ABBA1}"/>
               </a:ext>
             </a:extLst>
           </p:cNvPr>
@@ -2027,7 +2028,7 @@
           <p:cNvPr id="5" name="投影片編號版面配置區 4">
             <a:extLst>
               <a:ext uri="{FF2B5EF4-FFF2-40B4-BE49-F238E27FC236}">
-                <a16:creationId xmlns="" xmlns:a16="http://schemas.microsoft.com/office/drawing/2014/main" id="{9844CC41-4838-4DD2-2B42-8F907F9BE83D}"/>
+                <a16:creationId xmlns:a16="http://schemas.microsoft.com/office/drawing/2014/main" id="{9844CC41-4838-4DD2-2B42-8F907F9BE83D}"/>
               </a:ext>
             </a:extLst>
           </p:cNvPr>
@@ -2086,7 +2087,7 @@
           <p:cNvPr id="2" name="日期版面配置區 1">
             <a:extLst>
               <a:ext uri="{FF2B5EF4-FFF2-40B4-BE49-F238E27FC236}">
-                <a16:creationId xmlns="" xmlns:a16="http://schemas.microsoft.com/office/drawing/2014/main" id="{960CE79A-A945-74BF-3DD5-A268A0BD3E21}"/>
+                <a16:creationId xmlns:a16="http://schemas.microsoft.com/office/drawing/2014/main" id="{960CE79A-A945-74BF-3DD5-A268A0BD3E21}"/>
               </a:ext>
             </a:extLst>
           </p:cNvPr>
@@ -2104,7 +2105,7 @@
           <a:p>
             <a:fld id="{BA0850F6-1F4F-4167-94CC-452D8DCE8FB8}" type="datetimeFigureOut">
               <a:rPr lang="zh-TW" altLang="en-US" smtClean="0"/>
-              <a:t>2022/6/7</a:t>
+              <a:t>2022/6/9</a:t>
             </a:fld>
             <a:endParaRPr lang="zh-TW" altLang="en-US"/>
           </a:p>
@@ -2115,7 +2116,7 @@
           <p:cNvPr id="3" name="頁尾版面配置區 2">
             <a:extLst>
               <a:ext uri="{FF2B5EF4-FFF2-40B4-BE49-F238E27FC236}">
-                <a16:creationId xmlns="" xmlns:a16="http://schemas.microsoft.com/office/drawing/2014/main" id="{917F010F-B203-94A4-67CC-E44B9AC965A1}"/>
+                <a16:creationId xmlns:a16="http://schemas.microsoft.com/office/drawing/2014/main" id="{917F010F-B203-94A4-67CC-E44B9AC965A1}"/>
               </a:ext>
             </a:extLst>
           </p:cNvPr>
@@ -2140,7 +2141,7 @@
           <p:cNvPr id="4" name="投影片編號版面配置區 3">
             <a:extLst>
               <a:ext uri="{FF2B5EF4-FFF2-40B4-BE49-F238E27FC236}">
-                <a16:creationId xmlns="" xmlns:a16="http://schemas.microsoft.com/office/drawing/2014/main" id="{C1FB72A8-D9BC-2413-FD8C-E53BA0012EDC}"/>
+                <a16:creationId xmlns:a16="http://schemas.microsoft.com/office/drawing/2014/main" id="{C1FB72A8-D9BC-2413-FD8C-E53BA0012EDC}"/>
               </a:ext>
             </a:extLst>
           </p:cNvPr>
@@ -2199,7 +2200,7 @@
           <p:cNvPr id="2" name="標題 1">
             <a:extLst>
               <a:ext uri="{FF2B5EF4-FFF2-40B4-BE49-F238E27FC236}">
-                <a16:creationId xmlns="" xmlns:a16="http://schemas.microsoft.com/office/drawing/2014/main" id="{17C21FD6-FFEB-0F86-3337-6E4722A5C7CB}"/>
+                <a16:creationId xmlns:a16="http://schemas.microsoft.com/office/drawing/2014/main" id="{17C21FD6-FFEB-0F86-3337-6E4722A5C7CB}"/>
               </a:ext>
             </a:extLst>
           </p:cNvPr>
@@ -2236,7 +2237,7 @@
           <p:cNvPr id="3" name="內容版面配置區 2">
             <a:extLst>
               <a:ext uri="{FF2B5EF4-FFF2-40B4-BE49-F238E27FC236}">
-                <a16:creationId xmlns="" xmlns:a16="http://schemas.microsoft.com/office/drawing/2014/main" id="{EDE90E78-5EE3-1249-3D68-40F8E5F79AFF}"/>
+                <a16:creationId xmlns:a16="http://schemas.microsoft.com/office/drawing/2014/main" id="{EDE90E78-5EE3-1249-3D68-40F8E5F79AFF}"/>
               </a:ext>
             </a:extLst>
           </p:cNvPr>
@@ -2326,7 +2327,7 @@
           <p:cNvPr id="4" name="文字版面配置區 3">
             <a:extLst>
               <a:ext uri="{FF2B5EF4-FFF2-40B4-BE49-F238E27FC236}">
-                <a16:creationId xmlns="" xmlns:a16="http://schemas.microsoft.com/office/drawing/2014/main" id="{42313F83-384B-DCEF-6BDC-A6E33D714477}"/>
+                <a16:creationId xmlns:a16="http://schemas.microsoft.com/office/drawing/2014/main" id="{42313F83-384B-DCEF-6BDC-A6E33D714477}"/>
               </a:ext>
             </a:extLst>
           </p:cNvPr>
@@ -2397,7 +2398,7 @@
           <p:cNvPr id="5" name="日期版面配置區 4">
             <a:extLst>
               <a:ext uri="{FF2B5EF4-FFF2-40B4-BE49-F238E27FC236}">
-                <a16:creationId xmlns="" xmlns:a16="http://schemas.microsoft.com/office/drawing/2014/main" id="{E95A1C13-EB09-A956-31A5-EC54D96687A6}"/>
+                <a16:creationId xmlns:a16="http://schemas.microsoft.com/office/drawing/2014/main" id="{E95A1C13-EB09-A956-31A5-EC54D96687A6}"/>
               </a:ext>
             </a:extLst>
           </p:cNvPr>
@@ -2415,7 +2416,7 @@
           <a:p>
             <a:fld id="{BA0850F6-1F4F-4167-94CC-452D8DCE8FB8}" type="datetimeFigureOut">
               <a:rPr lang="zh-TW" altLang="en-US" smtClean="0"/>
-              <a:t>2022/6/7</a:t>
+              <a:t>2022/6/9</a:t>
             </a:fld>
             <a:endParaRPr lang="zh-TW" altLang="en-US"/>
           </a:p>
@@ -2426,7 +2427,7 @@
           <p:cNvPr id="6" name="頁尾版面配置區 5">
             <a:extLst>
               <a:ext uri="{FF2B5EF4-FFF2-40B4-BE49-F238E27FC236}">
-                <a16:creationId xmlns="" xmlns:a16="http://schemas.microsoft.com/office/drawing/2014/main" id="{FEB42CC6-1EC2-3373-0689-6FB87ABE4D00}"/>
+                <a16:creationId xmlns:a16="http://schemas.microsoft.com/office/drawing/2014/main" id="{FEB42CC6-1EC2-3373-0689-6FB87ABE4D00}"/>
               </a:ext>
             </a:extLst>
           </p:cNvPr>
@@ -2451,7 +2452,7 @@
           <p:cNvPr id="7" name="投影片編號版面配置區 6">
             <a:extLst>
               <a:ext uri="{FF2B5EF4-FFF2-40B4-BE49-F238E27FC236}">
-                <a16:creationId xmlns="" xmlns:a16="http://schemas.microsoft.com/office/drawing/2014/main" id="{375BBAF9-0D96-E7CB-07BA-449A0C31B312}"/>
+                <a16:creationId xmlns:a16="http://schemas.microsoft.com/office/drawing/2014/main" id="{375BBAF9-0D96-E7CB-07BA-449A0C31B312}"/>
               </a:ext>
             </a:extLst>
           </p:cNvPr>
@@ -2510,7 +2511,7 @@
           <p:cNvPr id="2" name="標題 1">
             <a:extLst>
               <a:ext uri="{FF2B5EF4-FFF2-40B4-BE49-F238E27FC236}">
-                <a16:creationId xmlns="" xmlns:a16="http://schemas.microsoft.com/office/drawing/2014/main" id="{90117100-4DCD-7CF7-2F1A-19B552BE1A9A}"/>
+                <a16:creationId xmlns:a16="http://schemas.microsoft.com/office/drawing/2014/main" id="{90117100-4DCD-7CF7-2F1A-19B552BE1A9A}"/>
               </a:ext>
             </a:extLst>
           </p:cNvPr>
@@ -2547,7 +2548,7 @@
           <p:cNvPr id="3" name="圖片版面配置區 2">
             <a:extLst>
               <a:ext uri="{FF2B5EF4-FFF2-40B4-BE49-F238E27FC236}">
-                <a16:creationId xmlns="" xmlns:a16="http://schemas.microsoft.com/office/drawing/2014/main" id="{246DDAE5-723D-F13B-1188-9F684A30DF15}"/>
+                <a16:creationId xmlns:a16="http://schemas.microsoft.com/office/drawing/2014/main" id="{246DDAE5-723D-F13B-1188-9F684A30DF15}"/>
               </a:ext>
             </a:extLst>
           </p:cNvPr>
@@ -2614,7 +2615,7 @@
           <p:cNvPr id="4" name="文字版面配置區 3">
             <a:extLst>
               <a:ext uri="{FF2B5EF4-FFF2-40B4-BE49-F238E27FC236}">
-                <a16:creationId xmlns="" xmlns:a16="http://schemas.microsoft.com/office/drawing/2014/main" id="{15C95188-72CA-F772-E263-C5BAFF47C141}"/>
+                <a16:creationId xmlns:a16="http://schemas.microsoft.com/office/drawing/2014/main" id="{15C95188-72CA-F772-E263-C5BAFF47C141}"/>
               </a:ext>
             </a:extLst>
           </p:cNvPr>
@@ -2685,7 +2686,7 @@
           <p:cNvPr id="5" name="日期版面配置區 4">
             <a:extLst>
               <a:ext uri="{FF2B5EF4-FFF2-40B4-BE49-F238E27FC236}">
-                <a16:creationId xmlns="" xmlns:a16="http://schemas.microsoft.com/office/drawing/2014/main" id="{3C901FE8-0A41-F9E1-99DA-0B89E3A7E880}"/>
+                <a16:creationId xmlns:a16="http://schemas.microsoft.com/office/drawing/2014/main" id="{3C901FE8-0A41-F9E1-99DA-0B89E3A7E880}"/>
               </a:ext>
             </a:extLst>
           </p:cNvPr>
@@ -2703,7 +2704,7 @@
           <a:p>
             <a:fld id="{BA0850F6-1F4F-4167-94CC-452D8DCE8FB8}" type="datetimeFigureOut">
               <a:rPr lang="zh-TW" altLang="en-US" smtClean="0"/>
-              <a:t>2022/6/7</a:t>
+              <a:t>2022/6/9</a:t>
             </a:fld>
             <a:endParaRPr lang="zh-TW" altLang="en-US"/>
           </a:p>
@@ -2714,7 +2715,7 @@
           <p:cNvPr id="6" name="頁尾版面配置區 5">
             <a:extLst>
               <a:ext uri="{FF2B5EF4-FFF2-40B4-BE49-F238E27FC236}">
-                <a16:creationId xmlns="" xmlns:a16="http://schemas.microsoft.com/office/drawing/2014/main" id="{A6F80487-9989-E36D-D287-4B773DEBF08C}"/>
+                <a16:creationId xmlns:a16="http://schemas.microsoft.com/office/drawing/2014/main" id="{A6F80487-9989-E36D-D287-4B773DEBF08C}"/>
               </a:ext>
             </a:extLst>
           </p:cNvPr>
@@ -2739,7 +2740,7 @@
           <p:cNvPr id="7" name="投影片編號版面配置區 6">
             <a:extLst>
               <a:ext uri="{FF2B5EF4-FFF2-40B4-BE49-F238E27FC236}">
-                <a16:creationId xmlns="" xmlns:a16="http://schemas.microsoft.com/office/drawing/2014/main" id="{A686821B-3F00-A5E0-A9A6-A99BB01EAD2F}"/>
+                <a16:creationId xmlns:a16="http://schemas.microsoft.com/office/drawing/2014/main" id="{A686821B-3F00-A5E0-A9A6-A99BB01EAD2F}"/>
               </a:ext>
             </a:extLst>
           </p:cNvPr>
@@ -2803,7 +2804,7 @@
           <p:cNvPr id="2" name="標題版面配置區 1">
             <a:extLst>
               <a:ext uri="{FF2B5EF4-FFF2-40B4-BE49-F238E27FC236}">
-                <a16:creationId xmlns="" xmlns:a16="http://schemas.microsoft.com/office/drawing/2014/main" id="{D13B1427-B432-2A8F-1472-41EFB6446641}"/>
+                <a16:creationId xmlns:a16="http://schemas.microsoft.com/office/drawing/2014/main" id="{D13B1427-B432-2A8F-1472-41EFB6446641}"/>
               </a:ext>
             </a:extLst>
           </p:cNvPr>
@@ -2841,7 +2842,7 @@
           <p:cNvPr id="3" name="文字版面配置區 2">
             <a:extLst>
               <a:ext uri="{FF2B5EF4-FFF2-40B4-BE49-F238E27FC236}">
-                <a16:creationId xmlns="" xmlns:a16="http://schemas.microsoft.com/office/drawing/2014/main" id="{19A1484F-D8AC-CF0B-B24B-5C1407ED276D}"/>
+                <a16:creationId xmlns:a16="http://schemas.microsoft.com/office/drawing/2014/main" id="{19A1484F-D8AC-CF0B-B24B-5C1407ED276D}"/>
               </a:ext>
             </a:extLst>
           </p:cNvPr>
@@ -2908,7 +2909,7 @@
           <p:cNvPr id="4" name="日期版面配置區 3">
             <a:extLst>
               <a:ext uri="{FF2B5EF4-FFF2-40B4-BE49-F238E27FC236}">
-                <a16:creationId xmlns="" xmlns:a16="http://schemas.microsoft.com/office/drawing/2014/main" id="{6A48805B-2AED-77BD-E217-6C414F458417}"/>
+                <a16:creationId xmlns:a16="http://schemas.microsoft.com/office/drawing/2014/main" id="{6A48805B-2AED-77BD-E217-6C414F458417}"/>
               </a:ext>
             </a:extLst>
           </p:cNvPr>
@@ -2944,7 +2945,7 @@
           <a:p>
             <a:fld id="{BA0850F6-1F4F-4167-94CC-452D8DCE8FB8}" type="datetimeFigureOut">
               <a:rPr lang="zh-TW" altLang="en-US" smtClean="0"/>
-              <a:t>2022/6/7</a:t>
+              <a:t>2022/6/9</a:t>
             </a:fld>
             <a:endParaRPr lang="zh-TW" altLang="en-US"/>
           </a:p>
@@ -2955,7 +2956,7 @@
           <p:cNvPr id="5" name="頁尾版面配置區 4">
             <a:extLst>
               <a:ext uri="{FF2B5EF4-FFF2-40B4-BE49-F238E27FC236}">
-                <a16:creationId xmlns="" xmlns:a16="http://schemas.microsoft.com/office/drawing/2014/main" id="{4AA303AA-D311-42AD-1B5F-81351EBFF80C}"/>
+                <a16:creationId xmlns:a16="http://schemas.microsoft.com/office/drawing/2014/main" id="{4AA303AA-D311-42AD-1B5F-81351EBFF80C}"/>
               </a:ext>
             </a:extLst>
           </p:cNvPr>
@@ -2998,7 +2999,7 @@
           <p:cNvPr id="6" name="投影片編號版面配置區 5">
             <a:extLst>
               <a:ext uri="{FF2B5EF4-FFF2-40B4-BE49-F238E27FC236}">
-                <a16:creationId xmlns="" xmlns:a16="http://schemas.microsoft.com/office/drawing/2014/main" id="{60519B8E-32CC-A362-7B86-7B6F732457BD}"/>
+                <a16:creationId xmlns:a16="http://schemas.microsoft.com/office/drawing/2014/main" id="{60519B8E-32CC-A362-7B86-7B6F732457BD}"/>
               </a:ext>
             </a:extLst>
           </p:cNvPr>
@@ -3366,7 +3367,7 @@
           <p:cNvPr id="2" name="標題 1">
             <a:extLst>
               <a:ext uri="{FF2B5EF4-FFF2-40B4-BE49-F238E27FC236}">
-                <a16:creationId xmlns="" xmlns:a16="http://schemas.microsoft.com/office/drawing/2014/main" id="{028B5070-F435-23C9-14AF-31535AC90776}"/>
+                <a16:creationId xmlns:a16="http://schemas.microsoft.com/office/drawing/2014/main" id="{028B5070-F435-23C9-14AF-31535AC90776}"/>
               </a:ext>
             </a:extLst>
           </p:cNvPr>
@@ -3395,7 +3396,7 @@
           <p:cNvPr id="3" name="副標題 2">
             <a:extLst>
               <a:ext uri="{FF2B5EF4-FFF2-40B4-BE49-F238E27FC236}">
-                <a16:creationId xmlns="" xmlns:a16="http://schemas.microsoft.com/office/drawing/2014/main" id="{EB3FB77E-4659-18DA-BBE4-BA5FED6CCABA}"/>
+                <a16:creationId xmlns:a16="http://schemas.microsoft.com/office/drawing/2014/main" id="{EB3FB77E-4659-18DA-BBE4-BA5FED6CCABA}"/>
               </a:ext>
             </a:extLst>
           </p:cNvPr>
@@ -3457,7 +3458,7 @@
           <p:cNvPr id="3" name="內容版面配置區 2">
             <a:extLst>
               <a:ext uri="{FF2B5EF4-FFF2-40B4-BE49-F238E27FC236}">
-                <a16:creationId xmlns="" xmlns:a16="http://schemas.microsoft.com/office/drawing/2014/main" id="{C90D2800-46B8-BD0E-6E8D-36BC4AA8FE50}"/>
+                <a16:creationId xmlns:a16="http://schemas.microsoft.com/office/drawing/2014/main" id="{C90D2800-46B8-BD0E-6E8D-36BC4AA8FE50}"/>
               </a:ext>
             </a:extLst>
           </p:cNvPr>
@@ -3572,7 +3573,7 @@
           <p:cNvPr id="3" name="內容版面配置區 2">
             <a:extLst>
               <a:ext uri="{FF2B5EF4-FFF2-40B4-BE49-F238E27FC236}">
-                <a16:creationId xmlns="" xmlns:a16="http://schemas.microsoft.com/office/drawing/2014/main" id="{C90D2800-46B8-BD0E-6E8D-36BC4AA8FE50}"/>
+                <a16:creationId xmlns:a16="http://schemas.microsoft.com/office/drawing/2014/main" id="{C90D2800-46B8-BD0E-6E8D-36BC4AA8FE50}"/>
               </a:ext>
             </a:extLst>
           </p:cNvPr>
@@ -3654,7 +3655,7 @@
           <p:cNvPr id="3" name="內容版面配置區 2">
             <a:extLst>
               <a:ext uri="{FF2B5EF4-FFF2-40B4-BE49-F238E27FC236}">
-                <a16:creationId xmlns="" xmlns:a16="http://schemas.microsoft.com/office/drawing/2014/main" id="{C90D2800-46B8-BD0E-6E8D-36BC4AA8FE50}"/>
+                <a16:creationId xmlns:a16="http://schemas.microsoft.com/office/drawing/2014/main" id="{C90D2800-46B8-BD0E-6E8D-36BC4AA8FE50}"/>
               </a:ext>
             </a:extLst>
           </p:cNvPr>
@@ -3698,7 +3699,7 @@
           <p:cNvPr id="4" name="圖片 3">
             <a:extLst>
               <a:ext uri="{FF2B5EF4-FFF2-40B4-BE49-F238E27FC236}">
-                <a16:creationId xmlns="" xmlns:a16="http://schemas.microsoft.com/office/drawing/2014/main" id="{3619E185-4602-857E-76C4-6796ECDDB875}"/>
+                <a16:creationId xmlns:a16="http://schemas.microsoft.com/office/drawing/2014/main" id="{3619E185-4602-857E-76C4-6796ECDDB875}"/>
               </a:ext>
             </a:extLst>
           </p:cNvPr>
@@ -3758,7 +3759,7 @@
           <p:cNvPr id="3" name="內容版面配置區 2">
             <a:extLst>
               <a:ext uri="{FF2B5EF4-FFF2-40B4-BE49-F238E27FC236}">
-                <a16:creationId xmlns="" xmlns:a16="http://schemas.microsoft.com/office/drawing/2014/main" id="{C90D2800-46B8-BD0E-6E8D-36BC4AA8FE50}"/>
+                <a16:creationId xmlns:a16="http://schemas.microsoft.com/office/drawing/2014/main" id="{C90D2800-46B8-BD0E-6E8D-36BC4AA8FE50}"/>
               </a:ext>
             </a:extLst>
           </p:cNvPr>
@@ -3802,7 +3803,7 @@
           <p:cNvPr id="4" name="圖片 3">
             <a:extLst>
               <a:ext uri="{FF2B5EF4-FFF2-40B4-BE49-F238E27FC236}">
-                <a16:creationId xmlns="" xmlns:a16="http://schemas.microsoft.com/office/drawing/2014/main" id="{8D09AF4E-E690-C419-6F27-8488F3401D63}"/>
+                <a16:creationId xmlns:a16="http://schemas.microsoft.com/office/drawing/2014/main" id="{8D09AF4E-E690-C419-6F27-8488F3401D63}"/>
               </a:ext>
             </a:extLst>
           </p:cNvPr>
@@ -3862,7 +3863,7 @@
           <p:cNvPr id="3" name="內容版面配置區 2">
             <a:extLst>
               <a:ext uri="{FF2B5EF4-FFF2-40B4-BE49-F238E27FC236}">
-                <a16:creationId xmlns="" xmlns:a16="http://schemas.microsoft.com/office/drawing/2014/main" id="{C90D2800-46B8-BD0E-6E8D-36BC4AA8FE50}"/>
+                <a16:creationId xmlns:a16="http://schemas.microsoft.com/office/drawing/2014/main" id="{C90D2800-46B8-BD0E-6E8D-36BC4AA8FE50}"/>
               </a:ext>
             </a:extLst>
           </p:cNvPr>
@@ -3997,7 +3998,7 @@
           <p:cNvPr id="3" name="內容版面配置區 2">
             <a:extLst>
               <a:ext uri="{FF2B5EF4-FFF2-40B4-BE49-F238E27FC236}">
-                <a16:creationId xmlns="" xmlns:a16="http://schemas.microsoft.com/office/drawing/2014/main" id="{C90D2800-46B8-BD0E-6E8D-36BC4AA8FE50}"/>
+                <a16:creationId xmlns:a16="http://schemas.microsoft.com/office/drawing/2014/main" id="{C90D2800-46B8-BD0E-6E8D-36BC4AA8FE50}"/>
               </a:ext>
             </a:extLst>
           </p:cNvPr>
@@ -4114,7 +4115,7 @@
           <p:cNvPr id="3" name="內容版面配置區 2">
             <a:extLst>
               <a:ext uri="{FF2B5EF4-FFF2-40B4-BE49-F238E27FC236}">
-                <a16:creationId xmlns="" xmlns:a16="http://schemas.microsoft.com/office/drawing/2014/main" id="{C90D2800-46B8-BD0E-6E8D-36BC4AA8FE50}"/>
+                <a16:creationId xmlns:a16="http://schemas.microsoft.com/office/drawing/2014/main" id="{C90D2800-46B8-BD0E-6E8D-36BC4AA8FE50}"/>
               </a:ext>
             </a:extLst>
           </p:cNvPr>
@@ -4138,101 +4139,8 @@
           <a:lstStyle/>
           <a:p>
             <a:r>
-              <a:rPr lang="en-US" altLang="zh-TW" sz="2000" dirty="0" smtClean="0"/>
-              <a:t>6mA-DNA-IP-Seq </a:t>
-            </a:r>
-            <a:r>
-              <a:rPr lang="en-US" altLang="zh-TW" sz="2000" dirty="0"/>
-              <a:t>and sequencing of A. </a:t>
-            </a:r>
-            <a:r>
-              <a:rPr lang="en-US" altLang="zh-TW" sz="2000" dirty="0" smtClean="0"/>
-              <a:t>thaliana</a:t>
-            </a:r>
-          </a:p>
-          <a:p>
-            <a:pPr marL="0" indent="0">
-              <a:buNone/>
-            </a:pPr>
-            <a:r>
-              <a:rPr lang="en-US" altLang="zh-TW" sz="2000" dirty="0" smtClean="0">
-                <a:solidFill>
-                  <a:srgbClr val="FF0000"/>
-                </a:solidFill>
-              </a:rPr>
-              <a:t>Columbia-0 </a:t>
-            </a:r>
-            <a:r>
-              <a:rPr lang="en-US" altLang="zh-TW" sz="2000" dirty="0">
-                <a:solidFill>
-                  <a:srgbClr val="FF0000"/>
-                </a:solidFill>
-              </a:rPr>
-              <a:t>(Col-0) ecotype A. thaliana were vertically grown in 1/2 </a:t>
-            </a:r>
-            <a:r>
-              <a:rPr lang="en-US" altLang="zh-TW" sz="2000" dirty="0" err="1">
-                <a:solidFill>
-                  <a:srgbClr val="FF0000"/>
-                </a:solidFill>
-              </a:rPr>
-              <a:t>Murashige</a:t>
-            </a:r>
-            <a:r>
-              <a:rPr lang="en-US" altLang="zh-TW" sz="2000" dirty="0">
-                <a:solidFill>
-                  <a:srgbClr val="FF0000"/>
-                </a:solidFill>
-              </a:rPr>
-              <a:t> and Skoog medium (MS) salts (</a:t>
-            </a:r>
-            <a:r>
-              <a:rPr lang="en-US" altLang="zh-TW" sz="2000" dirty="0" err="1">
-                <a:solidFill>
-                  <a:srgbClr val="FF0000"/>
-                </a:solidFill>
-              </a:rPr>
-              <a:t>Phytotech</a:t>
-            </a:r>
-            <a:r>
-              <a:rPr lang="en-US" altLang="zh-TW" sz="2000" dirty="0">
-                <a:solidFill>
-                  <a:srgbClr val="FF0000"/>
-                </a:solidFill>
-              </a:rPr>
-              <a:t>) in chambers under long-day conditions (16-h photoperiods) at 22 °C. gDNA was extracted from nine-day-old seedlings and sonicated to ~300bp. Fragmented DNA was incubated with antibody against N6 -</a:t>
-            </a:r>
-            <a:r>
-              <a:rPr lang="en-US" altLang="zh-TW" sz="2000" dirty="0" err="1">
-                <a:solidFill>
-                  <a:srgbClr val="FF0000"/>
-                </a:solidFill>
-              </a:rPr>
-              <a:t>methyladenosine</a:t>
-            </a:r>
-            <a:r>
-              <a:rPr lang="en-US" altLang="zh-TW" sz="2000" dirty="0">
-                <a:solidFill>
-                  <a:srgbClr val="FF0000"/>
-                </a:solidFill>
-              </a:rPr>
-              <a:t> modifications of RNA and DNA (Synaptic Systems) in immunoprecipitation (IP) buffer (50mM Tris-HCl, 750mM NaCl and 0.5% IPEGAL) for 2h at 4 °C. Subsequently, the mixture was incubated with protein A beads (</a:t>
-            </a:r>
-            <a:r>
-              <a:rPr lang="en-US" altLang="zh-TW" sz="2000" dirty="0" err="1">
-                <a:solidFill>
-                  <a:srgbClr val="FF0000"/>
-                </a:solidFill>
-              </a:rPr>
-              <a:t>Thermo</a:t>
-            </a:r>
-            <a:r>
-              <a:rPr lang="en-US" altLang="zh-TW" sz="2000" dirty="0">
-                <a:solidFill>
-                  <a:srgbClr val="FF0000"/>
-                </a:solidFill>
-              </a:rPr>
-              <a:t> Fisher Scientific) that was pre-bound with acetylated bovine serum albumin (Sigma-Aldrich) at 4 °C for another 2h. </a:t>
+              <a:rPr lang="en-US" altLang="zh-TW" sz="2000" dirty="0"/>
+              <a:t>6mA-DNA-IP-Seq and sequencing of A. thaliana</a:t>
             </a:r>
           </a:p>
           <a:p>
@@ -4248,91 +4156,92 @@
               <a:t>    </a:t>
             </a:r>
             <a:r>
-              <a:rPr lang="en-US" altLang="zh-TW" sz="2000" dirty="0">
-                <a:solidFill>
-                  <a:srgbClr val="FF0000"/>
-                </a:solidFill>
-              </a:rPr>
+              <a:rPr lang="en-US" altLang="zh-TW" sz="2000" dirty="0"/>
+              <a:t>Columbia-0 (Col-0) ecotype A. thaliana were vertically grown in 1/2 </a:t>
+            </a:r>
+            <a:r>
+              <a:rPr lang="en-US" altLang="zh-TW" sz="2000" dirty="0" err="1"/>
+              <a:t>Murashige</a:t>
+            </a:r>
+            <a:r>
+              <a:rPr lang="en-US" altLang="zh-TW" sz="2000" dirty="0"/>
+              <a:t> and Skoog medium (MS) salts (</a:t>
+            </a:r>
+            <a:r>
+              <a:rPr lang="en-US" altLang="zh-TW" sz="2000" dirty="0" err="1"/>
+              <a:t>Phytotech</a:t>
+            </a:r>
+            <a:r>
+              <a:rPr lang="en-US" altLang="zh-TW" sz="2000" dirty="0"/>
+              <a:t>) in chambers under long-day conditions (16-h photoperiods) at 22 °C. gDNA was extracted from nine-day-old seedlings and sonicated to ~300bp. Fragmented DNA was incubated with antibody against N6 -</a:t>
+            </a:r>
+            <a:r>
+              <a:rPr lang="en-US" altLang="zh-TW" sz="2000" dirty="0" err="1"/>
+              <a:t>methyladenosine</a:t>
+            </a:r>
+            <a:r>
+              <a:rPr lang="en-US" altLang="zh-TW" sz="2000" dirty="0"/>
+              <a:t> modifications of RNA and DNA (Synaptic Systems) in immunoprecipitation (IP) buffer (50mM Tris-HCl, 750mM NaCl and 0.5% IPEGAL) for 2h at 4 °C. Subsequently, the mixture was incubated with protein A beads (</a:t>
+            </a:r>
+            <a:r>
+              <a:rPr lang="en-US" altLang="zh-TW" sz="2000" dirty="0" err="1"/>
+              <a:t>Thermo</a:t>
+            </a:r>
+            <a:r>
+              <a:rPr lang="en-US" altLang="zh-TW" sz="2000" dirty="0"/>
+              <a:t> Fisher Scientific) that was pre-bound with acetylated bovine serum albumin (Sigma-Aldrich) at 4 °C for another 2h. </a:t>
+            </a:r>
+          </a:p>
+          <a:p>
+            <a:pPr marL="0" indent="0">
+              <a:buNone/>
+            </a:pPr>
+            <a:r>
+              <a:rPr lang="zh-TW" altLang="en-US" sz="2000" dirty="0"/>
+              <a:t>    </a:t>
+            </a:r>
+            <a:r>
+              <a:rPr lang="en-US" altLang="zh-TW" sz="2000" dirty="0"/>
               <a:t>After washing four times, 6mA antibody-bound DNA was eluted from beads in elution buffer (90 µl 5X IP buffer, 30µl of 100mM antibody against 6mA, 330 µl H2O) at 50 °C for 45min. The eluted DNA was purified with a 2:1 ratio of </a:t>
             </a:r>
             <a:r>
-              <a:rPr lang="en-US" altLang="zh-TW" sz="2000" dirty="0" err="1">
-                <a:solidFill>
-                  <a:srgbClr val="FF0000"/>
-                </a:solidFill>
-              </a:rPr>
+              <a:rPr lang="en-US" altLang="zh-TW" sz="2000" dirty="0" err="1"/>
               <a:t>AMPure</a:t>
             </a:r>
             <a:r>
-              <a:rPr lang="en-US" altLang="zh-TW" sz="2000" dirty="0">
-                <a:solidFill>
-                  <a:srgbClr val="FF0000"/>
-                </a:solidFill>
-              </a:rPr>
+              <a:rPr lang="en-US" altLang="zh-TW" sz="2000" dirty="0"/>
               <a:t> SPRI beads (Beckman Coulter) and quantified with a Qubit High Sensitivity Kit (</a:t>
             </a:r>
             <a:r>
-              <a:rPr lang="en-US" altLang="zh-TW" sz="2000" dirty="0" err="1">
-                <a:solidFill>
-                  <a:srgbClr val="FF0000"/>
-                </a:solidFill>
-              </a:rPr>
+              <a:rPr lang="en-US" altLang="zh-TW" sz="2000" dirty="0" err="1"/>
               <a:t>Thermo</a:t>
             </a:r>
             <a:r>
-              <a:rPr lang="en-US" altLang="zh-TW" sz="2000" dirty="0">
-                <a:solidFill>
-                  <a:srgbClr val="FF0000"/>
-                </a:solidFill>
-              </a:rPr>
+              <a:rPr lang="en-US" altLang="zh-TW" sz="2000" dirty="0"/>
               <a:t> Fisher). Library synthesis was performed using the </a:t>
             </a:r>
             <a:r>
-              <a:rPr lang="en-US" altLang="zh-TW" sz="2000" dirty="0" err="1">
-                <a:solidFill>
-                  <a:srgbClr val="FF0000"/>
-                </a:solidFill>
-              </a:rPr>
+              <a:rPr lang="en-US" altLang="zh-TW" sz="2000" dirty="0" err="1"/>
               <a:t>SMARTer</a:t>
             </a:r>
             <a:r>
-              <a:rPr lang="en-US" altLang="zh-TW" sz="2000" dirty="0">
-                <a:solidFill>
-                  <a:srgbClr val="FF0000"/>
-                </a:solidFill>
-              </a:rPr>
+              <a:rPr lang="en-US" altLang="zh-TW" sz="2000" dirty="0"/>
               <a:t> </a:t>
             </a:r>
             <a:r>
-              <a:rPr lang="en-US" altLang="zh-TW" sz="2000" dirty="0" err="1">
-                <a:solidFill>
-                  <a:srgbClr val="FF0000"/>
-                </a:solidFill>
-              </a:rPr>
+              <a:rPr lang="en-US" altLang="zh-TW" sz="2000" dirty="0" err="1"/>
               <a:t>ThruPLEX</a:t>
             </a:r>
             <a:r>
-              <a:rPr lang="en-US" altLang="zh-TW" sz="2000" dirty="0">
-                <a:solidFill>
-                  <a:srgbClr val="FF0000"/>
-                </a:solidFill>
-              </a:rPr>
+              <a:rPr lang="en-US" altLang="zh-TW" sz="2000" dirty="0"/>
               <a:t> DNA-Seq Kit (Takara), library size was determined using a Bioanalyzer High Sensitivity Kit (Agilent) and quantification was performed with a KAPA Library Quantification Kit (Roche). Sequencing was performed on an Illumina </a:t>
             </a:r>
             <a:r>
-              <a:rPr lang="en-US" altLang="zh-TW" sz="2000" dirty="0" err="1">
-                <a:solidFill>
-                  <a:srgbClr val="FF0000"/>
-                </a:solidFill>
-              </a:rPr>
+              <a:rPr lang="en-US" altLang="zh-TW" sz="2000" dirty="0" err="1"/>
               <a:t>NovaSeq</a:t>
             </a:r>
             <a:r>
-              <a:rPr lang="en-US" altLang="zh-TW" sz="2000" dirty="0">
-                <a:solidFill>
-                  <a:srgbClr val="FF0000"/>
-                </a:solidFill>
-              </a:rPr>
+              <a:rPr lang="en-US" altLang="zh-TW" sz="2000" dirty="0"/>
               <a:t> 6000 sequencer using an SP 300 cycles flow cell in paired-end mode and the running parameters were 150×8×8×150. </a:t>
             </a:r>
           </a:p>
@@ -4373,7 +4282,7 @@
           <p:cNvPr id="3" name="內容版面配置區 2">
             <a:extLst>
               <a:ext uri="{FF2B5EF4-FFF2-40B4-BE49-F238E27FC236}">
-                <a16:creationId xmlns="" xmlns:a16="http://schemas.microsoft.com/office/drawing/2014/main" id="{C90D2800-46B8-BD0E-6E8D-36BC4AA8FE50}"/>
+                <a16:creationId xmlns:a16="http://schemas.microsoft.com/office/drawing/2014/main" id="{C90D2800-46B8-BD0E-6E8D-36BC4AA8FE50}"/>
               </a:ext>
             </a:extLst>
           </p:cNvPr>
@@ -4413,15 +4322,7 @@
             </a:r>
             <a:r>
               <a:rPr lang="en-US" altLang="zh-TW" sz="2000" dirty="0"/>
-              <a:t> for adapter trimming and quality control. The pair-ended reads were then aligned to the TAIR10 genome by </a:t>
-            </a:r>
-            <a:r>
-              <a:rPr lang="en-US" altLang="zh-TW" sz="2000" dirty="0" smtClean="0"/>
-              <a:t>Bowtie2 </a:t>
-            </a:r>
-            <a:r>
-              <a:rPr lang="en-US" altLang="zh-TW" sz="2000" dirty="0"/>
-              <a:t>with default settings. The MACS2 </a:t>
+              <a:t> for adapter trimming and quality control. The pair-ended reads were then aligned to the TAIR10 genome by Bowtie2 with default settings. The MACS2 </a:t>
             </a:r>
             <a:r>
               <a:rPr lang="en-US" altLang="zh-TW" sz="2000" dirty="0" err="1"/>
@@ -4437,12 +4338,21 @@
               <a:buNone/>
             </a:pPr>
             <a:r>
-              <a:rPr lang="en-US" altLang="zh-TW" sz="2000" dirty="0" smtClean="0"/>
-              <a:t>    Following </a:t>
-            </a:r>
-            <a:r>
-              <a:rPr lang="en-US" altLang="zh-TW" sz="2000" dirty="0"/>
-              <a:t>the same analysis as for 6mA-DNA-IP-Seq of D. melanogaster, we selected all adenine sites in the 50-bp flanking context around the peaks and applied the corresponding trained DeepM6A model to predict scores of both forward (Supplementary Tables 16 and 18) and reverse strands (Supplementary Tables 17 and 19) for each 6mA peak. One peak could have many nearby adenines, and we picked the maximum score as the score for the peak (Supplementary Tables 20 and 21). The high prediction scores are described visually in Fig. 5b,c. It is also noted that ~48% (143/297) and 21% (80/376) of peaks in two replications are covered by the SMRT dataset we use to develop our DeepM6A. The median probabilities for the uncovered parts in two replications both exceed 0.97. The above studies strongly indicate that our DeepM6A model is capable of capturing the genomic patterns of the 6mA sequences found by 6mA-DNA-IP-Seq although the DeepM6A was trained based on 6mA sequences from the SMRT platform.</a:t>
+              <a:rPr lang="en-US" altLang="zh-TW" sz="2000" dirty="0"/>
+              <a:t>    Following the same analysis as for 6mA-DNA-IP-Seq of D. melanogaster, we selected all adenine sites in the 50-bp flanking context around the peaks and applied the corresponding trained DeepM6A model to predict scores of both forward (Supplementary Tables 16 and 18) and reverse strands (Supplementary Tables 17 and 19) for each 6mA peak. One peak could have many nearby adenines, and we picked the maximum score as the score for the peak (Supplementary Tables 20 and 21). The high prediction scores are described visually in Fig. 5b,c. </a:t>
+            </a:r>
+          </a:p>
+          <a:p>
+            <a:pPr marL="0" indent="0">
+              <a:buNone/>
+            </a:pPr>
+            <a:r>
+              <a:rPr lang="zh-TW" altLang="en-US" sz="2000" dirty="0"/>
+              <a:t>    </a:t>
+            </a:r>
+            <a:r>
+              <a:rPr lang="en-US" altLang="zh-TW" sz="2000" dirty="0"/>
+              <a:t>It is also noted that ~48% (143/297) and 21% (80/376) of peaks in two replications are covered by the SMRT dataset we use to develop our DeepM6A. The median probabilities for the uncovered parts in two replications both exceed 0.97. The above studies strongly indicate that our DeepM6A model is capable of capturing the genomic patterns of the 6mA sequences found by 6mA-DNA-IP-Seq although the DeepM6A was trained based on 6mA sequences from the SMRT platform.</a:t>
             </a:r>
           </a:p>
         </p:txBody>
@@ -4477,79 +4387,40 @@
           <a:chExt cx="0" cy="0"/>
         </a:xfrm>
       </p:grpSpPr>
-      <p:sp>
-        <p:nvSpPr>
-          <p:cNvPr id="3" name="內容版面配置區 2">
-            <a:extLst>
-              <a:ext uri="{FF2B5EF4-FFF2-40B4-BE49-F238E27FC236}">
-                <a16:creationId xmlns="" xmlns:a16="http://schemas.microsoft.com/office/drawing/2014/main" id="{C90D2800-46B8-BD0E-6E8D-36BC4AA8FE50}"/>
-              </a:ext>
-            </a:extLst>
-          </p:cNvPr>
-          <p:cNvSpPr>
-            <a:spLocks noGrp="1"/>
-          </p:cNvSpPr>
-          <p:nvPr>
-            <p:ph idx="1"/>
-          </p:nvPr>
-        </p:nvSpPr>
+      <p:pic>
+        <p:nvPicPr>
+          <p:cNvPr id="5" name="圖片 4">
+            <a:extLst>
+              <a:ext uri="{FF2B5EF4-FFF2-40B4-BE49-F238E27FC236}">
+                <a16:creationId xmlns:a16="http://schemas.microsoft.com/office/drawing/2014/main" id="{BC7F36AB-9E39-1D7D-B165-D9B9ED6CDBFE}"/>
+              </a:ext>
+            </a:extLst>
+          </p:cNvPr>
+          <p:cNvPicPr>
+            <a:picLocks noChangeAspect="1"/>
+          </p:cNvPicPr>
+          <p:nvPr/>
+        </p:nvPicPr>
+        <p:blipFill>
+          <a:blip r:embed="rId2"/>
+          <a:stretch>
+            <a:fillRect/>
+          </a:stretch>
+        </p:blipFill>
         <p:spPr>
           <a:xfrm>
-            <a:off x="829491" y="461555"/>
-            <a:ext cx="10731138" cy="5506354"/>
+            <a:off x="2923732" y="713996"/>
+            <a:ext cx="6344535" cy="5430008"/>
           </a:xfrm>
+          <a:prstGeom prst="rect">
+            <a:avLst/>
+          </a:prstGeom>
         </p:spPr>
-        <p:txBody>
-          <a:bodyPr>
-            <a:normAutofit/>
-          </a:bodyPr>
-          <a:lstStyle/>
-          <a:p>
-            <a:r>
-              <a:rPr lang="en-US" altLang="zh-TW" sz="2000" dirty="0"/>
-              <a:t>Data for different stages of D. melanogaster embryos</a:t>
-            </a:r>
-          </a:p>
-          <a:p>
-            <a:pPr marL="0" indent="0">
-              <a:buNone/>
-            </a:pPr>
-            <a:r>
-              <a:rPr lang="zh-TW" altLang="en-US" sz="2000" dirty="0"/>
-              <a:t>    </a:t>
-            </a:r>
-            <a:r>
-              <a:rPr lang="en-US" altLang="zh-TW" sz="2000" dirty="0"/>
-              <a:t>The data were downloaded from the GEO database under accession no. GSE86795. We downloaded BED files of 6mA peaks in 0.75, 3 and 6h. Because the 6mA peaks in this dataset were detected by 6mA-DNA-IP-seq, it is impossible to identify the precise adenine sites that were methylated. To generate training data for DeepM6A, we selected the middle points (it is noted that middle points are not necessarily adenine) of 6mA peaks and padded 200bp up- and downstream contexts (forward strand of the dm6 reference genome). The majority lengths of the 6mA peaks are less than 400bp (the third quartile of lengths is 385bp), so 200bp up- and down-contexts can cover most 6mA peaks. The numbers of 6mA peaks in the 0.75-, 3- and 6-h stages were 17,528, 4,363 and 2,447, respectively (Supplementary Fig. 6). The same number (24,338) of non-methylated regions were randomly selected as negative samples. </a:t>
-            </a:r>
-          </a:p>
-          <a:p>
-            <a:pPr marL="0" indent="0">
-              <a:buNone/>
-            </a:pPr>
-            <a:r>
-              <a:rPr lang="zh-TW" altLang="en-US" sz="2000" dirty="0"/>
-              <a:t>    </a:t>
-            </a:r>
-            <a:r>
-              <a:rPr lang="en-US" altLang="zh-TW" sz="2000" dirty="0"/>
-              <a:t>As a result, we have four different labels: 0.75h, 3h, 6h and non-methylation. We modified the last fully connected layer of DeepM6A to four sigmoid outputs, enabling DeepM6A to predict four different labels. The filter size of convolutional layers in DeepM6A was set to nine. For the MLP model, we also modified the last layer to four sigmoid outputs. For k-</a:t>
-            </a:r>
-            <a:r>
-              <a:rPr lang="en-US" altLang="zh-TW" sz="2000" dirty="0" err="1"/>
-              <a:t>mer</a:t>
-            </a:r>
-            <a:r>
-              <a:rPr lang="en-US" altLang="zh-TW" sz="2000" dirty="0"/>
-              <a:t> LR, we ran it four times to predict the four labels.</a:t>
-            </a:r>
-          </a:p>
-        </p:txBody>
-      </p:sp>
+      </p:pic>
     </p:spTree>
     <p:extLst>
       <p:ext uri="{BB962C8B-B14F-4D97-AF65-F5344CB8AC3E}">
-        <p14:creationId xmlns:p14="http://schemas.microsoft.com/office/powerpoint/2010/main" val="3363970091"/>
+        <p14:creationId xmlns:p14="http://schemas.microsoft.com/office/powerpoint/2010/main" val="260244857"/>
       </p:ext>
     </p:extLst>
   </p:cSld>
@@ -4581,7 +4452,7 @@
           <p:cNvPr id="3" name="內容版面配置區 2">
             <a:extLst>
               <a:ext uri="{FF2B5EF4-FFF2-40B4-BE49-F238E27FC236}">
-                <a16:creationId xmlns="" xmlns:a16="http://schemas.microsoft.com/office/drawing/2014/main" id="{C90D2800-46B8-BD0E-6E8D-36BC4AA8FE50}"/>
+                <a16:creationId xmlns:a16="http://schemas.microsoft.com/office/drawing/2014/main" id="{C90D2800-46B8-BD0E-6E8D-36BC4AA8FE50}"/>
               </a:ext>
             </a:extLst>
           </p:cNvPr>
@@ -4606,13 +4477,21 @@
           <a:p>
             <a:r>
               <a:rPr lang="en-US" altLang="zh-TW" sz="2000" dirty="0"/>
-              <a:t>Whole-genome sequence prediction</a:t>
-            </a:r>
+              <a:t>Data for different stages of D. melanogaster embryos</a:t>
+            </a:r>
+          </a:p>
+          <a:p>
+            <a:pPr marL="0" indent="0">
+              <a:buNone/>
+            </a:pPr>
             <a:r>
               <a:rPr lang="zh-TW" altLang="en-US" sz="2000" dirty="0"/>
               <a:t>    </a:t>
             </a:r>
-            <a:endParaRPr lang="en-US" altLang="zh-TW" sz="2000" dirty="0"/>
+            <a:r>
+              <a:rPr lang="en-US" altLang="zh-TW" sz="2000" dirty="0"/>
+              <a:t>The data were downloaded from the GEO database under accession no. GSE86795. We downloaded BED files of 6mA peaks in 0.75, 3 and 6h. Because the 6mA peaks in this dataset were detected by 6mA-DNA-IP-seq, it is impossible to identify the precise adenine sites that were methylated. To generate training data for DeepM6A, we selected the middle points (it is noted that middle points are not necessarily adenine) of 6mA peaks and padded 200bp up- and downstream contexts (forward strand of the dm6 reference genome). The majority lengths of the 6mA peaks are less than 400bp (the third quartile of lengths is 385bp), so 200bp up- and down-contexts can cover most 6mA peaks. The numbers of 6mA peaks in the 0.75-, 3- and 6-h stages were 17,528, 4,363 and 2,447, respectively (Supplementary Fig. 6). The same number (24,338) of non-methylated regions were randomly selected as negative samples. </a:t>
+            </a:r>
           </a:p>
           <a:p>
             <a:pPr marL="0" indent="0">
@@ -4624,7 +4503,15 @@
             </a:r>
             <a:r>
               <a:rPr lang="en-US" altLang="zh-TW" sz="2000" dirty="0"/>
-              <a:t>To prioritize the whole-genome adenine sites, we extracted all adenine sites and their associated contextual sequences (30 flanking nucleotides at each side) for each species, giving a total of 76,401,454, 79,393,495 and 2,284,124 adenine sites of interest for A. thaliana, D. melanogaster and E. coli, respectively.</a:t>
+              <a:t>As a result, we have four different labels: 0.75h, 3h, 6h and non-methylation. We modified the last fully connected layer of DeepM6A to four sigmoid outputs, enabling DeepM6A to predict four different labels. The filter size of convolutional layers in DeepM6A was set to nine. For the MLP model, we also modified the last layer to four sigmoid outputs. For k-</a:t>
+            </a:r>
+            <a:r>
+              <a:rPr lang="en-US" altLang="zh-TW" sz="2000" dirty="0" err="1"/>
+              <a:t>mer</a:t>
+            </a:r>
+            <a:r>
+              <a:rPr lang="en-US" altLang="zh-TW" sz="2000" dirty="0"/>
+              <a:t> LR, we ran it four times to predict the four labels.</a:t>
             </a:r>
           </a:p>
         </p:txBody>
@@ -4632,7 +4519,7 @@
     </p:spTree>
     <p:extLst>
       <p:ext uri="{BB962C8B-B14F-4D97-AF65-F5344CB8AC3E}">
-        <p14:creationId xmlns:p14="http://schemas.microsoft.com/office/powerpoint/2010/main" val="2034531896"/>
+        <p14:creationId xmlns:p14="http://schemas.microsoft.com/office/powerpoint/2010/main" val="3363970091"/>
       </p:ext>
     </p:extLst>
   </p:cSld>
@@ -4664,7 +4551,7 @@
           <p:cNvPr id="2" name="標題 1">
             <a:extLst>
               <a:ext uri="{FF2B5EF4-FFF2-40B4-BE49-F238E27FC236}">
-                <a16:creationId xmlns="" xmlns:a16="http://schemas.microsoft.com/office/drawing/2014/main" id="{B5757CAD-B87B-F87F-3D7C-FD8FBEDE40A2}"/>
+                <a16:creationId xmlns:a16="http://schemas.microsoft.com/office/drawing/2014/main" id="{B5757CAD-B87B-F87F-3D7C-FD8FBEDE40A2}"/>
               </a:ext>
             </a:extLst>
           </p:cNvPr>
@@ -4700,7 +4587,7 @@
           <p:cNvPr id="3" name="內容版面配置區 2">
             <a:extLst>
               <a:ext uri="{FF2B5EF4-FFF2-40B4-BE49-F238E27FC236}">
-                <a16:creationId xmlns="" xmlns:a16="http://schemas.microsoft.com/office/drawing/2014/main" id="{195053F1-A39A-4536-E212-381C3868434D}"/>
+                <a16:creationId xmlns:a16="http://schemas.microsoft.com/office/drawing/2014/main" id="{195053F1-A39A-4536-E212-381C3868434D}"/>
               </a:ext>
             </a:extLst>
           </p:cNvPr>
@@ -4795,7 +4682,7 @@
           <p:cNvPr id="3" name="內容版面配置區 2">
             <a:extLst>
               <a:ext uri="{FF2B5EF4-FFF2-40B4-BE49-F238E27FC236}">
-                <a16:creationId xmlns="" xmlns:a16="http://schemas.microsoft.com/office/drawing/2014/main" id="{C90D2800-46B8-BD0E-6E8D-36BC4AA8FE50}"/>
+                <a16:creationId xmlns:a16="http://schemas.microsoft.com/office/drawing/2014/main" id="{C90D2800-46B8-BD0E-6E8D-36BC4AA8FE50}"/>
               </a:ext>
             </a:extLst>
           </p:cNvPr>
@@ -4820,55 +4707,25 @@
           <a:p>
             <a:r>
               <a:rPr lang="en-US" altLang="zh-TW" sz="2000" dirty="0"/>
-              <a:t>SM-CAP</a:t>
-            </a:r>
-          </a:p>
-          <a:p>
-            <a:pPr marL="0" indent="0">
-              <a:buNone/>
-            </a:pPr>
+              <a:t>Whole-genome sequence prediction</a:t>
+            </a:r>
             <a:r>
               <a:rPr lang="zh-TW" altLang="en-US" sz="2000" dirty="0"/>
               <a:t>    </a:t>
             </a:r>
-            <a:r>
-              <a:rPr lang="en-US" altLang="zh-TW" sz="2000" dirty="0"/>
-              <a:t>The saliency map is a topographically arranged map that represents the visual saliency of a corresponding visual </a:t>
-            </a:r>
-            <a:r>
-              <a:rPr lang="en-US" altLang="zh-TW" sz="2000" dirty="0" smtClean="0"/>
-              <a:t>scene. </a:t>
-            </a:r>
-            <a:r>
-              <a:rPr lang="en-US" altLang="zh-TW" sz="2000" dirty="0"/>
-              <a:t>To interpret the proposed DeepM6A and elucidate the regulatory motifs of 6mA for different species, we propose the following saliency maps-based context analysis protocol (SM-CAP). </a:t>
-            </a:r>
+            <a:endParaRPr lang="en-US" altLang="zh-TW" sz="2000" dirty="0"/>
           </a:p>
           <a:p>
             <a:pPr marL="0" indent="0">
               <a:buNone/>
             </a:pPr>
             <a:r>
-              <a:rPr lang="en-US" altLang="zh-TW" sz="2000" dirty="0"/>
-              <a:t>(1) Given a methylated adenine site with contextual sequence, the corresponding first-order derivative with respect to the input sequence is first computed by utilizing back-propagation. In this manner, the protocol is able to highlight most of its signals and ignores irrelative contextual sequences. (2) The derivative is then multiplied by the encoding representation of the input sequence to obtain sequence-specific saliency maps.</a:t>
-            </a:r>
-          </a:p>
-          <a:p>
-            <a:pPr marL="0" indent="0">
-              <a:buNone/>
-            </a:pPr>
-            <a:r>
-              <a:rPr lang="en-US" altLang="zh-TW" sz="2000" dirty="0"/>
-              <a:t>(3) The derivatives of all sequence samples are averaged accordingly. This leads to the overall scoring maps with respect to both sequence loci and nucleotides. </a:t>
-            </a:r>
-          </a:p>
-          <a:p>
-            <a:pPr marL="0" indent="0">
-              <a:buNone/>
-            </a:pPr>
-            <a:r>
-              <a:rPr lang="en-US" altLang="zh-TW" sz="2000" dirty="0"/>
-              <a:t>(4) The scoring maps are finally normalized based on the min–max rule in the range from 0 to 1. SM-CAP can quantify the contribution of a single base in the modelling context of all other participating bases.</a:t>
+              <a:rPr lang="zh-TW" altLang="en-US" sz="2000" dirty="0"/>
+              <a:t>    </a:t>
+            </a:r>
+            <a:r>
+              <a:rPr lang="en-US" altLang="zh-TW" sz="2000" dirty="0"/>
+              <a:t>To prioritize the whole-genome adenine sites, we extracted all adenine sites and their associated contextual sequences (30 flanking nucleotides at each side) for each species, giving a total of 76,401,454, 79,393,495 and 2,284,124 adenine sites of interest for A. thaliana, D. melanogaster and E. coli, respectively.</a:t>
             </a:r>
           </a:p>
         </p:txBody>
@@ -4876,7 +4733,7 @@
     </p:spTree>
     <p:extLst>
       <p:ext uri="{BB962C8B-B14F-4D97-AF65-F5344CB8AC3E}">
-        <p14:creationId xmlns:p14="http://schemas.microsoft.com/office/powerpoint/2010/main" val="3502276195"/>
+        <p14:creationId xmlns:p14="http://schemas.microsoft.com/office/powerpoint/2010/main" val="2034531896"/>
       </p:ext>
     </p:extLst>
   </p:cSld>
@@ -4903,6 +4760,111 @@
           <a:chExt cx="0" cy="0"/>
         </a:xfrm>
       </p:grpSpPr>
+      <p:sp>
+        <p:nvSpPr>
+          <p:cNvPr id="3" name="內容版面配置區 2">
+            <a:extLst>
+              <a:ext uri="{FF2B5EF4-FFF2-40B4-BE49-F238E27FC236}">
+                <a16:creationId xmlns:a16="http://schemas.microsoft.com/office/drawing/2014/main" id="{C90D2800-46B8-BD0E-6E8D-36BC4AA8FE50}"/>
+              </a:ext>
+            </a:extLst>
+          </p:cNvPr>
+          <p:cNvSpPr>
+            <a:spLocks noGrp="1"/>
+          </p:cNvSpPr>
+          <p:nvPr>
+            <p:ph idx="1"/>
+          </p:nvPr>
+        </p:nvSpPr>
+        <p:spPr>
+          <a:xfrm>
+            <a:off x="829491" y="461555"/>
+            <a:ext cx="10731138" cy="5506354"/>
+          </a:xfrm>
+        </p:spPr>
+        <p:txBody>
+          <a:bodyPr>
+            <a:normAutofit/>
+          </a:bodyPr>
+          <a:lstStyle/>
+          <a:p>
+            <a:r>
+              <a:rPr lang="en-US" altLang="zh-TW" sz="2000" dirty="0"/>
+              <a:t>SM-CAP</a:t>
+            </a:r>
+          </a:p>
+          <a:p>
+            <a:pPr marL="0" indent="0">
+              <a:buNone/>
+            </a:pPr>
+            <a:r>
+              <a:rPr lang="zh-TW" altLang="en-US" sz="2000" dirty="0"/>
+              <a:t>    </a:t>
+            </a:r>
+            <a:r>
+              <a:rPr lang="en-US" altLang="zh-TW" sz="2000" dirty="0"/>
+              <a:t>The saliency map is a topographically arranged map that represents the visual saliency of a corresponding visual scene. To interpret the proposed DeepM6A and elucidate the regulatory motifs of 6mA for different species, we propose the following saliency maps-based context analysis protocol (SM-CAP). </a:t>
+            </a:r>
+          </a:p>
+          <a:p>
+            <a:pPr marL="0" indent="0">
+              <a:buNone/>
+            </a:pPr>
+            <a:r>
+              <a:rPr lang="en-US" altLang="zh-TW" sz="2000" dirty="0"/>
+              <a:t>(1) Given a methylated adenine site with contextual sequence, the corresponding first-order derivative with respect to the input sequence is first computed by utilizing back-propagation. In this manner, the protocol is able to highlight most of its signals and ignores irrelative contextual sequences. (2) The derivative is then multiplied by the encoding representation of the input sequence to obtain sequence-specific saliency maps.</a:t>
+            </a:r>
+          </a:p>
+          <a:p>
+            <a:pPr marL="0" indent="0">
+              <a:buNone/>
+            </a:pPr>
+            <a:r>
+              <a:rPr lang="en-US" altLang="zh-TW" sz="2000" dirty="0"/>
+              <a:t>(3) The derivatives of all sequence samples are averaged accordingly. This leads to the overall scoring maps with respect to both sequence loci and nucleotides. </a:t>
+            </a:r>
+          </a:p>
+          <a:p>
+            <a:pPr marL="0" indent="0">
+              <a:buNone/>
+            </a:pPr>
+            <a:r>
+              <a:rPr lang="en-US" altLang="zh-TW" sz="2000" dirty="0"/>
+              <a:t>(4) The scoring maps are finally normalized based on the min–max rule in the range from 0 to 1. SM-CAP can quantify the contribution of a single base in the modelling context of all other participating bases.</a:t>
+            </a:r>
+          </a:p>
+        </p:txBody>
+      </p:sp>
+    </p:spTree>
+    <p:extLst>
+      <p:ext uri="{BB962C8B-B14F-4D97-AF65-F5344CB8AC3E}">
+        <p14:creationId xmlns:p14="http://schemas.microsoft.com/office/powerpoint/2010/main" val="3502276195"/>
+      </p:ext>
+    </p:extLst>
+  </p:cSld>
+  <p:clrMapOvr>
+    <a:masterClrMapping/>
+  </p:clrMapOvr>
+</p:sld>
+</file>
+
+<file path=ppt/slides/slide22.xml><?xml version="1.0" encoding="utf-8"?>
+<p:sld xmlns:a="http://schemas.openxmlformats.org/drawingml/2006/main" xmlns:r="http://schemas.openxmlformats.org/officeDocument/2006/relationships" xmlns:p="http://schemas.openxmlformats.org/presentationml/2006/main">
+  <p:cSld>
+    <p:spTree>
+      <p:nvGrpSpPr>
+        <p:cNvPr id="1" name=""/>
+        <p:cNvGrpSpPr/>
+        <p:nvPr/>
+      </p:nvGrpSpPr>
+      <p:grpSpPr>
+        <a:xfrm>
+          <a:off x="0" y="0"/>
+          <a:ext cx="0" cy="0"/>
+          <a:chOff x="0" y="0"/>
+          <a:chExt cx="0" cy="0"/>
+        </a:xfrm>
+      </p:grpSpPr>
       <mc:AlternateContent xmlns:mc="http://schemas.openxmlformats.org/markup-compatibility/2006" xmlns:a14="http://schemas.microsoft.com/office/drawing/2010/main">
         <mc:Choice Requires="a14">
           <p:sp>
@@ -4910,7 +4872,7 @@
               <p:cNvPr id="3" name="內容版面配置區 2">
                 <a:extLst>
                   <a:ext uri="{FF2B5EF4-FFF2-40B4-BE49-F238E27FC236}">
-                    <a16:creationId xmlns="" xmlns:a16="http://schemas.microsoft.com/office/drawing/2014/main" id="{C90D2800-46B8-BD0E-6E8D-36BC4AA8FE50}"/>
+                    <a16:creationId xmlns:a16="http://schemas.microsoft.com/office/drawing/2014/main" id="{C90D2800-46B8-BD0E-6E8D-36BC4AA8FE50}"/>
                   </a:ext>
                 </a:extLst>
               </p:cNvPr>
@@ -5164,7 +5126,7 @@
 </p:sld>
 </file>
 
-<file path=ppt/slides/slide22.xml><?xml version="1.0" encoding="utf-8"?>
+<file path=ppt/slides/slide23.xml><?xml version="1.0" encoding="utf-8"?>
 <p:sld xmlns:a="http://schemas.openxmlformats.org/drawingml/2006/main" xmlns:r="http://schemas.openxmlformats.org/officeDocument/2006/relationships" xmlns:p="http://schemas.openxmlformats.org/presentationml/2006/main">
   <p:cSld>
     <p:spTree>
@@ -5188,7 +5150,7 @@
               <p:cNvPr id="3" name="內容版面配置區 2">
                 <a:extLst>
                   <a:ext uri="{FF2B5EF4-FFF2-40B4-BE49-F238E27FC236}">
-                    <a16:creationId xmlns="" xmlns:a16="http://schemas.microsoft.com/office/drawing/2014/main" id="{C90D2800-46B8-BD0E-6E8D-36BC4AA8FE50}"/>
+                    <a16:creationId xmlns:a16="http://schemas.microsoft.com/office/drawing/2014/main" id="{C90D2800-46B8-BD0E-6E8D-36BC4AA8FE50}"/>
                   </a:ext>
                 </a:extLst>
               </p:cNvPr>
@@ -5432,7 +5394,7 @@
           <p:cNvPr id="4" name="圖片 3">
             <a:extLst>
               <a:ext uri="{FF2B5EF4-FFF2-40B4-BE49-F238E27FC236}">
-                <a16:creationId xmlns="" xmlns:a16="http://schemas.microsoft.com/office/drawing/2014/main" id="{751E18B2-1B61-D9BA-D8FD-D41440CF53C3}"/>
+                <a16:creationId xmlns:a16="http://schemas.microsoft.com/office/drawing/2014/main" id="{751E18B2-1B61-D9BA-D8FD-D41440CF53C3}"/>
               </a:ext>
             </a:extLst>
           </p:cNvPr>
@@ -5470,7 +5432,7 @@
 </p:sld>
 </file>
 
-<file path=ppt/slides/slide23.xml><?xml version="1.0" encoding="utf-8"?>
+<file path=ppt/slides/slide24.xml><?xml version="1.0" encoding="utf-8"?>
 <p:sld xmlns:a="http://schemas.openxmlformats.org/drawingml/2006/main" xmlns:r="http://schemas.openxmlformats.org/officeDocument/2006/relationships" xmlns:p="http://schemas.openxmlformats.org/presentationml/2006/main">
   <p:cSld>
     <p:spTree>
@@ -5492,7 +5454,7 @@
           <p:cNvPr id="3" name="內容版面配置區 2">
             <a:extLst>
               <a:ext uri="{FF2B5EF4-FFF2-40B4-BE49-F238E27FC236}">
-                <a16:creationId xmlns="" xmlns:a16="http://schemas.microsoft.com/office/drawing/2014/main" id="{C90D2800-46B8-BD0E-6E8D-36BC4AA8FE50}"/>
+                <a16:creationId xmlns:a16="http://schemas.microsoft.com/office/drawing/2014/main" id="{C90D2800-46B8-BD0E-6E8D-36BC4AA8FE50}"/>
               </a:ext>
             </a:extLst>
           </p:cNvPr>
@@ -5572,7 +5534,7 @@
 </p:sld>
 </file>
 
-<file path=ppt/slides/slide24.xml><?xml version="1.0" encoding="utf-8"?>
+<file path=ppt/slides/slide25.xml><?xml version="1.0" encoding="utf-8"?>
 <p:sld xmlns:a="http://schemas.openxmlformats.org/drawingml/2006/main" xmlns:r="http://schemas.openxmlformats.org/officeDocument/2006/relationships" xmlns:p="http://schemas.openxmlformats.org/presentationml/2006/main">
   <p:cSld>
     <p:spTree>
@@ -5594,7 +5556,7 @@
           <p:cNvPr id="2" name="標題 1">
             <a:extLst>
               <a:ext uri="{FF2B5EF4-FFF2-40B4-BE49-F238E27FC236}">
-                <a16:creationId xmlns="" xmlns:a16="http://schemas.microsoft.com/office/drawing/2014/main" id="{B5757CAD-B87B-F87F-3D7C-FD8FBEDE40A2}"/>
+                <a16:creationId xmlns:a16="http://schemas.microsoft.com/office/drawing/2014/main" id="{B5757CAD-B87B-F87F-3D7C-FD8FBEDE40A2}"/>
               </a:ext>
             </a:extLst>
           </p:cNvPr>
@@ -5630,7 +5592,7 @@
           <p:cNvPr id="3" name="內容版面配置區 2">
             <a:extLst>
               <a:ext uri="{FF2B5EF4-FFF2-40B4-BE49-F238E27FC236}">
-                <a16:creationId xmlns="" xmlns:a16="http://schemas.microsoft.com/office/drawing/2014/main" id="{195053F1-A39A-4536-E212-381C3868434D}"/>
+                <a16:creationId xmlns:a16="http://schemas.microsoft.com/office/drawing/2014/main" id="{195053F1-A39A-4536-E212-381C3868434D}"/>
               </a:ext>
             </a:extLst>
           </p:cNvPr>
@@ -5726,7 +5688,7 @@
 </p:sld>
 </file>
 
-<file path=ppt/slides/slide25.xml><?xml version="1.0" encoding="utf-8"?>
+<file path=ppt/slides/slide26.xml><?xml version="1.0" encoding="utf-8"?>
 <p:sld xmlns:a="http://schemas.openxmlformats.org/drawingml/2006/main" xmlns:r="http://schemas.openxmlformats.org/officeDocument/2006/relationships" xmlns:p="http://schemas.openxmlformats.org/presentationml/2006/main">
   <p:cSld>
     <p:spTree>
@@ -5748,7 +5710,7 @@
           <p:cNvPr id="3" name="內容版面配置區 2">
             <a:extLst>
               <a:ext uri="{FF2B5EF4-FFF2-40B4-BE49-F238E27FC236}">
-                <a16:creationId xmlns="" xmlns:a16="http://schemas.microsoft.com/office/drawing/2014/main" id="{C90D2800-46B8-BD0E-6E8D-36BC4AA8FE50}"/>
+                <a16:creationId xmlns:a16="http://schemas.microsoft.com/office/drawing/2014/main" id="{C90D2800-46B8-BD0E-6E8D-36BC4AA8FE50}"/>
               </a:ext>
             </a:extLst>
           </p:cNvPr>
@@ -5843,7 +5805,7 @@
 </p:sld>
 </file>
 
-<file path=ppt/slides/slide26.xml><?xml version="1.0" encoding="utf-8"?>
+<file path=ppt/slides/slide27.xml><?xml version="1.0" encoding="utf-8"?>
 <p:sld xmlns:a="http://schemas.openxmlformats.org/drawingml/2006/main" xmlns:r="http://schemas.openxmlformats.org/officeDocument/2006/relationships" xmlns:p="http://schemas.openxmlformats.org/presentationml/2006/main">
   <p:cSld>
     <p:spTree>
@@ -5865,7 +5827,7 @@
           <p:cNvPr id="2" name="標題 1">
             <a:extLst>
               <a:ext uri="{FF2B5EF4-FFF2-40B4-BE49-F238E27FC236}">
-                <a16:creationId xmlns="" xmlns:a16="http://schemas.microsoft.com/office/drawing/2014/main" id="{B5757CAD-B87B-F87F-3D7C-FD8FBEDE40A2}"/>
+                <a16:creationId xmlns:a16="http://schemas.microsoft.com/office/drawing/2014/main" id="{B5757CAD-B87B-F87F-3D7C-FD8FBEDE40A2}"/>
               </a:ext>
             </a:extLst>
           </p:cNvPr>
@@ -5901,7 +5863,7 @@
           <p:cNvPr id="3" name="內容版面配置區 2">
             <a:extLst>
               <a:ext uri="{FF2B5EF4-FFF2-40B4-BE49-F238E27FC236}">
-                <a16:creationId xmlns="" xmlns:a16="http://schemas.microsoft.com/office/drawing/2014/main" id="{195053F1-A39A-4536-E212-381C3868434D}"/>
+                <a16:creationId xmlns:a16="http://schemas.microsoft.com/office/drawing/2014/main" id="{195053F1-A39A-4536-E212-381C3868434D}"/>
               </a:ext>
             </a:extLst>
           </p:cNvPr>
@@ -5961,7 +5923,7 @@
 </p:sld>
 </file>
 
-<file path=ppt/slides/slide27.xml><?xml version="1.0" encoding="utf-8"?>
+<file path=ppt/slides/slide28.xml><?xml version="1.0" encoding="utf-8"?>
 <p:sld xmlns:a="http://schemas.openxmlformats.org/drawingml/2006/main" xmlns:r="http://schemas.openxmlformats.org/officeDocument/2006/relationships" xmlns:p="http://schemas.openxmlformats.org/presentationml/2006/main">
   <p:cSld>
     <p:spTree>
@@ -6015,7 +5977,7 @@
 </p:sld>
 </file>
 
-<file path=ppt/slides/slide28.xml><?xml version="1.0" encoding="utf-8"?>
+<file path=ppt/slides/slide29.xml><?xml version="1.0" encoding="utf-8"?>
 <p:sld xmlns:a="http://schemas.openxmlformats.org/drawingml/2006/main" xmlns:r="http://schemas.openxmlformats.org/officeDocument/2006/relationships" xmlns:p="http://schemas.openxmlformats.org/presentationml/2006/main">
   <p:cSld>
     <p:spTree>
@@ -6069,111 +6031,6 @@
 </p:sld>
 </file>
 
-<file path=ppt/slides/slide29.xml><?xml version="1.0" encoding="utf-8"?>
-<p:sld xmlns:a="http://schemas.openxmlformats.org/drawingml/2006/main" xmlns:r="http://schemas.openxmlformats.org/officeDocument/2006/relationships" xmlns:p="http://schemas.openxmlformats.org/presentationml/2006/main">
-  <p:cSld>
-    <p:spTree>
-      <p:nvGrpSpPr>
-        <p:cNvPr id="1" name=""/>
-        <p:cNvGrpSpPr/>
-        <p:nvPr/>
-      </p:nvGrpSpPr>
-      <p:grpSpPr>
-        <a:xfrm>
-          <a:off x="0" y="0"/>
-          <a:ext cx="0" cy="0"/>
-          <a:chOff x="0" y="0"/>
-          <a:chExt cx="0" cy="0"/>
-        </a:xfrm>
-      </p:grpSpPr>
-      <p:sp>
-        <p:nvSpPr>
-          <p:cNvPr id="3" name="內容版面配置區 2">
-            <a:extLst>
-              <a:ext uri="{FF2B5EF4-FFF2-40B4-BE49-F238E27FC236}">
-                <a16:creationId xmlns="" xmlns:a16="http://schemas.microsoft.com/office/drawing/2014/main" id="{C90D2800-46B8-BD0E-6E8D-36BC4AA8FE50}"/>
-              </a:ext>
-            </a:extLst>
-          </p:cNvPr>
-          <p:cNvSpPr>
-            <a:spLocks noGrp="1"/>
-          </p:cNvSpPr>
-          <p:nvPr>
-            <p:ph idx="1"/>
-          </p:nvPr>
-        </p:nvSpPr>
-        <p:spPr>
-          <a:xfrm>
-            <a:off x="829491" y="461555"/>
-            <a:ext cx="10515600" cy="5506354"/>
-          </a:xfrm>
-        </p:spPr>
-        <p:txBody>
-          <a:bodyPr>
-            <a:normAutofit/>
-          </a:bodyPr>
-          <a:lstStyle/>
-          <a:p>
-            <a:pPr marL="0" indent="0">
-              <a:buNone/>
-            </a:pPr>
-            <a:r>
-              <a:rPr lang="en-US" altLang="zh-TW" sz="2000" dirty="0"/>
-              <a:t>     Further examination of the salient patterns revealed by SM-CAP shows that these patterns are more discriminative and account for more than 45% of the 6mA sites with an odds ratio of more than 20 for A. thaliana (Table 2) and D. melanogaster (Table 3), respectively (see Methods). As a comparison, we also tried to elucidate conventional motif patterns using HOMER(Supplementary Figs. 10–12) (all with odds ratios of less than 2 for the two eukaryotes). </a:t>
-            </a:r>
-            <a:r>
-              <a:rPr lang="en-US" altLang="zh-TW" sz="2000" dirty="0">
-                <a:solidFill>
-                  <a:srgbClr val="FF0000"/>
-                </a:solidFill>
-              </a:rPr>
-              <a:t>It is noted that conventional conserved motifs could be a special case of the patterns SM-CAP can capture</a:t>
-            </a:r>
-            <a:r>
-              <a:rPr lang="en-US" altLang="zh-TW" sz="2000" dirty="0"/>
-              <a:t>. An example in point is the well-known motif GATC (−1bp, +2bp) in E. coli, as also identified successfully by SM-CAP (Table 4)</a:t>
-            </a:r>
-            <a:endParaRPr lang="zh-TW" altLang="en-US" sz="2000" dirty="0"/>
-          </a:p>
-        </p:txBody>
-      </p:sp>
-      <p:pic>
-        <p:nvPicPr>
-          <p:cNvPr id="5" name="圖片 4"/>
-          <p:cNvPicPr>
-            <a:picLocks noChangeAspect="1"/>
-          </p:cNvPicPr>
-          <p:nvPr/>
-        </p:nvPicPr>
-        <p:blipFill>
-          <a:blip r:embed="rId2"/>
-          <a:stretch>
-            <a:fillRect/>
-          </a:stretch>
-        </p:blipFill>
-        <p:spPr>
-          <a:xfrm>
-            <a:off x="1295547" y="2699392"/>
-            <a:ext cx="9583487" cy="3810532"/>
-          </a:xfrm>
-          <a:prstGeom prst="rect">
-            <a:avLst/>
-          </a:prstGeom>
-        </p:spPr>
-      </p:pic>
-    </p:spTree>
-    <p:extLst>
-      <p:ext uri="{BB962C8B-B14F-4D97-AF65-F5344CB8AC3E}">
-        <p14:creationId xmlns:p14="http://schemas.microsoft.com/office/powerpoint/2010/main" val="4275557801"/>
-      </p:ext>
-    </p:extLst>
-  </p:cSld>
-  <p:clrMapOvr>
-    <a:masterClrMapping/>
-  </p:clrMapOvr>
-</p:sld>
-</file>
-
 <file path=ppt/slides/slide3.xml><?xml version="1.0" encoding="utf-8"?>
 <p:sld xmlns:a="http://schemas.openxmlformats.org/drawingml/2006/main" xmlns:r="http://schemas.openxmlformats.org/officeDocument/2006/relationships" xmlns:p="http://schemas.openxmlformats.org/presentationml/2006/main">
   <p:cSld>
@@ -6196,7 +6053,7 @@
           <p:cNvPr id="3" name="內容版面配置區 2">
             <a:extLst>
               <a:ext uri="{FF2B5EF4-FFF2-40B4-BE49-F238E27FC236}">
-                <a16:creationId xmlns="" xmlns:a16="http://schemas.microsoft.com/office/drawing/2014/main" id="{195053F1-A39A-4536-E212-381C3868434D}"/>
+                <a16:creationId xmlns:a16="http://schemas.microsoft.com/office/drawing/2014/main" id="{195053F1-A39A-4536-E212-381C3868434D}"/>
               </a:ext>
             </a:extLst>
           </p:cNvPr>
@@ -6243,7 +6100,7 @@
           <p:cNvPr id="5" name="圖片 4">
             <a:extLst>
               <a:ext uri="{FF2B5EF4-FFF2-40B4-BE49-F238E27FC236}">
-                <a16:creationId xmlns="" xmlns:a16="http://schemas.microsoft.com/office/drawing/2014/main" id="{83AC17FA-ABCF-3729-5A52-CE79905DB8F7}"/>
+                <a16:creationId xmlns:a16="http://schemas.microsoft.com/office/drawing/2014/main" id="{83AC17FA-ABCF-3729-5A52-CE79905DB8F7}"/>
               </a:ext>
             </a:extLst>
           </p:cNvPr>
@@ -6303,7 +6160,112 @@
           <p:cNvPr id="3" name="內容版面配置區 2">
             <a:extLst>
               <a:ext uri="{FF2B5EF4-FFF2-40B4-BE49-F238E27FC236}">
-                <a16:creationId xmlns="" xmlns:a16="http://schemas.microsoft.com/office/drawing/2014/main" id="{C90D2800-46B8-BD0E-6E8D-36BC4AA8FE50}"/>
+                <a16:creationId xmlns:a16="http://schemas.microsoft.com/office/drawing/2014/main" id="{C90D2800-46B8-BD0E-6E8D-36BC4AA8FE50}"/>
+              </a:ext>
+            </a:extLst>
+          </p:cNvPr>
+          <p:cNvSpPr>
+            <a:spLocks noGrp="1"/>
+          </p:cNvSpPr>
+          <p:nvPr>
+            <p:ph idx="1"/>
+          </p:nvPr>
+        </p:nvSpPr>
+        <p:spPr>
+          <a:xfrm>
+            <a:off x="829491" y="461555"/>
+            <a:ext cx="10515600" cy="5506354"/>
+          </a:xfrm>
+        </p:spPr>
+        <p:txBody>
+          <a:bodyPr>
+            <a:normAutofit/>
+          </a:bodyPr>
+          <a:lstStyle/>
+          <a:p>
+            <a:pPr marL="0" indent="0">
+              <a:buNone/>
+            </a:pPr>
+            <a:r>
+              <a:rPr lang="en-US" altLang="zh-TW" sz="2000" dirty="0"/>
+              <a:t>     Further examination of the salient patterns revealed by SM-CAP shows that these patterns are more discriminative and account for more than 45% of the 6mA sites with an odds ratio of more than 20 for A. thaliana (Table 2) and D. melanogaster (Table 3), respectively (see Methods). As a comparison, we also tried to elucidate conventional motif patterns using HOMER(Supplementary Figs. 10–12) (all with odds ratios of less than 2 for the two eukaryotes). </a:t>
+            </a:r>
+            <a:r>
+              <a:rPr lang="en-US" altLang="zh-TW" sz="2000" dirty="0">
+                <a:solidFill>
+                  <a:srgbClr val="FF0000"/>
+                </a:solidFill>
+              </a:rPr>
+              <a:t>It is noted that conventional conserved motifs could be a special case of the patterns SM-CAP can capture</a:t>
+            </a:r>
+            <a:r>
+              <a:rPr lang="en-US" altLang="zh-TW" sz="2000" dirty="0"/>
+              <a:t>. An example in point is the well-known motif GATC (−1bp, +2bp) in E. coli, as also identified successfully by SM-CAP (Table 4)</a:t>
+            </a:r>
+            <a:endParaRPr lang="zh-TW" altLang="en-US" sz="2000" dirty="0"/>
+          </a:p>
+        </p:txBody>
+      </p:sp>
+      <p:pic>
+        <p:nvPicPr>
+          <p:cNvPr id="5" name="圖片 4"/>
+          <p:cNvPicPr>
+            <a:picLocks noChangeAspect="1"/>
+          </p:cNvPicPr>
+          <p:nvPr/>
+        </p:nvPicPr>
+        <p:blipFill>
+          <a:blip r:embed="rId2"/>
+          <a:stretch>
+            <a:fillRect/>
+          </a:stretch>
+        </p:blipFill>
+        <p:spPr>
+          <a:xfrm>
+            <a:off x="1295547" y="2699392"/>
+            <a:ext cx="9583487" cy="3810532"/>
+          </a:xfrm>
+          <a:prstGeom prst="rect">
+            <a:avLst/>
+          </a:prstGeom>
+        </p:spPr>
+      </p:pic>
+    </p:spTree>
+    <p:extLst>
+      <p:ext uri="{BB962C8B-B14F-4D97-AF65-F5344CB8AC3E}">
+        <p14:creationId xmlns:p14="http://schemas.microsoft.com/office/powerpoint/2010/main" val="4275557801"/>
+      </p:ext>
+    </p:extLst>
+  </p:cSld>
+  <p:clrMapOvr>
+    <a:masterClrMapping/>
+  </p:clrMapOvr>
+</p:sld>
+</file>
+
+<file path=ppt/slides/slide31.xml><?xml version="1.0" encoding="utf-8"?>
+<p:sld xmlns:a="http://schemas.openxmlformats.org/drawingml/2006/main" xmlns:r="http://schemas.openxmlformats.org/officeDocument/2006/relationships" xmlns:p="http://schemas.openxmlformats.org/presentationml/2006/main">
+  <p:cSld>
+    <p:spTree>
+      <p:nvGrpSpPr>
+        <p:cNvPr id="1" name=""/>
+        <p:cNvGrpSpPr/>
+        <p:nvPr/>
+      </p:nvGrpSpPr>
+      <p:grpSpPr>
+        <a:xfrm>
+          <a:off x="0" y="0"/>
+          <a:ext cx="0" cy="0"/>
+          <a:chOff x="0" y="0"/>
+          <a:chExt cx="0" cy="0"/>
+        </a:xfrm>
+      </p:grpSpPr>
+      <p:sp>
+        <p:nvSpPr>
+          <p:cNvPr id="3" name="內容版面配置區 2">
+            <a:extLst>
+              <a:ext uri="{FF2B5EF4-FFF2-40B4-BE49-F238E27FC236}">
+                <a16:creationId xmlns:a16="http://schemas.microsoft.com/office/drawing/2014/main" id="{C90D2800-46B8-BD0E-6E8D-36BC4AA8FE50}"/>
               </a:ext>
             </a:extLst>
           </p:cNvPr>
@@ -6344,7 +6306,6 @@
               <a:rPr lang="en-US" altLang="zh-TW" sz="2000" dirty="0"/>
               <a:t>    We have used public data to demonstrate the robustness and prediction performance of DeepM6A. We also conducted our own experimental validation to strengthen the work. DNA immunoprecipitation-based genomic profiling of 6mA has proven to be accurate and robust in A. thaliana. We thus chose A. thaliana as the model organism and validated our prediction using DNA immunoprecipitation followed by a next-generation sequencing experiment (see Methods ‘6mA-DNA-IP-Seq and sequencing of A. thaliana’ for details). </a:t>
             </a:r>
-            <a:endParaRPr lang="en-US" altLang="zh-TW" sz="2000" dirty="0" smtClean="0"/>
           </a:p>
           <a:p>
             <a:pPr marL="0" indent="0">
@@ -6352,19 +6313,11 @@
             </a:pPr>
             <a:r>
               <a:rPr lang="zh-TW" altLang="en-US" sz="2000" dirty="0"/>
-              <a:t> </a:t>
-            </a:r>
-            <a:r>
-              <a:rPr lang="zh-TW" altLang="en-US" sz="2000" dirty="0" smtClean="0"/>
-              <a:t>   </a:t>
-            </a:r>
-            <a:r>
-              <a:rPr lang="en-US" altLang="zh-TW" sz="2000" dirty="0" smtClean="0"/>
-              <a:t>Briefly</a:t>
-            </a:r>
-            <a:r>
-              <a:rPr lang="en-US" altLang="zh-TW" sz="2000" dirty="0"/>
-              <a:t>, we grew the Columbia-0 ecotype of A. thaliana in a chamber under long-day conditions and extracted gDNA from nine-day-old seedlings. We produced two biological replicates and sonicated the gDNA into ~300-bp fragments. Following ref. 22, </a:t>
+              <a:t>    </a:t>
+            </a:r>
+            <a:r>
+              <a:rPr lang="en-US" altLang="zh-TW" sz="2000" dirty="0"/>
+              <a:t>Briefly, we grew the Columbia-0 ecotype of A. thaliana in a chamber under long-day conditions and extracted gDNA from nine-day-old seedlings. We produced two biological replicates and sonicated the gDNA into ~300-bp fragments. Following ref. 22, </a:t>
             </a:r>
             <a:r>
               <a:rPr lang="en-US" altLang="zh-TW" sz="2000" dirty="0">
@@ -6394,7 +6347,7 @@
 </p:sld>
 </file>
 
-<file path=ppt/slides/slide31.xml><?xml version="1.0" encoding="utf-8"?>
+<file path=ppt/slides/slide32.xml><?xml version="1.0" encoding="utf-8"?>
 <p:sld xmlns:a="http://schemas.openxmlformats.org/drawingml/2006/main" xmlns:r="http://schemas.openxmlformats.org/officeDocument/2006/relationships" xmlns:p="http://schemas.openxmlformats.org/presentationml/2006/main">
   <p:cSld>
     <p:spTree>
@@ -6448,89 +6401,6 @@
 </p:sld>
 </file>
 
-<file path=ppt/slides/slide32.xml><?xml version="1.0" encoding="utf-8"?>
-<p:sld xmlns:a="http://schemas.openxmlformats.org/drawingml/2006/main" xmlns:r="http://schemas.openxmlformats.org/officeDocument/2006/relationships" xmlns:p="http://schemas.openxmlformats.org/presentationml/2006/main">
-  <p:cSld>
-    <p:spTree>
-      <p:nvGrpSpPr>
-        <p:cNvPr id="1" name=""/>
-        <p:cNvGrpSpPr/>
-        <p:nvPr/>
-      </p:nvGrpSpPr>
-      <p:grpSpPr>
-        <a:xfrm>
-          <a:off x="0" y="0"/>
-          <a:ext cx="0" cy="0"/>
-          <a:chOff x="0" y="0"/>
-          <a:chExt cx="0" cy="0"/>
-        </a:xfrm>
-      </p:grpSpPr>
-      <p:sp>
-        <p:nvSpPr>
-          <p:cNvPr id="3" name="內容版面配置區 2">
-            <a:extLst>
-              <a:ext uri="{FF2B5EF4-FFF2-40B4-BE49-F238E27FC236}">
-                <a16:creationId xmlns="" xmlns:a16="http://schemas.microsoft.com/office/drawing/2014/main" id="{C90D2800-46B8-BD0E-6E8D-36BC4AA8FE50}"/>
-              </a:ext>
-            </a:extLst>
-          </p:cNvPr>
-          <p:cNvSpPr>
-            <a:spLocks noGrp="1"/>
-          </p:cNvSpPr>
-          <p:nvPr>
-            <p:ph idx="1"/>
-          </p:nvPr>
-        </p:nvSpPr>
-        <p:spPr>
-          <a:xfrm>
-            <a:off x="730431" y="675823"/>
-            <a:ext cx="10731138" cy="5506354"/>
-          </a:xfrm>
-        </p:spPr>
-        <p:txBody>
-          <a:bodyPr>
-            <a:normAutofit/>
-          </a:bodyPr>
-          <a:lstStyle/>
-          <a:p>
-            <a:r>
-              <a:rPr lang="en-US" altLang="zh-TW" sz="2000" dirty="0"/>
-              <a:t>Discussion and conclusion    </a:t>
-            </a:r>
-          </a:p>
-          <a:p>
-            <a:pPr marL="0" indent="0">
-              <a:buNone/>
-            </a:pPr>
-            <a:r>
-              <a:rPr lang="en-US" altLang="zh-TW" sz="2000" dirty="0"/>
-              <a:t>    It is noted that our prediction is purely based on sequence information. In other words, only the cis effect has been captured. This means that what we predict is the candidacy or potential for being a 6mA site. Whether a candidate is 6mA-ed or not will also depend on many other exogenous trans effects. The origin of the trans effects has remained largely elusive so far for eukaryotes. Conventionally, epigenetic modifications on individual bases in DNA are regulated by certain methyltransferases and can encode heritable genetic information. In eukaryotes, only the DNA N6 adenine methyltransferase 1 (DAMT-1) in Caenorhabditis elegans has been reported to execute DNA adenine methyltransferase activities.</a:t>
-            </a:r>
-          </a:p>
-          <a:p>
-            <a:pPr marL="0" indent="0">
-              <a:buNone/>
-            </a:pPr>
-            <a:r>
-              <a:rPr lang="en-US" altLang="zh-TW" sz="2000" dirty="0"/>
-              <a:t>    A recent study shows that the majority of DNA 6mA in mammalian cells, instead of originating from direct methylation, may be incorporated by DNA polymerases via a nucleotide-salvage pathway. This finding is interesting because it delineates another pathway of generating 6mA that results from an environmental effect instead of a heritable effect. Using only DNA sequence information, our prediction may not directly distinguish the origins of 6mA, for example nucleotide salvage or direct DNA methylation. </a:t>
-            </a:r>
-          </a:p>
-        </p:txBody>
-      </p:sp>
-    </p:spTree>
-    <p:extLst>
-      <p:ext uri="{BB962C8B-B14F-4D97-AF65-F5344CB8AC3E}">
-        <p14:creationId xmlns:p14="http://schemas.microsoft.com/office/powerpoint/2010/main" val="1742804771"/>
-      </p:ext>
-    </p:extLst>
-  </p:cSld>
-  <p:clrMapOvr>
-    <a:masterClrMapping/>
-  </p:clrMapOvr>
-</p:sld>
-</file>
-
 <file path=ppt/slides/slide33.xml><?xml version="1.0" encoding="utf-8"?>
 <p:sld xmlns:a="http://schemas.openxmlformats.org/drawingml/2006/main" xmlns:r="http://schemas.openxmlformats.org/officeDocument/2006/relationships" xmlns:p="http://schemas.openxmlformats.org/presentationml/2006/main">
   <p:cSld>
@@ -6553,7 +6423,90 @@
           <p:cNvPr id="3" name="內容版面配置區 2">
             <a:extLst>
               <a:ext uri="{FF2B5EF4-FFF2-40B4-BE49-F238E27FC236}">
-                <a16:creationId xmlns="" xmlns:a16="http://schemas.microsoft.com/office/drawing/2014/main" id="{C90D2800-46B8-BD0E-6E8D-36BC4AA8FE50}"/>
+                <a16:creationId xmlns:a16="http://schemas.microsoft.com/office/drawing/2014/main" id="{C90D2800-46B8-BD0E-6E8D-36BC4AA8FE50}"/>
+              </a:ext>
+            </a:extLst>
+          </p:cNvPr>
+          <p:cNvSpPr>
+            <a:spLocks noGrp="1"/>
+          </p:cNvSpPr>
+          <p:nvPr>
+            <p:ph idx="1"/>
+          </p:nvPr>
+        </p:nvSpPr>
+        <p:spPr>
+          <a:xfrm>
+            <a:off x="730431" y="675823"/>
+            <a:ext cx="10731138" cy="5506354"/>
+          </a:xfrm>
+        </p:spPr>
+        <p:txBody>
+          <a:bodyPr>
+            <a:normAutofit/>
+          </a:bodyPr>
+          <a:lstStyle/>
+          <a:p>
+            <a:r>
+              <a:rPr lang="en-US" altLang="zh-TW" sz="2000" dirty="0"/>
+              <a:t>Discussion and conclusion    </a:t>
+            </a:r>
+          </a:p>
+          <a:p>
+            <a:pPr marL="0" indent="0">
+              <a:buNone/>
+            </a:pPr>
+            <a:r>
+              <a:rPr lang="en-US" altLang="zh-TW" sz="2000" dirty="0"/>
+              <a:t>    It is noted that our prediction is purely based on sequence information. In other words, only the cis effect has been captured. This means that what we predict is the candidacy or potential for being a 6mA site. Whether a candidate is 6mA-ed or not will also depend on many other exogenous trans effects. The origin of the trans effects has remained largely elusive so far for eukaryotes. Conventionally, epigenetic modifications on individual bases in DNA are regulated by certain methyltransferases and can encode heritable genetic information. In eukaryotes, only the DNA N6 adenine methyltransferase 1 (DAMT-1) in Caenorhabditis elegans has been reported to execute DNA adenine methyltransferase activities.</a:t>
+            </a:r>
+          </a:p>
+          <a:p>
+            <a:pPr marL="0" indent="0">
+              <a:buNone/>
+            </a:pPr>
+            <a:r>
+              <a:rPr lang="en-US" altLang="zh-TW" sz="2000" dirty="0"/>
+              <a:t>    A recent study shows that the majority of DNA 6mA in mammalian cells, instead of originating from direct methylation, may be incorporated by DNA polymerases via a nucleotide-salvage pathway. This finding is interesting because it delineates another pathway of generating 6mA that results from an environmental effect instead of a heritable effect. Using only DNA sequence information, our prediction may not directly distinguish the origins of 6mA, for example nucleotide salvage or direct DNA methylation. </a:t>
+            </a:r>
+          </a:p>
+        </p:txBody>
+      </p:sp>
+    </p:spTree>
+    <p:extLst>
+      <p:ext uri="{BB962C8B-B14F-4D97-AF65-F5344CB8AC3E}">
+        <p14:creationId xmlns:p14="http://schemas.microsoft.com/office/powerpoint/2010/main" val="1742804771"/>
+      </p:ext>
+    </p:extLst>
+  </p:cSld>
+  <p:clrMapOvr>
+    <a:masterClrMapping/>
+  </p:clrMapOvr>
+</p:sld>
+</file>
+
+<file path=ppt/slides/slide34.xml><?xml version="1.0" encoding="utf-8"?>
+<p:sld xmlns:a="http://schemas.openxmlformats.org/drawingml/2006/main" xmlns:r="http://schemas.openxmlformats.org/officeDocument/2006/relationships" xmlns:p="http://schemas.openxmlformats.org/presentationml/2006/main">
+  <p:cSld>
+    <p:spTree>
+      <p:nvGrpSpPr>
+        <p:cNvPr id="1" name=""/>
+        <p:cNvGrpSpPr/>
+        <p:nvPr/>
+      </p:nvGrpSpPr>
+      <p:grpSpPr>
+        <a:xfrm>
+          <a:off x="0" y="0"/>
+          <a:ext cx="0" cy="0"/>
+          <a:chOff x="0" y="0"/>
+          <a:chExt cx="0" cy="0"/>
+        </a:xfrm>
+      </p:grpSpPr>
+      <p:sp>
+        <p:nvSpPr>
+          <p:cNvPr id="3" name="內容版面配置區 2">
+            <a:extLst>
+              <a:ext uri="{FF2B5EF4-FFF2-40B4-BE49-F238E27FC236}">
+                <a16:creationId xmlns:a16="http://schemas.microsoft.com/office/drawing/2014/main" id="{C90D2800-46B8-BD0E-6E8D-36BC4AA8FE50}"/>
               </a:ext>
             </a:extLst>
           </p:cNvPr>
@@ -6608,7 +6561,7 @@
 </p:sld>
 </file>
 
-<file path=ppt/slides/slide34.xml><?xml version="1.0" encoding="utf-8"?>
+<file path=ppt/slides/slide35.xml><?xml version="1.0" encoding="utf-8"?>
 <p:sld xmlns:a="http://schemas.openxmlformats.org/drawingml/2006/main" xmlns:r="http://schemas.openxmlformats.org/officeDocument/2006/relationships" xmlns:p="http://schemas.openxmlformats.org/presentationml/2006/main">
   <p:cSld>
     <p:spTree>
@@ -6662,83 +6615,6 @@
 </p:sld>
 </file>
 
-<file path=ppt/slides/slide35.xml><?xml version="1.0" encoding="utf-8"?>
-<p:sld xmlns:a="http://schemas.openxmlformats.org/drawingml/2006/main" xmlns:r="http://schemas.openxmlformats.org/officeDocument/2006/relationships" xmlns:p="http://schemas.openxmlformats.org/presentationml/2006/main">
-  <p:cSld>
-    <p:spTree>
-      <p:nvGrpSpPr>
-        <p:cNvPr id="1" name=""/>
-        <p:cNvGrpSpPr/>
-        <p:nvPr/>
-      </p:nvGrpSpPr>
-      <p:grpSpPr>
-        <a:xfrm>
-          <a:off x="0" y="0"/>
-          <a:ext cx="0" cy="0"/>
-          <a:chOff x="0" y="0"/>
-          <a:chExt cx="0" cy="0"/>
-        </a:xfrm>
-      </p:grpSpPr>
-      <p:sp>
-        <p:nvSpPr>
-          <p:cNvPr id="3" name="內容版面配置區 2">
-            <a:extLst>
-              <a:ext uri="{FF2B5EF4-FFF2-40B4-BE49-F238E27FC236}">
-                <a16:creationId xmlns="" xmlns:a16="http://schemas.microsoft.com/office/drawing/2014/main" id="{C90D2800-46B8-BD0E-6E8D-36BC4AA8FE50}"/>
-              </a:ext>
-            </a:extLst>
-          </p:cNvPr>
-          <p:cNvSpPr>
-            <a:spLocks noGrp="1"/>
-          </p:cNvSpPr>
-          <p:nvPr>
-            <p:ph idx="1"/>
-          </p:nvPr>
-        </p:nvSpPr>
-        <p:spPr>
-          <a:xfrm>
-            <a:off x="730431" y="675823"/>
-            <a:ext cx="10731138" cy="5506354"/>
-          </a:xfrm>
-        </p:spPr>
-        <p:txBody>
-          <a:bodyPr>
-            <a:normAutofit/>
-          </a:bodyPr>
-          <a:lstStyle/>
-          <a:p>
-            <a:pPr marL="0" indent="0">
-              <a:buNone/>
-            </a:pPr>
-            <a:r>
-              <a:rPr lang="en-US" altLang="zh-TW" sz="2000" dirty="0"/>
-              <a:t>    We note that DeepM6A is a general 6mA prediction algorithm, which is not limited to the conditions, time or tissues for which data are collected. If 6mA methylation data are collected and provided with development-stage and/or tissue information, our model can be trained over those data and make predictions of tissue- and/or development-stage-specific 6mA sites accordingly. For example, if trained on 6mA methylation data collected at the embryonic development stage, DeepM6A would be able to predict embryo-specific 6mA candidacy.</a:t>
-            </a:r>
-          </a:p>
-          <a:p>
-            <a:pPr marL="0" indent="0">
-              <a:buNone/>
-            </a:pPr>
-            <a:r>
-              <a:rPr lang="en-US" altLang="zh-TW" sz="2000" dirty="0"/>
-              <a:t>    Although we have conducted a rigorous filtering protocol on the 6mA sites as determined by SMRT and have generated the final datasets for our research, some false-positive sites might still exist. It is therefore good to assess the impact of the error rate on our study. It is interesting to see whether DeepM6A is robust to false-positive samples and our results remain convincing. To this end, we performed twofold experiments. First, we used simulation studies to show the effectiveness even when the dataset for model training contained a significant proportion of false-positive samples. Second, we applied the models to 6mA regions generated using 6mA-DNA-IP-Seq. This is the current state-of-the-art sequencing technology, with a low error rate, but it could not pinpoint the exact methylation sites of 6mA. Interestingly—and impressively—our predictive models, trained on the SMRT 6mA data, captured almost all peaks with high probability. These two independent explorations indicate that our approaches are robust to false-positive samples and their outputs are reliable.</a:t>
-            </a:r>
-          </a:p>
-        </p:txBody>
-      </p:sp>
-    </p:spTree>
-    <p:extLst>
-      <p:ext uri="{BB962C8B-B14F-4D97-AF65-F5344CB8AC3E}">
-        <p14:creationId xmlns:p14="http://schemas.microsoft.com/office/powerpoint/2010/main" val="989281336"/>
-      </p:ext>
-    </p:extLst>
-  </p:cSld>
-  <p:clrMapOvr>
-    <a:masterClrMapping/>
-  </p:clrMapOvr>
-</p:sld>
-</file>
-
 <file path=ppt/slides/slide36.xml><?xml version="1.0" encoding="utf-8"?>
 <p:sld xmlns:a="http://schemas.openxmlformats.org/drawingml/2006/main" xmlns:r="http://schemas.openxmlformats.org/officeDocument/2006/relationships" xmlns:p="http://schemas.openxmlformats.org/presentationml/2006/main">
   <p:cSld>
@@ -6761,7 +6637,84 @@
           <p:cNvPr id="3" name="內容版面配置區 2">
             <a:extLst>
               <a:ext uri="{FF2B5EF4-FFF2-40B4-BE49-F238E27FC236}">
-                <a16:creationId xmlns="" xmlns:a16="http://schemas.microsoft.com/office/drawing/2014/main" id="{C90D2800-46B8-BD0E-6E8D-36BC4AA8FE50}"/>
+                <a16:creationId xmlns:a16="http://schemas.microsoft.com/office/drawing/2014/main" id="{C90D2800-46B8-BD0E-6E8D-36BC4AA8FE50}"/>
+              </a:ext>
+            </a:extLst>
+          </p:cNvPr>
+          <p:cNvSpPr>
+            <a:spLocks noGrp="1"/>
+          </p:cNvSpPr>
+          <p:nvPr>
+            <p:ph idx="1"/>
+          </p:nvPr>
+        </p:nvSpPr>
+        <p:spPr>
+          <a:xfrm>
+            <a:off x="730431" y="675823"/>
+            <a:ext cx="10731138" cy="5506354"/>
+          </a:xfrm>
+        </p:spPr>
+        <p:txBody>
+          <a:bodyPr>
+            <a:normAutofit/>
+          </a:bodyPr>
+          <a:lstStyle/>
+          <a:p>
+            <a:pPr marL="0" indent="0">
+              <a:buNone/>
+            </a:pPr>
+            <a:r>
+              <a:rPr lang="en-US" altLang="zh-TW" sz="2000" dirty="0"/>
+              <a:t>    We note that DeepM6A is a general 6mA prediction algorithm, which is not limited to the conditions, time or tissues for which data are collected. If 6mA methylation data are collected and provided with development-stage and/or tissue information, our model can be trained over those data and make predictions of tissue- and/or development-stage-specific 6mA sites accordingly. For example, if trained on 6mA methylation data collected at the embryonic development stage, DeepM6A would be able to predict embryo-specific 6mA candidacy.</a:t>
+            </a:r>
+          </a:p>
+          <a:p>
+            <a:pPr marL="0" indent="0">
+              <a:buNone/>
+            </a:pPr>
+            <a:r>
+              <a:rPr lang="en-US" altLang="zh-TW" sz="2000" dirty="0"/>
+              <a:t>    Although we have conducted a rigorous filtering protocol on the 6mA sites as determined by SMRT and have generated the final datasets for our research, some false-positive sites might still exist. It is therefore good to assess the impact of the error rate on our study. It is interesting to see whether DeepM6A is robust to false-positive samples and our results remain convincing. To this end, we performed twofold experiments. First, we used simulation studies to show the effectiveness even when the dataset for model training contained a significant proportion of false-positive samples. Second, we applied the models to 6mA regions generated using 6mA-DNA-IP-Seq. This is the current state-of-the-art sequencing technology, with a low error rate, but it could not pinpoint the exact methylation sites of 6mA. Interestingly—and impressively—our predictive models, trained on the SMRT 6mA data, captured almost all peaks with high probability. These two independent explorations indicate that our approaches are robust to false-positive samples and their outputs are reliable.</a:t>
+            </a:r>
+          </a:p>
+        </p:txBody>
+      </p:sp>
+    </p:spTree>
+    <p:extLst>
+      <p:ext uri="{BB962C8B-B14F-4D97-AF65-F5344CB8AC3E}">
+        <p14:creationId xmlns:p14="http://schemas.microsoft.com/office/powerpoint/2010/main" val="989281336"/>
+      </p:ext>
+    </p:extLst>
+  </p:cSld>
+  <p:clrMapOvr>
+    <a:masterClrMapping/>
+  </p:clrMapOvr>
+</p:sld>
+</file>
+
+<file path=ppt/slides/slide37.xml><?xml version="1.0" encoding="utf-8"?>
+<p:sld xmlns:a="http://schemas.openxmlformats.org/drawingml/2006/main" xmlns:r="http://schemas.openxmlformats.org/officeDocument/2006/relationships" xmlns:p="http://schemas.openxmlformats.org/presentationml/2006/main">
+  <p:cSld>
+    <p:spTree>
+      <p:nvGrpSpPr>
+        <p:cNvPr id="1" name=""/>
+        <p:cNvGrpSpPr/>
+        <p:nvPr/>
+      </p:nvGrpSpPr>
+      <p:grpSpPr>
+        <a:xfrm>
+          <a:off x="0" y="0"/>
+          <a:ext cx="0" cy="0"/>
+          <a:chOff x="0" y="0"/>
+          <a:chExt cx="0" cy="0"/>
+        </a:xfrm>
+      </p:grpSpPr>
+      <p:sp>
+        <p:nvSpPr>
+          <p:cNvPr id="3" name="內容版面配置區 2">
+            <a:extLst>
+              <a:ext uri="{FF2B5EF4-FFF2-40B4-BE49-F238E27FC236}">
+                <a16:creationId xmlns:a16="http://schemas.microsoft.com/office/drawing/2014/main" id="{C90D2800-46B8-BD0E-6E8D-36BC4AA8FE50}"/>
               </a:ext>
             </a:extLst>
           </p:cNvPr>
@@ -6838,7 +6791,7 @@
           <p:cNvPr id="3" name="內容版面配置區 2">
             <a:extLst>
               <a:ext uri="{FF2B5EF4-FFF2-40B4-BE49-F238E27FC236}">
-                <a16:creationId xmlns="" xmlns:a16="http://schemas.microsoft.com/office/drawing/2014/main" id="{195053F1-A39A-4536-E212-381C3868434D}"/>
+                <a16:creationId xmlns:a16="http://schemas.microsoft.com/office/drawing/2014/main" id="{195053F1-A39A-4536-E212-381C3868434D}"/>
               </a:ext>
             </a:extLst>
           </p:cNvPr>
@@ -7130,7 +7083,7 @@
           <p:cNvPr id="3" name="內容版面配置區 2">
             <a:extLst>
               <a:ext uri="{FF2B5EF4-FFF2-40B4-BE49-F238E27FC236}">
-                <a16:creationId xmlns="" xmlns:a16="http://schemas.microsoft.com/office/drawing/2014/main" id="{C90D2800-46B8-BD0E-6E8D-36BC4AA8FE50}"/>
+                <a16:creationId xmlns:a16="http://schemas.microsoft.com/office/drawing/2014/main" id="{C90D2800-46B8-BD0E-6E8D-36BC4AA8FE50}"/>
               </a:ext>
             </a:extLst>
           </p:cNvPr>
@@ -7250,7 +7203,7 @@
           <p:cNvPr id="3" name="內容版面配置區 2">
             <a:extLst>
               <a:ext uri="{FF2B5EF4-FFF2-40B4-BE49-F238E27FC236}">
-                <a16:creationId xmlns="" xmlns:a16="http://schemas.microsoft.com/office/drawing/2014/main" id="{C90D2800-46B8-BD0E-6E8D-36BC4AA8FE50}"/>
+                <a16:creationId xmlns:a16="http://schemas.microsoft.com/office/drawing/2014/main" id="{C90D2800-46B8-BD0E-6E8D-36BC4AA8FE50}"/>
               </a:ext>
             </a:extLst>
           </p:cNvPr>
@@ -7335,7 +7288,7 @@
           <p:cNvPr id="3" name="內容版面配置區 2">
             <a:extLst>
               <a:ext uri="{FF2B5EF4-FFF2-40B4-BE49-F238E27FC236}">
-                <a16:creationId xmlns="" xmlns:a16="http://schemas.microsoft.com/office/drawing/2014/main" id="{C90D2800-46B8-BD0E-6E8D-36BC4AA8FE50}"/>
+                <a16:creationId xmlns:a16="http://schemas.microsoft.com/office/drawing/2014/main" id="{C90D2800-46B8-BD0E-6E8D-36BC4AA8FE50}"/>
               </a:ext>
             </a:extLst>
           </p:cNvPr>
@@ -7377,7 +7330,7 @@
           <p:cNvPr id="4" name="圖片 3">
             <a:extLst>
               <a:ext uri="{FF2B5EF4-FFF2-40B4-BE49-F238E27FC236}">
-                <a16:creationId xmlns="" xmlns:a16="http://schemas.microsoft.com/office/drawing/2014/main" id="{1E23B90F-DBEB-4C56-4489-D487B18A6DC1}"/>
+                <a16:creationId xmlns:a16="http://schemas.microsoft.com/office/drawing/2014/main" id="{1E23B90F-DBEB-4C56-4489-D487B18A6DC1}"/>
               </a:ext>
             </a:extLst>
           </p:cNvPr>
@@ -7437,7 +7390,7 @@
           <p:cNvPr id="3" name="內容版面配置區 2">
             <a:extLst>
               <a:ext uri="{FF2B5EF4-FFF2-40B4-BE49-F238E27FC236}">
-                <a16:creationId xmlns="" xmlns:a16="http://schemas.microsoft.com/office/drawing/2014/main" id="{C90D2800-46B8-BD0E-6E8D-36BC4AA8FE50}"/>
+                <a16:creationId xmlns:a16="http://schemas.microsoft.com/office/drawing/2014/main" id="{C90D2800-46B8-BD0E-6E8D-36BC4AA8FE50}"/>
               </a:ext>
             </a:extLst>
           </p:cNvPr>
@@ -7488,7 +7441,7 @@
           <p:cNvPr id="4" name="圖片 3">
             <a:extLst>
               <a:ext uri="{FF2B5EF4-FFF2-40B4-BE49-F238E27FC236}">
-                <a16:creationId xmlns="" xmlns:a16="http://schemas.microsoft.com/office/drawing/2014/main" id="{F42DECBF-1D21-8AD0-5402-02216F45E69E}"/>
+                <a16:creationId xmlns:a16="http://schemas.microsoft.com/office/drawing/2014/main" id="{F42DECBF-1D21-8AD0-5402-02216F45E69E}"/>
               </a:ext>
             </a:extLst>
           </p:cNvPr>
@@ -7548,7 +7501,7 @@
           <p:cNvPr id="3" name="內容版面配置區 2">
             <a:extLst>
               <a:ext uri="{FF2B5EF4-FFF2-40B4-BE49-F238E27FC236}">
-                <a16:creationId xmlns="" xmlns:a16="http://schemas.microsoft.com/office/drawing/2014/main" id="{C90D2800-46B8-BD0E-6E8D-36BC4AA8FE50}"/>
+                <a16:creationId xmlns:a16="http://schemas.microsoft.com/office/drawing/2014/main" id="{C90D2800-46B8-BD0E-6E8D-36BC4AA8FE50}"/>
               </a:ext>
             </a:extLst>
           </p:cNvPr>

--- a/DeepM6A/presentation/DeepM6A_meth.pptx
+++ b/DeepM6A/presentation/DeepM6A_meth.pptx
@@ -295,7 +295,7 @@
           <a:p>
             <a:fld id="{BA0850F6-1F4F-4167-94CC-452D8DCE8FB8}" type="datetimeFigureOut">
               <a:rPr lang="zh-TW" altLang="en-US" smtClean="0"/>
-              <a:t>2022/6/9</a:t>
+              <a:t>2022/6/12</a:t>
             </a:fld>
             <a:endParaRPr lang="zh-TW" altLang="en-US"/>
           </a:p>
@@ -493,7 +493,7 @@
           <a:p>
             <a:fld id="{BA0850F6-1F4F-4167-94CC-452D8DCE8FB8}" type="datetimeFigureOut">
               <a:rPr lang="zh-TW" altLang="en-US" smtClean="0"/>
-              <a:t>2022/6/9</a:t>
+              <a:t>2022/6/12</a:t>
             </a:fld>
             <a:endParaRPr lang="zh-TW" altLang="en-US"/>
           </a:p>
@@ -701,7 +701,7 @@
           <a:p>
             <a:fld id="{BA0850F6-1F4F-4167-94CC-452D8DCE8FB8}" type="datetimeFigureOut">
               <a:rPr lang="zh-TW" altLang="en-US" smtClean="0"/>
-              <a:t>2022/6/9</a:t>
+              <a:t>2022/6/12</a:t>
             </a:fld>
             <a:endParaRPr lang="zh-TW" altLang="en-US"/>
           </a:p>
@@ -899,7 +899,7 @@
           <a:p>
             <a:fld id="{BA0850F6-1F4F-4167-94CC-452D8DCE8FB8}" type="datetimeFigureOut">
               <a:rPr lang="zh-TW" altLang="en-US" smtClean="0"/>
-              <a:t>2022/6/9</a:t>
+              <a:t>2022/6/12</a:t>
             </a:fld>
             <a:endParaRPr lang="zh-TW" altLang="en-US"/>
           </a:p>
@@ -1174,7 +1174,7 @@
           <a:p>
             <a:fld id="{BA0850F6-1F4F-4167-94CC-452D8DCE8FB8}" type="datetimeFigureOut">
               <a:rPr lang="zh-TW" altLang="en-US" smtClean="0"/>
-              <a:t>2022/6/9</a:t>
+              <a:t>2022/6/12</a:t>
             </a:fld>
             <a:endParaRPr lang="zh-TW" altLang="en-US"/>
           </a:p>
@@ -1439,7 +1439,7 @@
           <a:p>
             <a:fld id="{BA0850F6-1F4F-4167-94CC-452D8DCE8FB8}" type="datetimeFigureOut">
               <a:rPr lang="zh-TW" altLang="en-US" smtClean="0"/>
-              <a:t>2022/6/9</a:t>
+              <a:t>2022/6/12</a:t>
             </a:fld>
             <a:endParaRPr lang="zh-TW" altLang="en-US"/>
           </a:p>
@@ -1851,7 +1851,7 @@
           <a:p>
             <a:fld id="{BA0850F6-1F4F-4167-94CC-452D8DCE8FB8}" type="datetimeFigureOut">
               <a:rPr lang="zh-TW" altLang="en-US" smtClean="0"/>
-              <a:t>2022/6/9</a:t>
+              <a:t>2022/6/12</a:t>
             </a:fld>
             <a:endParaRPr lang="zh-TW" altLang="en-US"/>
           </a:p>
@@ -1992,7 +1992,7 @@
           <a:p>
             <a:fld id="{BA0850F6-1F4F-4167-94CC-452D8DCE8FB8}" type="datetimeFigureOut">
               <a:rPr lang="zh-TW" altLang="en-US" smtClean="0"/>
-              <a:t>2022/6/9</a:t>
+              <a:t>2022/6/12</a:t>
             </a:fld>
             <a:endParaRPr lang="zh-TW" altLang="en-US"/>
           </a:p>
@@ -2105,7 +2105,7 @@
           <a:p>
             <a:fld id="{BA0850F6-1F4F-4167-94CC-452D8DCE8FB8}" type="datetimeFigureOut">
               <a:rPr lang="zh-TW" altLang="en-US" smtClean="0"/>
-              <a:t>2022/6/9</a:t>
+              <a:t>2022/6/12</a:t>
             </a:fld>
             <a:endParaRPr lang="zh-TW" altLang="en-US"/>
           </a:p>
@@ -2416,7 +2416,7 @@
           <a:p>
             <a:fld id="{BA0850F6-1F4F-4167-94CC-452D8DCE8FB8}" type="datetimeFigureOut">
               <a:rPr lang="zh-TW" altLang="en-US" smtClean="0"/>
-              <a:t>2022/6/9</a:t>
+              <a:t>2022/6/12</a:t>
             </a:fld>
             <a:endParaRPr lang="zh-TW" altLang="en-US"/>
           </a:p>
@@ -2704,7 +2704,7 @@
           <a:p>
             <a:fld id="{BA0850F6-1F4F-4167-94CC-452D8DCE8FB8}" type="datetimeFigureOut">
               <a:rPr lang="zh-TW" altLang="en-US" smtClean="0"/>
-              <a:t>2022/6/9</a:t>
+              <a:t>2022/6/12</a:t>
             </a:fld>
             <a:endParaRPr lang="zh-TW" altLang="en-US"/>
           </a:p>
@@ -2945,7 +2945,7 @@
           <a:p>
             <a:fld id="{BA0850F6-1F4F-4167-94CC-452D8DCE8FB8}" type="datetimeFigureOut">
               <a:rPr lang="zh-TW" altLang="en-US" smtClean="0"/>
-              <a:t>2022/6/9</a:t>
+              <a:t>2022/6/12</a:t>
             </a:fld>
             <a:endParaRPr lang="zh-TW" altLang="en-US"/>
           </a:p>

--- a/DeepM6A/presentation/DeepM6A_meth.pptx
+++ b/DeepM6A/presentation/DeepM6A_meth.pptx
@@ -295,7 +295,7 @@
           <a:p>
             <a:fld id="{BA0850F6-1F4F-4167-94CC-452D8DCE8FB8}" type="datetimeFigureOut">
               <a:rPr lang="zh-TW" altLang="en-US" smtClean="0"/>
-              <a:t>2022/6/12</a:t>
+              <a:t>2022/6/13</a:t>
             </a:fld>
             <a:endParaRPr lang="zh-TW" altLang="en-US"/>
           </a:p>
@@ -493,7 +493,7 @@
           <a:p>
             <a:fld id="{BA0850F6-1F4F-4167-94CC-452D8DCE8FB8}" type="datetimeFigureOut">
               <a:rPr lang="zh-TW" altLang="en-US" smtClean="0"/>
-              <a:t>2022/6/12</a:t>
+              <a:t>2022/6/13</a:t>
             </a:fld>
             <a:endParaRPr lang="zh-TW" altLang="en-US"/>
           </a:p>
@@ -701,7 +701,7 @@
           <a:p>
             <a:fld id="{BA0850F6-1F4F-4167-94CC-452D8DCE8FB8}" type="datetimeFigureOut">
               <a:rPr lang="zh-TW" altLang="en-US" smtClean="0"/>
-              <a:t>2022/6/12</a:t>
+              <a:t>2022/6/13</a:t>
             </a:fld>
             <a:endParaRPr lang="zh-TW" altLang="en-US"/>
           </a:p>
@@ -899,7 +899,7 @@
           <a:p>
             <a:fld id="{BA0850F6-1F4F-4167-94CC-452D8DCE8FB8}" type="datetimeFigureOut">
               <a:rPr lang="zh-TW" altLang="en-US" smtClean="0"/>
-              <a:t>2022/6/12</a:t>
+              <a:t>2022/6/13</a:t>
             </a:fld>
             <a:endParaRPr lang="zh-TW" altLang="en-US"/>
           </a:p>
@@ -1174,7 +1174,7 @@
           <a:p>
             <a:fld id="{BA0850F6-1F4F-4167-94CC-452D8DCE8FB8}" type="datetimeFigureOut">
               <a:rPr lang="zh-TW" altLang="en-US" smtClean="0"/>
-              <a:t>2022/6/12</a:t>
+              <a:t>2022/6/13</a:t>
             </a:fld>
             <a:endParaRPr lang="zh-TW" altLang="en-US"/>
           </a:p>
@@ -1439,7 +1439,7 @@
           <a:p>
             <a:fld id="{BA0850F6-1F4F-4167-94CC-452D8DCE8FB8}" type="datetimeFigureOut">
               <a:rPr lang="zh-TW" altLang="en-US" smtClean="0"/>
-              <a:t>2022/6/12</a:t>
+              <a:t>2022/6/13</a:t>
             </a:fld>
             <a:endParaRPr lang="zh-TW" altLang="en-US"/>
           </a:p>
@@ -1851,7 +1851,7 @@
           <a:p>
             <a:fld id="{BA0850F6-1F4F-4167-94CC-452D8DCE8FB8}" type="datetimeFigureOut">
               <a:rPr lang="zh-TW" altLang="en-US" smtClean="0"/>
-              <a:t>2022/6/12</a:t>
+              <a:t>2022/6/13</a:t>
             </a:fld>
             <a:endParaRPr lang="zh-TW" altLang="en-US"/>
           </a:p>
@@ -1992,7 +1992,7 @@
           <a:p>
             <a:fld id="{BA0850F6-1F4F-4167-94CC-452D8DCE8FB8}" type="datetimeFigureOut">
               <a:rPr lang="zh-TW" altLang="en-US" smtClean="0"/>
-              <a:t>2022/6/12</a:t>
+              <a:t>2022/6/13</a:t>
             </a:fld>
             <a:endParaRPr lang="zh-TW" altLang="en-US"/>
           </a:p>
@@ -2105,7 +2105,7 @@
           <a:p>
             <a:fld id="{BA0850F6-1F4F-4167-94CC-452D8DCE8FB8}" type="datetimeFigureOut">
               <a:rPr lang="zh-TW" altLang="en-US" smtClean="0"/>
-              <a:t>2022/6/12</a:t>
+              <a:t>2022/6/13</a:t>
             </a:fld>
             <a:endParaRPr lang="zh-TW" altLang="en-US"/>
           </a:p>
@@ -2416,7 +2416,7 @@
           <a:p>
             <a:fld id="{BA0850F6-1F4F-4167-94CC-452D8DCE8FB8}" type="datetimeFigureOut">
               <a:rPr lang="zh-TW" altLang="en-US" smtClean="0"/>
-              <a:t>2022/6/12</a:t>
+              <a:t>2022/6/13</a:t>
             </a:fld>
             <a:endParaRPr lang="zh-TW" altLang="en-US"/>
           </a:p>
@@ -2704,7 +2704,7 @@
           <a:p>
             <a:fld id="{BA0850F6-1F4F-4167-94CC-452D8DCE8FB8}" type="datetimeFigureOut">
               <a:rPr lang="zh-TW" altLang="en-US" smtClean="0"/>
-              <a:t>2022/6/12</a:t>
+              <a:t>2022/6/13</a:t>
             </a:fld>
             <a:endParaRPr lang="zh-TW" altLang="en-US"/>
           </a:p>
@@ -2945,7 +2945,7 @@
           <a:p>
             <a:fld id="{BA0850F6-1F4F-4167-94CC-452D8DCE8FB8}" type="datetimeFigureOut">
               <a:rPr lang="zh-TW" altLang="en-US" smtClean="0"/>
-              <a:t>2022/6/12</a:t>
+              <a:t>2022/6/13</a:t>
             </a:fld>
             <a:endParaRPr lang="zh-TW" altLang="en-US"/>
           </a:p>

--- a/DeepM6A/presentation/DeepM6A_meth.pptx
+++ b/DeepM6A/presentation/DeepM6A_meth.pptx
@@ -295,7 +295,7 @@
           <a:p>
             <a:fld id="{BA0850F6-1F4F-4167-94CC-452D8DCE8FB8}" type="datetimeFigureOut">
               <a:rPr lang="zh-TW" altLang="en-US" smtClean="0"/>
-              <a:t>2022/6/13</a:t>
+              <a:t>2022/6/14</a:t>
             </a:fld>
             <a:endParaRPr lang="zh-TW" altLang="en-US"/>
           </a:p>
@@ -493,7 +493,7 @@
           <a:p>
             <a:fld id="{BA0850F6-1F4F-4167-94CC-452D8DCE8FB8}" type="datetimeFigureOut">
               <a:rPr lang="zh-TW" altLang="en-US" smtClean="0"/>
-              <a:t>2022/6/13</a:t>
+              <a:t>2022/6/14</a:t>
             </a:fld>
             <a:endParaRPr lang="zh-TW" altLang="en-US"/>
           </a:p>
@@ -701,7 +701,7 @@
           <a:p>
             <a:fld id="{BA0850F6-1F4F-4167-94CC-452D8DCE8FB8}" type="datetimeFigureOut">
               <a:rPr lang="zh-TW" altLang="en-US" smtClean="0"/>
-              <a:t>2022/6/13</a:t>
+              <a:t>2022/6/14</a:t>
             </a:fld>
             <a:endParaRPr lang="zh-TW" altLang="en-US"/>
           </a:p>
@@ -899,7 +899,7 @@
           <a:p>
             <a:fld id="{BA0850F6-1F4F-4167-94CC-452D8DCE8FB8}" type="datetimeFigureOut">
               <a:rPr lang="zh-TW" altLang="en-US" smtClean="0"/>
-              <a:t>2022/6/13</a:t>
+              <a:t>2022/6/14</a:t>
             </a:fld>
             <a:endParaRPr lang="zh-TW" altLang="en-US"/>
           </a:p>
@@ -1174,7 +1174,7 @@
           <a:p>
             <a:fld id="{BA0850F6-1F4F-4167-94CC-452D8DCE8FB8}" type="datetimeFigureOut">
               <a:rPr lang="zh-TW" altLang="en-US" smtClean="0"/>
-              <a:t>2022/6/13</a:t>
+              <a:t>2022/6/14</a:t>
             </a:fld>
             <a:endParaRPr lang="zh-TW" altLang="en-US"/>
           </a:p>
@@ -1439,7 +1439,7 @@
           <a:p>
             <a:fld id="{BA0850F6-1F4F-4167-94CC-452D8DCE8FB8}" type="datetimeFigureOut">
               <a:rPr lang="zh-TW" altLang="en-US" smtClean="0"/>
-              <a:t>2022/6/13</a:t>
+              <a:t>2022/6/14</a:t>
             </a:fld>
             <a:endParaRPr lang="zh-TW" altLang="en-US"/>
           </a:p>
@@ -1851,7 +1851,7 @@
           <a:p>
             <a:fld id="{BA0850F6-1F4F-4167-94CC-452D8DCE8FB8}" type="datetimeFigureOut">
               <a:rPr lang="zh-TW" altLang="en-US" smtClean="0"/>
-              <a:t>2022/6/13</a:t>
+              <a:t>2022/6/14</a:t>
             </a:fld>
             <a:endParaRPr lang="zh-TW" altLang="en-US"/>
           </a:p>
@@ -1992,7 +1992,7 @@
           <a:p>
             <a:fld id="{BA0850F6-1F4F-4167-94CC-452D8DCE8FB8}" type="datetimeFigureOut">
               <a:rPr lang="zh-TW" altLang="en-US" smtClean="0"/>
-              <a:t>2022/6/13</a:t>
+              <a:t>2022/6/14</a:t>
             </a:fld>
             <a:endParaRPr lang="zh-TW" altLang="en-US"/>
           </a:p>
@@ -2105,7 +2105,7 @@
           <a:p>
             <a:fld id="{BA0850F6-1F4F-4167-94CC-452D8DCE8FB8}" type="datetimeFigureOut">
               <a:rPr lang="zh-TW" altLang="en-US" smtClean="0"/>
-              <a:t>2022/6/13</a:t>
+              <a:t>2022/6/14</a:t>
             </a:fld>
             <a:endParaRPr lang="zh-TW" altLang="en-US"/>
           </a:p>
@@ -2416,7 +2416,7 @@
           <a:p>
             <a:fld id="{BA0850F6-1F4F-4167-94CC-452D8DCE8FB8}" type="datetimeFigureOut">
               <a:rPr lang="zh-TW" altLang="en-US" smtClean="0"/>
-              <a:t>2022/6/13</a:t>
+              <a:t>2022/6/14</a:t>
             </a:fld>
             <a:endParaRPr lang="zh-TW" altLang="en-US"/>
           </a:p>
@@ -2704,7 +2704,7 @@
           <a:p>
             <a:fld id="{BA0850F6-1F4F-4167-94CC-452D8DCE8FB8}" type="datetimeFigureOut">
               <a:rPr lang="zh-TW" altLang="en-US" smtClean="0"/>
-              <a:t>2022/6/13</a:t>
+              <a:t>2022/6/14</a:t>
             </a:fld>
             <a:endParaRPr lang="zh-TW" altLang="en-US"/>
           </a:p>
@@ -2945,7 +2945,7 @@
           <a:p>
             <a:fld id="{BA0850F6-1F4F-4167-94CC-452D8DCE8FB8}" type="datetimeFigureOut">
               <a:rPr lang="zh-TW" altLang="en-US" smtClean="0"/>
-              <a:t>2022/6/13</a:t>
+              <a:t>2022/6/14</a:t>
             </a:fld>
             <a:endParaRPr lang="zh-TW" altLang="en-US"/>
           </a:p>

--- a/DeepM6A/presentation/DeepM6A_meth.pptx
+++ b/DeepM6A/presentation/DeepM6A_meth.pptx
@@ -295,7 +295,7 @@
           <a:p>
             <a:fld id="{BA0850F6-1F4F-4167-94CC-452D8DCE8FB8}" type="datetimeFigureOut">
               <a:rPr lang="zh-TW" altLang="en-US" smtClean="0"/>
-              <a:t>2022/6/14</a:t>
+              <a:t>2022/6/15</a:t>
             </a:fld>
             <a:endParaRPr lang="zh-TW" altLang="en-US"/>
           </a:p>
@@ -493,7 +493,7 @@
           <a:p>
             <a:fld id="{BA0850F6-1F4F-4167-94CC-452D8DCE8FB8}" type="datetimeFigureOut">
               <a:rPr lang="zh-TW" altLang="en-US" smtClean="0"/>
-              <a:t>2022/6/14</a:t>
+              <a:t>2022/6/15</a:t>
             </a:fld>
             <a:endParaRPr lang="zh-TW" altLang="en-US"/>
           </a:p>
@@ -701,7 +701,7 @@
           <a:p>
             <a:fld id="{BA0850F6-1F4F-4167-94CC-452D8DCE8FB8}" type="datetimeFigureOut">
               <a:rPr lang="zh-TW" altLang="en-US" smtClean="0"/>
-              <a:t>2022/6/14</a:t>
+              <a:t>2022/6/15</a:t>
             </a:fld>
             <a:endParaRPr lang="zh-TW" altLang="en-US"/>
           </a:p>
@@ -899,7 +899,7 @@
           <a:p>
             <a:fld id="{BA0850F6-1F4F-4167-94CC-452D8DCE8FB8}" type="datetimeFigureOut">
               <a:rPr lang="zh-TW" altLang="en-US" smtClean="0"/>
-              <a:t>2022/6/14</a:t>
+              <a:t>2022/6/15</a:t>
             </a:fld>
             <a:endParaRPr lang="zh-TW" altLang="en-US"/>
           </a:p>
@@ -1174,7 +1174,7 @@
           <a:p>
             <a:fld id="{BA0850F6-1F4F-4167-94CC-452D8DCE8FB8}" type="datetimeFigureOut">
               <a:rPr lang="zh-TW" altLang="en-US" smtClean="0"/>
-              <a:t>2022/6/14</a:t>
+              <a:t>2022/6/15</a:t>
             </a:fld>
             <a:endParaRPr lang="zh-TW" altLang="en-US"/>
           </a:p>
@@ -1439,7 +1439,7 @@
           <a:p>
             <a:fld id="{BA0850F6-1F4F-4167-94CC-452D8DCE8FB8}" type="datetimeFigureOut">
               <a:rPr lang="zh-TW" altLang="en-US" smtClean="0"/>
-              <a:t>2022/6/14</a:t>
+              <a:t>2022/6/15</a:t>
             </a:fld>
             <a:endParaRPr lang="zh-TW" altLang="en-US"/>
           </a:p>
@@ -1851,7 +1851,7 @@
           <a:p>
             <a:fld id="{BA0850F6-1F4F-4167-94CC-452D8DCE8FB8}" type="datetimeFigureOut">
               <a:rPr lang="zh-TW" altLang="en-US" smtClean="0"/>
-              <a:t>2022/6/14</a:t>
+              <a:t>2022/6/15</a:t>
             </a:fld>
             <a:endParaRPr lang="zh-TW" altLang="en-US"/>
           </a:p>
@@ -1992,7 +1992,7 @@
           <a:p>
             <a:fld id="{BA0850F6-1F4F-4167-94CC-452D8DCE8FB8}" type="datetimeFigureOut">
               <a:rPr lang="zh-TW" altLang="en-US" smtClean="0"/>
-              <a:t>2022/6/14</a:t>
+              <a:t>2022/6/15</a:t>
             </a:fld>
             <a:endParaRPr lang="zh-TW" altLang="en-US"/>
           </a:p>
@@ -2105,7 +2105,7 @@
           <a:p>
             <a:fld id="{BA0850F6-1F4F-4167-94CC-452D8DCE8FB8}" type="datetimeFigureOut">
               <a:rPr lang="zh-TW" altLang="en-US" smtClean="0"/>
-              <a:t>2022/6/14</a:t>
+              <a:t>2022/6/15</a:t>
             </a:fld>
             <a:endParaRPr lang="zh-TW" altLang="en-US"/>
           </a:p>
@@ -2416,7 +2416,7 @@
           <a:p>
             <a:fld id="{BA0850F6-1F4F-4167-94CC-452D8DCE8FB8}" type="datetimeFigureOut">
               <a:rPr lang="zh-TW" altLang="en-US" smtClean="0"/>
-              <a:t>2022/6/14</a:t>
+              <a:t>2022/6/15</a:t>
             </a:fld>
             <a:endParaRPr lang="zh-TW" altLang="en-US"/>
           </a:p>
@@ -2704,7 +2704,7 @@
           <a:p>
             <a:fld id="{BA0850F6-1F4F-4167-94CC-452D8DCE8FB8}" type="datetimeFigureOut">
               <a:rPr lang="zh-TW" altLang="en-US" smtClean="0"/>
-              <a:t>2022/6/14</a:t>
+              <a:t>2022/6/15</a:t>
             </a:fld>
             <a:endParaRPr lang="zh-TW" altLang="en-US"/>
           </a:p>
@@ -2945,7 +2945,7 @@
           <a:p>
             <a:fld id="{BA0850F6-1F4F-4167-94CC-452D8DCE8FB8}" type="datetimeFigureOut">
               <a:rPr lang="zh-TW" altLang="en-US" smtClean="0"/>
-              <a:t>2022/6/14</a:t>
+              <a:t>2022/6/15</a:t>
             </a:fld>
             <a:endParaRPr lang="zh-TW" altLang="en-US"/>
           </a:p>
@@ -5143,8 +5143,8 @@
           <a:chExt cx="0" cy="0"/>
         </a:xfrm>
       </p:grpSpPr>
-      <mc:AlternateContent xmlns:mc="http://schemas.openxmlformats.org/markup-compatibility/2006" xmlns:a14="http://schemas.microsoft.com/office/drawing/2010/main">
-        <mc:Choice Requires="a14">
+      <mc:AlternateContent xmlns:mc="http://schemas.openxmlformats.org/markup-compatibility/2006">
+        <mc:Choice xmlns:a14="http://schemas.microsoft.com/office/drawing/2010/main" Requires="a14">
           <p:sp>
             <p:nvSpPr>
               <p:cNvPr id="3" name="內容版面配置區 2">
@@ -5339,13 +5339,22 @@
                 </a:pPr>
                 <a:r>
                   <a:rPr lang="en-US" altLang="zh-TW" sz="2000" dirty="0"/>
-                  <a:t>where ME, MN, NE and NN are defined in Table 5. The coverage and odds ratio of stride-specific motifs are able to quantify how strongly the presence or absence of a specific motif is associated with methylation or non-methylation of adenine sites for a given species.</a:t>
+                  <a:t>where ME, MN, NE and NN are defined in Table 5. </a:t>
+                </a:r>
+              </a:p>
+              <a:p>
+                <a:pPr marL="0" indent="0">
+                  <a:buNone/>
+                </a:pPr>
+                <a:r>
+                  <a:rPr lang="en-US" altLang="zh-TW" sz="2000" dirty="0"/>
+                  <a:t>The coverage and odds ratio of stride-specific motifs are able to quantify how strongly the presence or absence of a specific motif is associated with methylation or non-methylation of adenine sites for a given species.</a:t>
                 </a:r>
               </a:p>
             </p:txBody>
           </p:sp>
         </mc:Choice>
-        <mc:Fallback xmlns="">
+        <mc:Fallback>
           <p:sp>
             <p:nvSpPr>
               <p:cNvPr id="3" name="內容版面配置區 2">
@@ -5370,7 +5379,7 @@
               <a:blipFill>
                 <a:blip r:embed="rId2"/>
                 <a:stretch>
-                  <a:fillRect l="-568" t="-1218" r="-511"/>
+                  <a:fillRect l="-568" t="-1218" r="-1080"/>
                 </a:stretch>
               </a:blipFill>
             </p:spPr>
@@ -6873,178 +6882,90 @@
               <a:t>    </a:t>
             </a:r>
             <a:r>
-              <a:rPr lang="en-US" altLang="zh-TW" sz="2000" dirty="0">
-                <a:solidFill>
-                  <a:srgbClr val="FF0000"/>
-                </a:solidFill>
-              </a:rPr>
+              <a:rPr lang="en-US" altLang="zh-TW" sz="2000" dirty="0"/>
               <a:t>Raw reads were first filtered based on a minimum subread length (50), polymerase read quality (75) and polymerase read length (50). The left reads were mapped to their reference genome by </a:t>
             </a:r>
             <a:r>
-              <a:rPr lang="en-US" altLang="zh-TW" sz="2000" dirty="0" err="1">
-                <a:solidFill>
-                  <a:srgbClr val="FF0000"/>
-                </a:solidFill>
-              </a:rPr>
+              <a:rPr lang="en-US" altLang="zh-TW" sz="2000" dirty="0" err="1"/>
               <a:t>pbalign</a:t>
             </a:r>
             <a:r>
-              <a:rPr lang="en-US" altLang="zh-TW" sz="2000" dirty="0">
-                <a:solidFill>
-                  <a:srgbClr val="FF0000"/>
-                </a:solidFill>
-              </a:rPr>
+              <a:rPr lang="en-US" altLang="zh-TW" sz="2000" dirty="0"/>
               <a:t> (seed=1 --</a:t>
             </a:r>
             <a:r>
-              <a:rPr lang="en-US" altLang="zh-TW" sz="2000" dirty="0" err="1">
-                <a:solidFill>
-                  <a:srgbClr val="FF0000"/>
-                </a:solidFill>
-              </a:rPr>
+              <a:rPr lang="en-US" altLang="zh-TW" sz="2000" dirty="0" err="1"/>
               <a:t>nproc</a:t>
             </a:r>
             <a:r>
-              <a:rPr lang="en-US" altLang="zh-TW" sz="2000" dirty="0">
-                <a:solidFill>
-                  <a:srgbClr val="FF0000"/>
-                </a:solidFill>
-              </a:rPr>
+              <a:rPr lang="en-US" altLang="zh-TW" sz="2000" dirty="0"/>
               <a:t> 8 --</a:t>
             </a:r>
             <a:r>
-              <a:rPr lang="en-US" altLang="zh-TW" sz="2000" dirty="0" err="1">
-                <a:solidFill>
-                  <a:srgbClr val="FF0000"/>
-                </a:solidFill>
-              </a:rPr>
+              <a:rPr lang="en-US" altLang="zh-TW" sz="2000" dirty="0" err="1"/>
               <a:t>minAccuracy</a:t>
             </a:r>
             <a:r>
-              <a:rPr lang="en-US" altLang="zh-TW" sz="2000" dirty="0">
-                <a:solidFill>
-                  <a:srgbClr val="FF0000"/>
-                </a:solidFill>
-              </a:rPr>
+              <a:rPr lang="en-US" altLang="zh-TW" sz="2000" dirty="0"/>
               <a:t>=0.75 --</a:t>
             </a:r>
             <a:r>
-              <a:rPr lang="en-US" altLang="zh-TW" sz="2000" dirty="0" err="1">
-                <a:solidFill>
-                  <a:srgbClr val="FF0000"/>
-                </a:solidFill>
-              </a:rPr>
+              <a:rPr lang="en-US" altLang="zh-TW" sz="2000" dirty="0" err="1"/>
               <a:t>minLength</a:t>
             </a:r>
             <a:r>
-              <a:rPr lang="en-US" altLang="zh-TW" sz="2000" dirty="0">
-                <a:solidFill>
-                  <a:srgbClr val="FF0000"/>
-                </a:solidFill>
-              </a:rPr>
+              <a:rPr lang="en-US" altLang="zh-TW" sz="2000" dirty="0"/>
               <a:t>=50 --concordant --</a:t>
             </a:r>
             <a:r>
-              <a:rPr lang="en-US" altLang="zh-TW" sz="2000" dirty="0" err="1">
-                <a:solidFill>
-                  <a:srgbClr val="FF0000"/>
-                </a:solidFill>
-              </a:rPr>
+              <a:rPr lang="en-US" altLang="zh-TW" sz="2000" dirty="0" err="1"/>
               <a:t>algorithmOptions</a:t>
             </a:r>
             <a:r>
-              <a:rPr lang="en-US" altLang="zh-TW" sz="2000" dirty="0">
-                <a:solidFill>
-                  <a:srgbClr val="FF0000"/>
-                </a:solidFill>
-              </a:rPr>
+              <a:rPr lang="en-US" altLang="zh-TW" sz="2000" dirty="0"/>
               <a:t>="-</a:t>
             </a:r>
             <a:r>
-              <a:rPr lang="en-US" altLang="zh-TW" sz="2000" dirty="0" err="1">
-                <a:solidFill>
-                  <a:srgbClr val="FF0000"/>
-                </a:solidFill>
-              </a:rPr>
+              <a:rPr lang="en-US" altLang="zh-TW" sz="2000" dirty="0" err="1"/>
               <a:t>useQuality</a:t>
             </a:r>
             <a:r>
-              <a:rPr lang="en-US" altLang="zh-TW" sz="2000" dirty="0">
-                <a:solidFill>
-                  <a:srgbClr val="FF0000"/>
-                </a:solidFill>
-              </a:rPr>
+              <a:rPr lang="en-US" altLang="zh-TW" sz="2000" dirty="0"/>
               <a:t>" --</a:t>
             </a:r>
             <a:r>
-              <a:rPr lang="en-US" altLang="zh-TW" sz="2000" dirty="0" err="1">
-                <a:solidFill>
-                  <a:srgbClr val="FF0000"/>
-                </a:solidFill>
-              </a:rPr>
+              <a:rPr lang="en-US" altLang="zh-TW" sz="2000" dirty="0" err="1"/>
               <a:t>algorithmOptions</a:t>
             </a:r>
             <a:r>
-              <a:rPr lang="en-US" altLang="zh-TW" sz="2000" dirty="0">
-                <a:solidFill>
-                  <a:srgbClr val="FF0000"/>
-                </a:solidFill>
-              </a:rPr>
+              <a:rPr lang="en-US" altLang="zh-TW" sz="2000" dirty="0"/>
               <a:t>=‘ -</a:t>
             </a:r>
             <a:r>
-              <a:rPr lang="en-US" altLang="zh-TW" sz="2000" dirty="0" err="1">
-                <a:solidFill>
-                  <a:srgbClr val="FF0000"/>
-                </a:solidFill>
-              </a:rPr>
+              <a:rPr lang="en-US" altLang="zh-TW" sz="2000" dirty="0" err="1"/>
               <a:t>minMatch</a:t>
             </a:r>
             <a:r>
-              <a:rPr lang="en-US" altLang="zh-TW" sz="2000" dirty="0">
-                <a:solidFill>
-                  <a:srgbClr val="FF0000"/>
-                </a:solidFill>
-              </a:rPr>
+              <a:rPr lang="en-US" altLang="zh-TW" sz="2000" dirty="0"/>
               <a:t> 12 -</a:t>
             </a:r>
             <a:r>
-              <a:rPr lang="en-US" altLang="zh-TW" sz="2000" dirty="0" err="1">
-                <a:solidFill>
-                  <a:srgbClr val="FF0000"/>
-                </a:solidFill>
-              </a:rPr>
+              <a:rPr lang="en-US" altLang="zh-TW" sz="2000" dirty="0" err="1"/>
               <a:t>bestn</a:t>
             </a:r>
             <a:r>
-              <a:rPr lang="en-US" altLang="zh-TW" sz="2000" dirty="0">
-                <a:solidFill>
-                  <a:srgbClr val="FF0000"/>
-                </a:solidFill>
-              </a:rPr>
+              <a:rPr lang="en-US" altLang="zh-TW" sz="2000" dirty="0"/>
               <a:t> 10 -</a:t>
             </a:r>
             <a:r>
-              <a:rPr lang="en-US" altLang="zh-TW" sz="2000" dirty="0" err="1">
-                <a:solidFill>
-                  <a:srgbClr val="FF0000"/>
-                </a:solidFill>
-              </a:rPr>
+              <a:rPr lang="en-US" altLang="zh-TW" sz="2000" dirty="0" err="1"/>
               <a:t>minPctIdentity</a:t>
             </a:r>
             <a:r>
-              <a:rPr lang="en-US" altLang="zh-TW" sz="2000" dirty="0">
-                <a:solidFill>
-                  <a:srgbClr val="FF0000"/>
-                </a:solidFill>
-              </a:rPr>
+              <a:rPr lang="en-US" altLang="zh-TW" sz="2000" dirty="0"/>
               <a:t> 70.0’). Additional pulse metrics were loaded into the resulting cmp.h5 file to enable downstream use of the Quiver algorithm, which identifies haploid single nucleotide polymorphisms and indels by performing a local realignment of reads using the full range of sequence quality metrics. </a:t>
             </a:r>
-            <a:endParaRPr lang="zh-TW" altLang="en-US" sz="2000" dirty="0">
-              <a:solidFill>
-                <a:srgbClr val="FF0000"/>
-              </a:solidFill>
-            </a:endParaRPr>
+            <a:endParaRPr lang="zh-TW" altLang="en-US" sz="2000" dirty="0"/>
           </a:p>
         </p:txBody>
       </p:sp>

--- a/DeepM6A/presentation/DeepM6A_meth.pptx
+++ b/DeepM6A/presentation/DeepM6A_meth.pptx
@@ -3453,91 +3453,183 @@
           <a:chExt cx="0" cy="0"/>
         </a:xfrm>
       </p:grpSpPr>
-      <p:sp>
-        <p:nvSpPr>
-          <p:cNvPr id="3" name="內容版面配置區 2">
-            <a:extLst>
-              <a:ext uri="{FF2B5EF4-FFF2-40B4-BE49-F238E27FC236}">
-                <a16:creationId xmlns:a16="http://schemas.microsoft.com/office/drawing/2014/main" id="{C90D2800-46B8-BD0E-6E8D-36BC4AA8FE50}"/>
-              </a:ext>
-            </a:extLst>
-          </p:cNvPr>
-          <p:cNvSpPr>
-            <a:spLocks noGrp="1"/>
-          </p:cNvSpPr>
-          <p:nvPr>
-            <p:ph idx="1"/>
-          </p:nvPr>
-        </p:nvSpPr>
-        <p:spPr>
-          <a:xfrm>
-            <a:off x="829491" y="461555"/>
-            <a:ext cx="10515600" cy="5506354"/>
-          </a:xfrm>
-        </p:spPr>
-        <p:txBody>
-          <a:bodyPr>
-            <a:normAutofit/>
-          </a:bodyPr>
-          <a:lstStyle/>
-          <a:p>
-            <a:r>
-              <a:rPr lang="en-US" altLang="zh-TW" sz="2000" dirty="0"/>
-              <a:t>Training procedure</a:t>
-            </a:r>
-            <a:r>
-              <a:rPr lang="zh-TW" altLang="en-US" sz="2000" dirty="0"/>
-              <a:t> </a:t>
-            </a:r>
-            <a:endParaRPr lang="en-US" altLang="zh-TW" sz="2000" dirty="0"/>
-          </a:p>
-          <a:p>
-            <a:pPr marL="0" indent="0">
-              <a:buNone/>
-            </a:pPr>
-            <a:r>
-              <a:rPr lang="en-US" altLang="zh-TW" sz="2000" dirty="0"/>
-              <a:t>    We trained DeepM6A from scratch (with norm initialization) on large-scale A. thaliana methylation data across different lengths. Afterwards, for D. melanogaster and E. coli, we fine-tuned the full architecture of trained models of A. thaliana. This procedure is also called transfer learning, which can speed up the training process </a:t>
-            </a:r>
-            <a:r>
-              <a:rPr lang="en-US" altLang="zh-TW" sz="2000" dirty="0">
-                <a:solidFill>
-                  <a:srgbClr val="FF0000"/>
-                </a:solidFill>
-              </a:rPr>
-              <a:t>and serve as initialization for the elucidation of regulatory patterns of other species in terms of 6mA formulation</a:t>
-            </a:r>
-            <a:r>
-              <a:rPr lang="en-US" altLang="zh-TW" sz="2000" dirty="0"/>
-              <a:t>. Classical back-propagation was leveraged for training. All layers of the networks were trained with the aid of a stochastic gradient descent algorithm. Specifically, the initial learning rate was 0.01 with a decay factor of 1×10−6 and </a:t>
-            </a:r>
-            <a:r>
-              <a:rPr lang="en-US" altLang="zh-TW" sz="2000" dirty="0" err="1"/>
-              <a:t>Nesterov</a:t>
-            </a:r>
-            <a:r>
-              <a:rPr lang="en-US" altLang="zh-TW" sz="2000" dirty="0"/>
-              <a:t> momentum of 0.9. We used </a:t>
-            </a:r>
-            <a:r>
-              <a:rPr lang="en-US" altLang="zh-TW" sz="2000" dirty="0" err="1"/>
-              <a:t>Keras</a:t>
-            </a:r>
-            <a:r>
-              <a:rPr lang="en-US" altLang="zh-TW" sz="2000" dirty="0"/>
-              <a:t> (https://keras.io) with a backend of Theano (http://deeplearning.net/software/ </a:t>
-            </a:r>
-            <a:r>
-              <a:rPr lang="en-US" altLang="zh-TW" sz="2000" dirty="0" err="1"/>
-              <a:t>theano_versions</a:t>
-            </a:r>
-            <a:r>
-              <a:rPr lang="en-US" altLang="zh-TW" sz="2000" dirty="0"/>
-              <a:t>/0.8.X/) to train, validate and test all network architectures.</a:t>
-            </a:r>
-          </a:p>
-        </p:txBody>
-      </p:sp>
+      <mc:AlternateContent xmlns:mc="http://schemas.openxmlformats.org/markup-compatibility/2006">
+        <mc:Choice xmlns:a14="http://schemas.microsoft.com/office/drawing/2010/main" Requires="a14">
+          <p:sp>
+            <p:nvSpPr>
+              <p:cNvPr id="3" name="內容版面配置區 2">
+                <a:extLst>
+                  <a:ext uri="{FF2B5EF4-FFF2-40B4-BE49-F238E27FC236}">
+                    <a16:creationId xmlns:a16="http://schemas.microsoft.com/office/drawing/2014/main" id="{C90D2800-46B8-BD0E-6E8D-36BC4AA8FE50}"/>
+                  </a:ext>
+                </a:extLst>
+              </p:cNvPr>
+              <p:cNvSpPr>
+                <a:spLocks noGrp="1"/>
+              </p:cNvSpPr>
+              <p:nvPr>
+                <p:ph idx="1"/>
+              </p:nvPr>
+            </p:nvSpPr>
+            <p:spPr>
+              <a:xfrm>
+                <a:off x="829491" y="461555"/>
+                <a:ext cx="10515600" cy="5506354"/>
+              </a:xfrm>
+            </p:spPr>
+            <p:txBody>
+              <a:bodyPr>
+                <a:normAutofit/>
+              </a:bodyPr>
+              <a:lstStyle/>
+              <a:p>
+                <a:r>
+                  <a:rPr lang="en-US" altLang="zh-TW" sz="2000" dirty="0"/>
+                  <a:t>Training procedure</a:t>
+                </a:r>
+                <a:r>
+                  <a:rPr lang="zh-TW" altLang="en-US" sz="2000" dirty="0"/>
+                  <a:t> </a:t>
+                </a:r>
+                <a:endParaRPr lang="en-US" altLang="zh-TW" sz="2000" dirty="0"/>
+              </a:p>
+              <a:p>
+                <a:pPr marL="0" indent="0">
+                  <a:buNone/>
+                </a:pPr>
+                <a:r>
+                  <a:rPr lang="en-US" altLang="zh-TW" sz="2000" dirty="0"/>
+                  <a:t>    We trained DeepM6A from scratch (with norm initialization) on large-scale A. thaliana methylation data across different lengths. Afterwards, for D. melanogaster and E. coli, we fine-tuned the full architecture of trained models of A. thaliana. This procedure is also called transfer learning, which can speed up the training process </a:t>
+                </a:r>
+                <a:r>
+                  <a:rPr lang="en-US" altLang="zh-TW" sz="2000" dirty="0">
+                    <a:solidFill>
+                      <a:srgbClr val="FF0000"/>
+                    </a:solidFill>
+                  </a:rPr>
+                  <a:t>and serve as initialization for the elucidation of regulatory patterns of other species in terms of 6mA formulation</a:t>
+                </a:r>
+                <a:r>
+                  <a:rPr lang="en-US" altLang="zh-TW" sz="2000" dirty="0"/>
+                  <a:t>. Classical back-propagation was leveraged for training. All layers of the networks were trained with the aid of a stochastic gradient descent algorithm. Specifically, the initial learning rate was 0.01 with a decay factor of 1×</a:t>
+                </a:r>
+                <a14:m>
+                  <m:oMath xmlns:m="http://schemas.openxmlformats.org/officeDocument/2006/math">
+                    <m:sSup>
+                      <m:sSupPr>
+                        <m:ctrlPr>
+                          <a:rPr lang="en-US" altLang="zh-TW" sz="2000" i="1" smtClean="0">
+                            <a:latin typeface="Cambria Math" panose="02040503050406030204" pitchFamily="18" charset="0"/>
+                          </a:rPr>
+                        </m:ctrlPr>
+                      </m:sSupPr>
+                      <m:e>
+                        <m:r>
+                          <a:rPr lang="en-US" altLang="zh-TW" sz="2000" i="1">
+                            <a:latin typeface="Cambria Math" panose="02040503050406030204" pitchFamily="18" charset="0"/>
+                          </a:rPr>
+                          <m:t>1</m:t>
+                        </m:r>
+                        <m:r>
+                          <a:rPr lang="en-US" altLang="zh-TW" sz="2000" i="1" smtClean="0">
+                            <a:latin typeface="Cambria Math" panose="02040503050406030204" pitchFamily="18" charset="0"/>
+                          </a:rPr>
+                          <m:t>0</m:t>
+                        </m:r>
+                      </m:e>
+                      <m:sup>
+                        <m:r>
+                          <a:rPr lang="en-US" altLang="zh-TW" sz="2000" i="1">
+                            <a:latin typeface="Cambria Math" panose="02040503050406030204" pitchFamily="18" charset="0"/>
+                          </a:rPr>
+                          <m:t>-</m:t>
+                        </m:r>
+                        <m:r>
+                          <a:rPr lang="en-US" altLang="zh-TW" sz="2000" i="1" smtClean="0">
+                            <a:latin typeface="Cambria Math" panose="02040503050406030204" pitchFamily="18" charset="0"/>
+                          </a:rPr>
+                          <m:t>6</m:t>
+                        </m:r>
+                      </m:sup>
+                    </m:sSup>
+                  </m:oMath>
+                </a14:m>
+                <a:r>
+                  <a:rPr lang="en-US" altLang="zh-TW" sz="2000" dirty="0"/>
+                  <a:t> and </a:t>
+                </a:r>
+                <a:r>
+                  <a:rPr lang="en-US" altLang="zh-TW" sz="2000" dirty="0" err="1"/>
+                  <a:t>Nesterov</a:t>
+                </a:r>
+                <a:r>
+                  <a:rPr lang="en-US" altLang="zh-TW" sz="2000" dirty="0"/>
+                  <a:t> momentum of 0.9. We used </a:t>
+                </a:r>
+                <a:r>
+                  <a:rPr lang="en-US" altLang="zh-TW" sz="2000" dirty="0" err="1"/>
+                  <a:t>Keras</a:t>
+                </a:r>
+                <a:r>
+                  <a:rPr lang="en-US" altLang="zh-TW" sz="2000" dirty="0"/>
+                  <a:t> (https://keras.io) with a backend of Theano (http://deeplearning.net/software/ </a:t>
+                </a:r>
+                <a:r>
+                  <a:rPr lang="en-US" altLang="zh-TW" sz="2000" dirty="0" err="1"/>
+                  <a:t>theano_versions</a:t>
+                </a:r>
+                <a:r>
+                  <a:rPr lang="en-US" altLang="zh-TW" sz="2000" dirty="0"/>
+                  <a:t>/0.8.X/) to train, validate and test all network architectures.</a:t>
+                </a:r>
+              </a:p>
+            </p:txBody>
+          </p:sp>
+        </mc:Choice>
+        <mc:Fallback>
+          <p:sp>
+            <p:nvSpPr>
+              <p:cNvPr id="3" name="內容版面配置區 2">
+                <a:extLst>
+                  <a:ext uri="{FF2B5EF4-FFF2-40B4-BE49-F238E27FC236}">
+                    <a16:creationId xmlns:a16="http://schemas.microsoft.com/office/drawing/2014/main" id="{C90D2800-46B8-BD0E-6E8D-36BC4AA8FE50}"/>
+                  </a:ext>
+                </a:extLst>
+              </p:cNvPr>
+              <p:cNvSpPr>
+                <a:spLocks noGrp="1" noRot="1" noChangeAspect="1" noMove="1" noResize="1" noEditPoints="1" noAdjustHandles="1" noChangeArrowheads="1" noChangeShapeType="1" noTextEdit="1"/>
+              </p:cNvSpPr>
+              <p:nvPr>
+                <p:ph idx="1"/>
+              </p:nvPr>
+            </p:nvSpPr>
+            <p:spPr>
+              <a:xfrm>
+                <a:off x="829491" y="461555"/>
+                <a:ext cx="10515600" cy="5506354"/>
+              </a:xfrm>
+              <a:blipFill>
+                <a:blip r:embed="rId2"/>
+                <a:stretch>
+                  <a:fillRect l="-580" t="-1218" r="-1101"/>
+                </a:stretch>
+              </a:blipFill>
+            </p:spPr>
+            <p:txBody>
+              <a:bodyPr/>
+              <a:lstStyle/>
+              <a:p>
+                <a:r>
+                  <a:rPr lang="zh-TW" altLang="en-US">
+                    <a:noFill/>
+                  </a:rPr>
+                  <a:t> </a:t>
+                </a:r>
+              </a:p>
+            </p:txBody>
+          </p:sp>
+        </mc:Fallback>
+      </mc:AlternateContent>
     </p:spTree>
     <p:extLst>
       <p:ext uri="{BB962C8B-B14F-4D97-AF65-F5344CB8AC3E}">
@@ -3950,15 +4042,7 @@
             </a:r>
             <a:r>
               <a:rPr lang="en-US" altLang="zh-TW" sz="2000" dirty="0"/>
-              <a:t>As a result, we obtained 801 6mA peaks (Supplementary Table 4). Because of the limitations of the 6mA-DNA-IP-Seq technology, we were not able to know the exact sites of adenine that are methylated in these 6mA peaks. To evaluate the prediction performance of our DeepM6A model on these 6mA sites identified by 6mA-DNA-IP-seq, </a:t>
-            </a:r>
-            <a:r>
-              <a:rPr lang="en-US" altLang="zh-TW" sz="2000" dirty="0">
-                <a:solidFill>
-                  <a:srgbClr val="FF0000"/>
-                </a:solidFill>
-              </a:rPr>
-              <a:t>we first selected all adenine sites around the 50bp flanking context (upstream and downstream) of both forward (Supplementary Table 5) and reverse strands (Supplementary Table 6) for each 6mA peak. Only eight out of all contextual adenine sites around peaks were covered by the dataset we used to develop our DeepM6A. </a:t>
+              <a:t>As a result, we obtained 801 6mA peaks (Supplementary Table 4). Because of the limitations of the 6mA-DNA-IP-Seq technology, we were not able to know the exact sites of adenine that are methylated in these 6mA peaks. To evaluate the prediction performance of our DeepM6A model on these 6mA sites identified by 6mA-DNA-IP-seq, we first selected all adenine sites around the 50bp flanking context (upstream and downstream) of both forward (Supplementary Table 5) and reverse strands (Supplementary Table 6) for each 6mA peak. Only eight out of all contextual adenine sites around peaks were covered by the dataset we used to develop our DeepM6A. </a:t>
             </a:r>
           </a:p>
         </p:txBody>
@@ -4012,7 +4096,7 @@
         <p:spPr>
           <a:xfrm>
             <a:off x="829491" y="461555"/>
-            <a:ext cx="10731138" cy="5506354"/>
+            <a:ext cx="5048795" cy="5506354"/>
           </a:xfrm>
         </p:spPr>
         <p:txBody>
@@ -4072,8 +4156,8 @@
         </p:blipFill>
         <p:spPr>
           <a:xfrm>
-            <a:off x="4019003" y="2881771"/>
-            <a:ext cx="4352114" cy="3800241"/>
+            <a:off x="5878286" y="564192"/>
+            <a:ext cx="5850727" cy="5108821"/>
           </a:xfrm>
           <a:prstGeom prst="rect">
             <a:avLst/>
@@ -5143,8 +5227,8 @@
           <a:chExt cx="0" cy="0"/>
         </a:xfrm>
       </p:grpSpPr>
-      <mc:AlternateContent xmlns:mc="http://schemas.openxmlformats.org/markup-compatibility/2006">
-        <mc:Choice xmlns:a14="http://schemas.microsoft.com/office/drawing/2010/main" Requires="a14">
+      <mc:AlternateContent xmlns:mc="http://schemas.openxmlformats.org/markup-compatibility/2006" xmlns:a14="http://schemas.microsoft.com/office/drawing/2010/main">
+        <mc:Choice Requires="a14">
           <p:sp>
             <p:nvSpPr>
               <p:cNvPr id="3" name="內容版面配置區 2">
@@ -5354,7 +5438,7 @@
             </p:txBody>
           </p:sp>
         </mc:Choice>
-        <mc:Fallback>
+        <mc:Fallback xmlns="">
           <p:sp>
             <p:nvSpPr>
               <p:cNvPr id="3" name="內容版面配置區 2">
@@ -6197,19 +6281,7 @@
             </a:pPr>
             <a:r>
               <a:rPr lang="en-US" altLang="zh-TW" sz="2000" dirty="0"/>
-              <a:t>     Further examination of the salient patterns revealed by SM-CAP shows that these patterns are more discriminative and account for more than 45% of the 6mA sites with an odds ratio of more than 20 for A. thaliana (Table 2) and D. melanogaster (Table 3), respectively (see Methods). As a comparison, we also tried to elucidate conventional motif patterns using HOMER(Supplementary Figs. 10–12) (all with odds ratios of less than 2 for the two eukaryotes). </a:t>
-            </a:r>
-            <a:r>
-              <a:rPr lang="en-US" altLang="zh-TW" sz="2000" dirty="0">
-                <a:solidFill>
-                  <a:srgbClr val="FF0000"/>
-                </a:solidFill>
-              </a:rPr>
-              <a:t>It is noted that conventional conserved motifs could be a special case of the patterns SM-CAP can capture</a:t>
-            </a:r>
-            <a:r>
-              <a:rPr lang="en-US" altLang="zh-TW" sz="2000" dirty="0"/>
-              <a:t>. An example in point is the well-known motif GATC (−1bp, +2bp) in E. coli, as also identified successfully by SM-CAP (Table 4)</a:t>
+              <a:t>     Further examination of the salient patterns revealed by SM-CAP shows that these patterns are more discriminative and account for more than 45% of the 6mA sites with an odds ratio of more than 20 for A. thaliana (Table 2) and D. melanogaster (Table 3), respectively (see Methods). As a comparison, we also tried to elucidate conventional motif patterns using HOMER(Supplementary Figs. 10–12) (all with odds ratios of less than 2 for the two eukaryotes). It is noted that conventional conserved motifs could be a special case of the patterns SM-CAP can capture. An example in point is the well-known motif GATC (−1bp, +2bp) in E. coli, as also identified successfully by SM-CAP (Table 4)</a:t>
             </a:r>
             <a:endParaRPr lang="zh-TW" altLang="en-US" sz="2000" dirty="0"/>
           </a:p>
@@ -6326,19 +6398,7 @@
             </a:r>
             <a:r>
               <a:rPr lang="en-US" altLang="zh-TW" sz="2000" dirty="0"/>
-              <a:t>Briefly, we grew the Columbia-0 ecotype of A. thaliana in a chamber under long-day conditions and extracted gDNA from nine-day-old seedlings. We produced two biological replicates and sonicated the gDNA into ~300-bp fragments. Following ref. 22, </a:t>
-            </a:r>
-            <a:r>
-              <a:rPr lang="en-US" altLang="zh-TW" sz="2000" dirty="0">
-                <a:solidFill>
-                  <a:srgbClr val="FF0000"/>
-                </a:solidFill>
-              </a:rPr>
-              <a:t>we then used the same 6mA antibody to pull down 6mA-methylated DNA fragments, followed by high-throughput next-generation sequencing. We mapped the sequencing data (GEO accession no. GSE149060) to the plant reference genome and used MACS2 to call peaks (enriched regions) that contained 6mA sites. </a:t>
-            </a:r>
-            <a:r>
-              <a:rPr lang="en-US" altLang="zh-TW" sz="2000" dirty="0"/>
-              <a:t>Under a false discovery rate (FDR) cutoff of 0.05, MACS2 reported 297 and 376 peaks for the two replicates, respectively. As shown in Fig. 5b,c, DeepM6A predicted most of those DNA-IP-Seq validated 6mA sites with very high probability (&gt;0.95), while as negative control, DeepM6A predicted most randomly selected adenines with very low probability (&lt;0.05). This cross-platform independent experimental validation confirms the accuracy of DeepM6A.</a:t>
+              <a:t>Briefly, we grew the Columbia-0 ecotype of A. thaliana in a chamber under long-day conditions and extracted gDNA from nine-day-old seedlings. We produced two biological replicates and sonicated the gDNA into ~300-bp fragments. Following ref. 22, we then used the same 6mA antibody to pull down 6mA-methylated DNA fragments, followed by high-throughput next-generation sequencing. We mapped the sequencing data (GEO accession no. GSE149060) to the plant reference genome and used MACS2 to call peaks (enriched regions) that contained 6mA sites. Under a false discovery rate (FDR) cutoff of 0.05, MACS2 reported 297 and 376 peaks for the two replicates, respectively. As shown in Fig. 5b,c, DeepM6A predicted most of those DNA-IP-Seq validated 6mA sites with very high probability (&gt;0.95), while as negative control, DeepM6A predicted most randomly selected adenines with very low probability (&lt;0.05). This cross-platform independent experimental validation confirms the accuracy of DeepM6A.</a:t>
             </a:r>
           </a:p>
         </p:txBody>
@@ -7459,6 +7519,36 @@
           </a:p>
         </p:txBody>
       </p:sp>
+      <p:pic>
+        <p:nvPicPr>
+          <p:cNvPr id="4" name="圖片 3">
+            <a:extLst>
+              <a:ext uri="{FF2B5EF4-FFF2-40B4-BE49-F238E27FC236}">
+                <a16:creationId xmlns:a16="http://schemas.microsoft.com/office/drawing/2014/main" id="{CF8F7CB6-B9E4-8E7E-C0EF-FEBF4FBEFBC1}"/>
+              </a:ext>
+            </a:extLst>
+          </p:cNvPr>
+          <p:cNvPicPr>
+            <a:picLocks noChangeAspect="1"/>
+          </p:cNvPicPr>
+          <p:nvPr/>
+        </p:nvPicPr>
+        <p:blipFill>
+          <a:blip r:embed="rId2"/>
+          <a:stretch>
+            <a:fillRect/>
+          </a:stretch>
+        </p:blipFill>
+        <p:spPr>
+          <a:xfrm>
+            <a:off x="2923732" y="3638256"/>
+            <a:ext cx="6344535" cy="1428949"/>
+          </a:xfrm>
+          <a:prstGeom prst="rect">
+            <a:avLst/>
+          </a:prstGeom>
+        </p:spPr>
+      </p:pic>
     </p:spTree>
     <p:extLst>
       <p:ext uri="{BB962C8B-B14F-4D97-AF65-F5344CB8AC3E}">
